--- a/Presentation.pptx
+++ b/Presentation.pptx
@@ -18,8 +18,8 @@
     <p:sldId id="263" r:id="rId9"/>
     <p:sldId id="265" r:id="rId10"/>
     <p:sldId id="266" r:id="rId11"/>
-    <p:sldId id="267" r:id="rId12"/>
-    <p:sldId id="268" r:id="rId13"/>
+    <p:sldId id="268" r:id="rId12"/>
+    <p:sldId id="267" r:id="rId13"/>
     <p:sldId id="264" r:id="rId14"/>
   </p:sldIdLst>
   <p:sldSz cx="12192000" cy="6858000"/>
@@ -304,7 +304,6 @@
               <a:rPr lang="en-US"/>
               <a:t>Fifth level</a:t>
             </a:r>
-            <a:endParaRPr lang="en-US"/>
           </a:p>
         </p:txBody>
       </p:sp>
@@ -6648,7 +6647,142 @@
           <a:bodyPr/>
           <a:lstStyle/>
           <a:p>
-            <a:endParaRPr lang="en-US"/>
+            <a:r>
+              <a:rPr lang="en-US" dirty="0"/>
+              <a:t>The goal: Try to see the difference between non nullable and nullable reference type (similarly like value types – </a:t>
+            </a:r>
+            <a:r>
+              <a:rPr lang="en-US" dirty="0" err="1"/>
+              <a:t>int</a:t>
+            </a:r>
+            <a:r>
+              <a:rPr lang="en-US" dirty="0"/>
+              <a:t>, </a:t>
+            </a:r>
+            <a:r>
+              <a:rPr lang="en-US" dirty="0" err="1"/>
+              <a:t>int</a:t>
+            </a:r>
+            <a:r>
+              <a:rPr lang="en-US" dirty="0"/>
+              <a:t>?)</a:t>
+            </a:r>
+          </a:p>
+          <a:p>
+            <a:r>
+              <a:rPr lang="en-US" dirty="0"/>
+              <a:t>Maybe Monad structure is created</a:t>
+            </a:r>
+          </a:p>
+          <a:p>
+            <a:r>
+              <a:rPr lang="en-US" dirty="0"/>
+              <a:t>Compare methods </a:t>
+            </a:r>
+            <a:r>
+              <a:rPr lang="en-US" b="1" dirty="0">
+                <a:solidFill>
+                  <a:srgbClr val="FF0000"/>
+                </a:solidFill>
+              </a:rPr>
+              <a:t>Product </a:t>
+            </a:r>
+            <a:r>
+              <a:rPr lang="en-US" b="1" dirty="0" err="1">
+                <a:solidFill>
+                  <a:srgbClr val="FF0000"/>
+                </a:solidFill>
+              </a:rPr>
+              <a:t>GetById</a:t>
+            </a:r>
+            <a:r>
+              <a:rPr lang="en-US" b="1" dirty="0">
+                <a:solidFill>
+                  <a:srgbClr val="FF0000"/>
+                </a:solidFill>
+              </a:rPr>
+              <a:t>(</a:t>
+            </a:r>
+            <a:r>
+              <a:rPr lang="en-US" b="1" dirty="0" err="1">
+                <a:solidFill>
+                  <a:srgbClr val="FF0000"/>
+                </a:solidFill>
+              </a:rPr>
+              <a:t>PosistiveInt</a:t>
+            </a:r>
+            <a:r>
+              <a:rPr lang="en-US" b="1" dirty="0">
+                <a:solidFill>
+                  <a:srgbClr val="FF0000"/>
+                </a:solidFill>
+              </a:rPr>
+              <a:t> id)</a:t>
+            </a:r>
+            <a:r>
+              <a:rPr lang="en-US" dirty="0"/>
+              <a:t> vs </a:t>
+            </a:r>
+            <a:r>
+              <a:rPr lang="en-US" b="1" dirty="0">
+                <a:solidFill>
+                  <a:srgbClr val="FF0000"/>
+                </a:solidFill>
+              </a:rPr>
+              <a:t>Maybe&lt;Product&gt; </a:t>
+            </a:r>
+            <a:r>
+              <a:rPr lang="en-US" b="1" dirty="0" err="1">
+                <a:solidFill>
+                  <a:srgbClr val="FF0000"/>
+                </a:solidFill>
+              </a:rPr>
+              <a:t>GetById</a:t>
+            </a:r>
+            <a:r>
+              <a:rPr lang="en-US" b="1" dirty="0">
+                <a:solidFill>
+                  <a:srgbClr val="FF0000"/>
+                </a:solidFill>
+              </a:rPr>
+              <a:t>(</a:t>
+            </a:r>
+            <a:r>
+              <a:rPr lang="en-US" b="1" dirty="0" err="1">
+                <a:solidFill>
+                  <a:srgbClr val="FF0000"/>
+                </a:solidFill>
+              </a:rPr>
+              <a:t>PosistiveInt</a:t>
+            </a:r>
+            <a:r>
+              <a:rPr lang="en-US" b="1" dirty="0">
+                <a:solidFill>
+                  <a:srgbClr val="FF0000"/>
+                </a:solidFill>
+              </a:rPr>
+              <a:t> id)</a:t>
+            </a:r>
+          </a:p>
+          <a:p>
+            <a:r>
+              <a:rPr lang="en-US" dirty="0"/>
+              <a:t>As with method honesty first method will never return null, second can</a:t>
+            </a:r>
+          </a:p>
+          <a:p>
+            <a:r>
+              <a:rPr lang="en-US" dirty="0"/>
+              <a:t>No support of non nullability on the language level (considered in the future version of C# as a warning). Enforce adhering to the fail fast principle and preventing null can be achieved by using assembly weaver (</a:t>
+            </a:r>
+            <a:r>
+              <a:rPr lang="en-US" dirty="0" err="1"/>
+              <a:t>Fody’s</a:t>
+            </a:r>
+            <a:r>
+              <a:rPr lang="en-US" dirty="0"/>
+              <a:t> Null Guard)</a:t>
+            </a:r>
           </a:p>
         </p:txBody>
       </p:sp>
@@ -6699,7 +6833,7 @@
           <a:p>
             <a:r>
               <a:rPr lang="en-US" dirty="0"/>
-              <a:t>Railway-oriented Programming</a:t>
+              <a:t>Limitations of using Maybe Type and Null Guard</a:t>
             </a:r>
           </a:p>
         </p:txBody>
@@ -6719,14 +6853,29 @@
           <a:bodyPr/>
           <a:lstStyle/>
           <a:p>
-            <a:endParaRPr lang="en-US" dirty="0"/>
+            <a:r>
+              <a:rPr lang="en-US" dirty="0"/>
+              <a:t>Null references are wired into the .NET platform too much.</a:t>
+            </a:r>
+          </a:p>
+          <a:p>
+            <a:r>
+              <a:rPr lang="en-US" dirty="0"/>
+              <a:t>Not good to use Null Guard in application services layer, which is ASP.NET, WPF, or WCF application.</a:t>
+            </a:r>
+          </a:p>
+          <a:p>
+            <a:r>
+              <a:rPr lang="en-US" dirty="0"/>
+              <a:t>It should be used inside assemblies with domain logic code </a:t>
+            </a:r>
           </a:p>
         </p:txBody>
       </p:sp>
     </p:spTree>
     <p:extLst>
       <p:ext uri="{BB962C8B-B14F-4D97-AF65-F5344CB8AC3E}">
-        <p14:creationId xmlns:p14="http://schemas.microsoft.com/office/powerpoint/2010/main" val="4189278653"/>
+        <p14:creationId xmlns:p14="http://schemas.microsoft.com/office/powerpoint/2010/main" val="1084363120"/>
       </p:ext>
     </p:extLst>
   </p:cSld>
@@ -6770,47 +6919,367 @@
           <a:p>
             <a:r>
               <a:rPr lang="en-US" dirty="0"/>
-              <a:t>Limitations of </a:t>
+              <a:t>Elements of Railway-oriented Programming</a:t>
+            </a:r>
+          </a:p>
+        </p:txBody>
+      </p:sp>
+      <p:sp>
+        <p:nvSpPr>
+          <p:cNvPr id="3" name="Content Placeholder 2"/>
+          <p:cNvSpPr>
+            <a:spLocks noGrp="1"/>
+          </p:cNvSpPr>
+          <p:nvPr>
+            <p:ph idx="1"/>
+          </p:nvPr>
+        </p:nvSpPr>
+        <p:spPr/>
+        <p:txBody>
+          <a:bodyPr>
+            <a:normAutofit fontScale="92500" lnSpcReduction="10000"/>
+          </a:bodyPr>
+          <a:lstStyle/>
+          <a:p>
+            <a:r>
+              <a:rPr lang="en-US" dirty="0"/>
+              <a:t>Railway-oriented programming is a concept nailed by Scott </a:t>
             </a:r>
             <a:r>
               <a:rPr lang="en-US" dirty="0" err="1"/>
-              <a:t>appling</a:t>
+              <a:t>Wlaschin</a:t>
             </a:r>
             <a:r>
               <a:rPr lang="en-US" dirty="0"/>
-              <a:t> functional </a:t>
+              <a:t> at some NDC Talk in Oslo. </a:t>
+            </a:r>
+          </a:p>
+          <a:p>
+            <a:r>
+              <a:rPr lang="en-US" dirty="0"/>
+              <a:t>The idea behind it is that to replace some repeatable boilerplate code with helper extension methods working on top of the result class and it is possible to chain them and return success or stop on first failure. </a:t>
+            </a:r>
+          </a:p>
+          <a:p>
+            <a:r>
+              <a:rPr lang="en-US" dirty="0"/>
+              <a:t>Several overloads of </a:t>
             </a:r>
             <a:r>
               <a:rPr lang="en-US" dirty="0" err="1"/>
-              <a:t>priciples</a:t>
-            </a:r>
-            <a:endParaRPr lang="en-US" dirty="0"/>
-          </a:p>
-        </p:txBody>
-      </p:sp>
-      <p:sp>
-        <p:nvSpPr>
-          <p:cNvPr id="3" name="Content Placeholder 2"/>
-          <p:cNvSpPr>
-            <a:spLocks noGrp="1"/>
-          </p:cNvSpPr>
-          <p:nvPr>
-            <p:ph idx="1"/>
-          </p:nvPr>
-        </p:nvSpPr>
-        <p:spPr/>
-        <p:txBody>
-          <a:bodyPr/>
-          <a:lstStyle/>
-          <a:p>
-            <a:endParaRPr lang="en-US"/>
+              <a:t>OnSuccess</a:t>
+            </a:r>
+            <a:r>
+              <a:rPr lang="en-US" dirty="0"/>
+              <a:t> extension method was created</a:t>
+            </a:r>
+          </a:p>
+          <a:p>
+            <a:endParaRPr lang="en-US" dirty="0"/>
+          </a:p>
+          <a:p>
+            <a:pPr marL="0" indent="0">
+              <a:buNone/>
+            </a:pPr>
+            <a:r>
+              <a:rPr lang="en-US" sz="1500" b="1" dirty="0" err="1">
+                <a:solidFill>
+                  <a:srgbClr val="FF0000"/>
+                </a:solidFill>
+              </a:rPr>
+              <a:t>IResult</a:t>
+            </a:r>
+            <a:r>
+              <a:rPr lang="en-US" sz="1500" b="1" dirty="0">
+                <a:solidFill>
+                  <a:srgbClr val="FF0000"/>
+                </a:solidFill>
+              </a:rPr>
+              <a:t>&lt;</a:t>
+            </a:r>
+            <a:r>
+              <a:rPr lang="en-US" sz="1500" b="1" dirty="0" err="1">
+                <a:solidFill>
+                  <a:srgbClr val="FF0000"/>
+                </a:solidFill>
+              </a:rPr>
+              <a:t>TError</a:t>
+            </a:r>
+            <a:r>
+              <a:rPr lang="en-US" sz="1500" b="1" dirty="0">
+                <a:solidFill>
+                  <a:srgbClr val="FF0000"/>
+                </a:solidFill>
+              </a:rPr>
+              <a:t>&gt; </a:t>
+            </a:r>
+            <a:r>
+              <a:rPr lang="en-US" sz="1500" b="1" dirty="0" err="1">
+                <a:solidFill>
+                  <a:srgbClr val="FF0000"/>
+                </a:solidFill>
+              </a:rPr>
+              <a:t>OnSuccess</a:t>
+            </a:r>
+            <a:r>
+              <a:rPr lang="en-US" sz="1500" b="1" dirty="0">
+                <a:solidFill>
+                  <a:srgbClr val="FF0000"/>
+                </a:solidFill>
+              </a:rPr>
+              <a:t>&lt;</a:t>
+            </a:r>
+            <a:r>
+              <a:rPr lang="en-US" sz="1500" b="1" dirty="0" err="1">
+                <a:solidFill>
+                  <a:srgbClr val="FF0000"/>
+                </a:solidFill>
+              </a:rPr>
+              <a:t>TError</a:t>
+            </a:r>
+            <a:r>
+              <a:rPr lang="en-US" sz="1500" b="1" dirty="0">
+                <a:solidFill>
+                  <a:srgbClr val="FF0000"/>
+                </a:solidFill>
+              </a:rPr>
+              <a:t>&gt;(this </a:t>
+            </a:r>
+            <a:r>
+              <a:rPr lang="en-US" sz="1500" b="1" dirty="0" err="1">
+                <a:solidFill>
+                  <a:srgbClr val="FF0000"/>
+                </a:solidFill>
+              </a:rPr>
+              <a:t>IResult</a:t>
+            </a:r>
+            <a:r>
+              <a:rPr lang="en-US" sz="1500" b="1" dirty="0">
+                <a:solidFill>
+                  <a:srgbClr val="FF0000"/>
+                </a:solidFill>
+              </a:rPr>
+              <a:t>&lt;</a:t>
+            </a:r>
+            <a:r>
+              <a:rPr lang="en-US" sz="1500" b="1" dirty="0" err="1">
+                <a:solidFill>
+                  <a:srgbClr val="FF0000"/>
+                </a:solidFill>
+              </a:rPr>
+              <a:t>TError</a:t>
+            </a:r>
+            <a:r>
+              <a:rPr lang="en-US" sz="1500" b="1" dirty="0">
+                <a:solidFill>
+                  <a:srgbClr val="FF0000"/>
+                </a:solidFill>
+              </a:rPr>
+              <a:t>&gt; result, </a:t>
+            </a:r>
+            <a:r>
+              <a:rPr lang="en-US" sz="1500" b="1" dirty="0" err="1">
+                <a:solidFill>
+                  <a:srgbClr val="FF0000"/>
+                </a:solidFill>
+              </a:rPr>
+              <a:t>Func</a:t>
+            </a:r>
+            <a:r>
+              <a:rPr lang="en-US" sz="1500" b="1" dirty="0">
+                <a:solidFill>
+                  <a:srgbClr val="FF0000"/>
+                </a:solidFill>
+              </a:rPr>
+              <a:t>&lt;</a:t>
+            </a:r>
+            <a:r>
+              <a:rPr lang="en-US" sz="1500" b="1" dirty="0" err="1">
+                <a:solidFill>
+                  <a:srgbClr val="FF0000"/>
+                </a:solidFill>
+              </a:rPr>
+              <a:t>IResult</a:t>
+            </a:r>
+            <a:r>
+              <a:rPr lang="en-US" sz="1500" b="1" dirty="0">
+                <a:solidFill>
+                  <a:srgbClr val="FF0000"/>
+                </a:solidFill>
+              </a:rPr>
+              <a:t>&lt;</a:t>
+            </a:r>
+            <a:r>
+              <a:rPr lang="en-US" sz="1500" b="1" dirty="0" err="1">
+                <a:solidFill>
+                  <a:srgbClr val="FF0000"/>
+                </a:solidFill>
+              </a:rPr>
+              <a:t>TError</a:t>
+            </a:r>
+            <a:r>
+              <a:rPr lang="en-US" sz="1500" b="1" dirty="0">
+                <a:solidFill>
+                  <a:srgbClr val="FF0000"/>
+                </a:solidFill>
+              </a:rPr>
+              <a:t>&gt;&gt; </a:t>
+            </a:r>
+            <a:r>
+              <a:rPr lang="en-US" sz="1500" b="1" dirty="0" err="1">
+                <a:solidFill>
+                  <a:srgbClr val="FF0000"/>
+                </a:solidFill>
+              </a:rPr>
+              <a:t>nextFunc</a:t>
+            </a:r>
+            <a:r>
+              <a:rPr lang="en-US" sz="1500" b="1" dirty="0">
+                <a:solidFill>
+                  <a:srgbClr val="FF0000"/>
+                </a:solidFill>
+              </a:rPr>
+              <a:t>)</a:t>
+            </a:r>
+          </a:p>
+          <a:p>
+            <a:pPr marL="0" indent="0">
+              <a:buNone/>
+            </a:pPr>
+            <a:r>
+              <a:rPr lang="en-US" sz="1500" b="1" dirty="0">
+                <a:solidFill>
+                  <a:srgbClr val="FF0000"/>
+                </a:solidFill>
+              </a:rPr>
+              <a:t>	where </a:t>
+            </a:r>
+            <a:r>
+              <a:rPr lang="en-US" sz="1500" b="1" dirty="0" err="1">
+                <a:solidFill>
+                  <a:srgbClr val="FF0000"/>
+                </a:solidFill>
+              </a:rPr>
+              <a:t>TError</a:t>
+            </a:r>
+            <a:r>
+              <a:rPr lang="en-US" sz="1500" b="1" dirty="0">
+                <a:solidFill>
+                  <a:srgbClr val="FF0000"/>
+                </a:solidFill>
+              </a:rPr>
+              <a:t> : class</a:t>
+            </a:r>
+          </a:p>
+          <a:p>
+            <a:pPr marL="0" indent="0">
+              <a:buNone/>
+            </a:pPr>
+            <a:r>
+              <a:rPr lang="en-US" sz="1500" b="1" dirty="0">
+                <a:solidFill>
+                  <a:srgbClr val="FF0000"/>
+                </a:solidFill>
+              </a:rPr>
+              <a:t>{</a:t>
+            </a:r>
+          </a:p>
+          <a:p>
+            <a:pPr marL="0" indent="0">
+              <a:buNone/>
+            </a:pPr>
+            <a:r>
+              <a:rPr lang="en-US" sz="1500" b="1" dirty="0">
+                <a:solidFill>
+                  <a:srgbClr val="FF0000"/>
+                </a:solidFill>
+              </a:rPr>
+              <a:t>	return </a:t>
+            </a:r>
+            <a:r>
+              <a:rPr lang="en-US" sz="1500" b="1" dirty="0" err="1">
+                <a:solidFill>
+                  <a:srgbClr val="FF0000"/>
+                </a:solidFill>
+              </a:rPr>
+              <a:t>result.IsFailure</a:t>
+            </a:r>
+            <a:r>
+              <a:rPr lang="en-US" sz="1500" b="1" dirty="0">
+                <a:solidFill>
+                  <a:srgbClr val="FF0000"/>
+                </a:solidFill>
+              </a:rPr>
+              <a:t> ? Result&lt;</a:t>
+            </a:r>
+            <a:r>
+              <a:rPr lang="en-US" sz="1500" b="1" dirty="0" err="1">
+                <a:solidFill>
+                  <a:srgbClr val="FF0000"/>
+                </a:solidFill>
+              </a:rPr>
+              <a:t>TError</a:t>
+            </a:r>
+            <a:r>
+              <a:rPr lang="en-US" sz="1500" b="1" dirty="0">
+                <a:solidFill>
+                  <a:srgbClr val="FF0000"/>
+                </a:solidFill>
+              </a:rPr>
+              <a:t>&gt;.Fail(</a:t>
+            </a:r>
+            <a:r>
+              <a:rPr lang="en-US" sz="1500" b="1" dirty="0" err="1">
+                <a:solidFill>
+                  <a:srgbClr val="FF0000"/>
+                </a:solidFill>
+              </a:rPr>
+              <a:t>result.Error</a:t>
+            </a:r>
+            <a:r>
+              <a:rPr lang="en-US" sz="1500" b="1" dirty="0">
+                <a:solidFill>
+                  <a:srgbClr val="FF0000"/>
+                </a:solidFill>
+              </a:rPr>
+              <a:t>) : </a:t>
+            </a:r>
+            <a:r>
+              <a:rPr lang="en-US" sz="1500" b="1" dirty="0" err="1">
+                <a:solidFill>
+                  <a:srgbClr val="FF0000"/>
+                </a:solidFill>
+              </a:rPr>
+              <a:t>nextFunc</a:t>
+            </a:r>
+            <a:r>
+              <a:rPr lang="en-US" sz="1500" b="1" dirty="0">
+                <a:solidFill>
+                  <a:srgbClr val="FF0000"/>
+                </a:solidFill>
+              </a:rPr>
+              <a:t>();</a:t>
+            </a:r>
+          </a:p>
+          <a:p>
+            <a:pPr marL="0" indent="0">
+              <a:buNone/>
+            </a:pPr>
+            <a:r>
+              <a:rPr lang="en-US" sz="1500" b="1" dirty="0">
+                <a:solidFill>
+                  <a:srgbClr val="FF0000"/>
+                </a:solidFill>
+              </a:rPr>
+              <a:t>}</a:t>
+            </a:r>
           </a:p>
         </p:txBody>
       </p:sp>
     </p:spTree>
     <p:extLst>
       <p:ext uri="{BB962C8B-B14F-4D97-AF65-F5344CB8AC3E}">
-        <p14:creationId xmlns:p14="http://schemas.microsoft.com/office/powerpoint/2010/main" val="1084363120"/>
+        <p14:creationId xmlns:p14="http://schemas.microsoft.com/office/powerpoint/2010/main" val="4189278653"/>
       </p:ext>
     </p:extLst>
   </p:cSld>
@@ -6894,7 +7363,7 @@
           <a:p>
             <a:r>
               <a:rPr lang="en-US" dirty="0"/>
-              <a:t>Easy to test by using method honesty and avoiding primitive obsession (methods return results)</a:t>
+              <a:t>Easy to test by using method honesty and avoiding primitive obsession (almost always examine methods return results instead of checking mock received calls)</a:t>
             </a:r>
           </a:p>
           <a:p>
@@ -6989,13 +7458,13 @@
           <a:p>
             <a:r>
               <a:rPr lang="en-US" noProof="0" dirty="0"/>
-              <a:t>Additionally I used Command Query Separation (CQS) pattern</a:t>
+              <a:t>Additionally Command Query Separation (CQS) pattern is used</a:t>
             </a:r>
           </a:p>
           <a:p>
             <a:r>
               <a:rPr lang="en-US" dirty="0"/>
-              <a:t>Demo project available at https://github.com/tomekjanicki/fpdemo</a:t>
+              <a:t>Demo project (ASP.NET Web API 2 application) is available at https://github.com/tomekjanicki/fpdemo</a:t>
             </a:r>
             <a:endParaRPr lang="en-US" noProof="0" dirty="0"/>
           </a:p>
@@ -7079,7 +7548,7 @@
           <a:p>
             <a:r>
               <a:rPr lang="en-US" noProof="0" dirty="0"/>
-              <a:t>In my solution additionally every command or query is defined as a separate set of classes (one class for defining the command or query with validation logic and second for the handler which can handle i.e. interaction with external system like database or web service)</a:t>
+              <a:t>In solution additionally every command or query is defined as a separate set of classes (one class for defining the command or query with validation logic and second for the handler which can handle i.e. interaction with external system like database or web service)</a:t>
             </a:r>
           </a:p>
         </p:txBody>
@@ -7153,7 +7622,15 @@
           <a:p>
             <a:r>
               <a:rPr lang="en-US" noProof="0" dirty="0"/>
-              <a:t>Signature of the method should be honest (from the method you should be able to figure out all possible valid input parameters and method outcome)</a:t>
+              <a:t>Signature of the method should be honest (from the method </a:t>
+            </a:r>
+            <a:r>
+              <a:rPr lang="en-US" dirty="0"/>
+              <a:t>it</a:t>
+            </a:r>
+            <a:r>
+              <a:rPr lang="en-US" noProof="0" dirty="0"/>
+              <a:t> should be able to figure out all possible valid input parameters and method outcome)</a:t>
             </a:r>
           </a:p>
           <a:p>
@@ -7170,23 +7647,43 @@
               <a:buNone/>
             </a:pPr>
             <a:r>
-              <a:rPr lang="en-US" b="1" noProof="0" dirty="0"/>
+              <a:rPr lang="en-US" b="1" noProof="0" dirty="0">
+                <a:solidFill>
+                  <a:srgbClr val="FF0000"/>
+                </a:solidFill>
+              </a:rPr>
               <a:t>void </a:t>
             </a:r>
             <a:r>
-              <a:rPr lang="en-US" b="1" noProof="0" dirty="0" err="1"/>
+              <a:rPr lang="en-US" b="1" noProof="0" dirty="0" err="1">
+                <a:solidFill>
+                  <a:srgbClr val="FF0000"/>
+                </a:solidFill>
+              </a:rPr>
               <a:t>DoSth</a:t>
             </a:r>
             <a:r>
-              <a:rPr lang="en-US" b="1" noProof="0" dirty="0"/>
+              <a:rPr lang="en-US" b="1" noProof="0" dirty="0">
+                <a:solidFill>
+                  <a:srgbClr val="FF0000"/>
+                </a:solidFill>
+              </a:rPr>
               <a:t>(string p1, </a:t>
             </a:r>
             <a:r>
-              <a:rPr lang="en-US" b="1" noProof="0" dirty="0" err="1"/>
+              <a:rPr lang="en-US" b="1" noProof="0" dirty="0" err="1">
+                <a:solidFill>
+                  <a:srgbClr val="FF0000"/>
+                </a:solidFill>
+              </a:rPr>
               <a:t>int</a:t>
             </a:r>
             <a:r>
-              <a:rPr lang="en-US" b="1" noProof="0" dirty="0"/>
+              <a:rPr lang="en-US" b="1" noProof="0" dirty="0">
+                <a:solidFill>
+                  <a:srgbClr val="FF0000"/>
+                </a:solidFill>
+              </a:rPr>
               <a:t> p2)</a:t>
             </a:r>
             <a:r>
@@ -7208,31 +7705,59 @@
               <a:buNone/>
             </a:pPr>
             <a:r>
-              <a:rPr lang="en-US" b="1" noProof="0" dirty="0"/>
+              <a:rPr lang="en-US" b="1" noProof="0" dirty="0">
+                <a:solidFill>
+                  <a:srgbClr val="FF0000"/>
+                </a:solidFill>
+              </a:rPr>
               <a:t>Result </a:t>
             </a:r>
             <a:r>
-              <a:rPr lang="en-US" b="1" noProof="0" dirty="0" err="1"/>
+              <a:rPr lang="en-US" b="1" noProof="0" dirty="0" err="1">
+                <a:solidFill>
+                  <a:srgbClr val="FF0000"/>
+                </a:solidFill>
+              </a:rPr>
               <a:t>DoSth</a:t>
             </a:r>
             <a:r>
-              <a:rPr lang="en-US" b="1" noProof="0" dirty="0"/>
+              <a:rPr lang="en-US" b="1" noProof="0" dirty="0">
+                <a:solidFill>
+                  <a:srgbClr val="FF0000"/>
+                </a:solidFill>
+              </a:rPr>
               <a:t>(</a:t>
             </a:r>
             <a:r>
-              <a:rPr lang="en-US" b="1" noProof="0" dirty="0" err="1"/>
+              <a:rPr lang="en-US" b="1" noProof="0" dirty="0" err="1">
+                <a:solidFill>
+                  <a:srgbClr val="FF0000"/>
+                </a:solidFill>
+              </a:rPr>
               <a:t>NonEmptyString</a:t>
             </a:r>
             <a:r>
-              <a:rPr lang="en-US" b="1" noProof="0" dirty="0"/>
+              <a:rPr lang="en-US" b="1" noProof="0" dirty="0">
+                <a:solidFill>
+                  <a:srgbClr val="FF0000"/>
+                </a:solidFill>
+              </a:rPr>
               <a:t> p1, </a:t>
             </a:r>
             <a:r>
-              <a:rPr lang="en-US" b="1" noProof="0" dirty="0" err="1"/>
+              <a:rPr lang="en-US" b="1" noProof="0" dirty="0" err="1">
+                <a:solidFill>
+                  <a:srgbClr val="FF0000"/>
+                </a:solidFill>
+              </a:rPr>
               <a:t>PositiveInt</a:t>
             </a:r>
             <a:r>
-              <a:rPr lang="en-US" b="1" noProof="0" dirty="0"/>
+              <a:rPr lang="en-US" b="1" noProof="0" dirty="0">
+                <a:solidFill>
+                  <a:srgbClr val="FF0000"/>
+                </a:solidFill>
+              </a:rPr>
               <a:t> p2)</a:t>
             </a:r>
             <a:r>
@@ -7340,28 +7865,56 @@
               <a:buNone/>
             </a:pPr>
             <a:r>
-              <a:rPr lang="en-US" b="1" noProof="0" dirty="0"/>
+              <a:rPr lang="en-US" b="1" noProof="0" dirty="0">
+                <a:solidFill>
+                  <a:srgbClr val="FF0000"/>
+                </a:solidFill>
+              </a:rPr>
               <a:t>Result&lt;Order&gt; </a:t>
             </a:r>
             <a:r>
-              <a:rPr lang="en-US" b="1" noProof="0" dirty="0" err="1"/>
+              <a:rPr lang="en-US" b="1" noProof="0" dirty="0" err="1">
+                <a:solidFill>
+                  <a:srgbClr val="FF0000"/>
+                </a:solidFill>
+              </a:rPr>
               <a:t>GetOrderById</a:t>
             </a:r>
             <a:r>
-              <a:rPr lang="en-US" b="1" noProof="0" dirty="0"/>
+              <a:rPr lang="en-US" b="1" noProof="0" dirty="0">
+                <a:solidFill>
+                  <a:srgbClr val="FF0000"/>
+                </a:solidFill>
+              </a:rPr>
               <a:t>(</a:t>
             </a:r>
             <a:r>
-              <a:rPr lang="en-US" b="1" noProof="0" dirty="0" err="1"/>
+              <a:rPr lang="en-US" b="1" noProof="0" dirty="0" err="1">
+                <a:solidFill>
+                  <a:srgbClr val="FF0000"/>
+                </a:solidFill>
+              </a:rPr>
               <a:t>PositiveInt</a:t>
             </a:r>
             <a:r>
-              <a:rPr lang="en-US" b="1" noProof="0" dirty="0"/>
+              <a:rPr lang="en-US" b="1" noProof="0" dirty="0">
+                <a:solidFill>
+                  <a:srgbClr val="FF0000"/>
+                </a:solidFill>
+              </a:rPr>
               <a:t> id)</a:t>
             </a:r>
             <a:r>
               <a:rPr lang="en-US" noProof="0" dirty="0"/>
-              <a:t> – we can assume that this method can fail.</a:t>
+              <a:t> – </a:t>
+            </a:r>
+            <a:r>
+              <a:rPr lang="en-US" dirty="0"/>
+              <a:t>you</a:t>
+            </a:r>
+            <a:r>
+              <a:rPr lang="en-US" noProof="0" dirty="0"/>
+              <a:t> can assume that this method can fail.</a:t>
             </a:r>
           </a:p>
           <a:p>
@@ -7378,28 +7931,48 @@
               <a:buNone/>
             </a:pPr>
             <a:r>
-              <a:rPr lang="en-US" b="1" noProof="0" dirty="0"/>
+              <a:rPr lang="en-US" b="1" noProof="0" dirty="0">
+                <a:solidFill>
+                  <a:srgbClr val="FF0000"/>
+                </a:solidFill>
+              </a:rPr>
               <a:t>Order </a:t>
             </a:r>
             <a:r>
-              <a:rPr lang="en-US" b="1" noProof="0" dirty="0" err="1"/>
+              <a:rPr lang="en-US" b="1" noProof="0" dirty="0" err="1">
+                <a:solidFill>
+                  <a:srgbClr val="FF0000"/>
+                </a:solidFill>
+              </a:rPr>
               <a:t>GetOrderById</a:t>
             </a:r>
             <a:r>
-              <a:rPr lang="en-US" b="1" noProof="0" dirty="0"/>
+              <a:rPr lang="en-US" b="1" noProof="0" dirty="0">
+                <a:solidFill>
+                  <a:srgbClr val="FF0000"/>
+                </a:solidFill>
+              </a:rPr>
               <a:t>(</a:t>
             </a:r>
             <a:r>
-              <a:rPr lang="en-US" b="1" noProof="0" dirty="0" err="1"/>
+              <a:rPr lang="en-US" b="1" noProof="0" dirty="0" err="1">
+                <a:solidFill>
+                  <a:srgbClr val="FF0000"/>
+                </a:solidFill>
+              </a:rPr>
               <a:t>PositiveInt</a:t>
             </a:r>
             <a:r>
-              <a:rPr lang="en-US" b="1" noProof="0" dirty="0"/>
+              <a:rPr lang="en-US" b="1" noProof="0" dirty="0">
+                <a:solidFill>
+                  <a:srgbClr val="FF0000"/>
+                </a:solidFill>
+              </a:rPr>
               <a:t> id)</a:t>
             </a:r>
             <a:r>
               <a:rPr lang="en-US" noProof="0" dirty="0"/>
-              <a:t> – we can assume that this method will never fail.</a:t>
+              <a:t> – you can assume that this method will never fail.</a:t>
             </a:r>
           </a:p>
           <a:p>
@@ -7577,13 +8150,13 @@
           <a:p>
             <a:r>
               <a:rPr lang="en-US" dirty="0"/>
-              <a:t>Form a perspective of a third party library some situation are exceptional like i.e. SQL Connection can’t connect to database, but from our perspective we can expect the situation and in some way we can react/recover from this situation</a:t>
+              <a:t>Form a perspective of a third party library some situation are exceptional like i.e. SQL Connection can’t connect to database, but from application perspective the situation is expected and in some way it can react/recover from this situation</a:t>
             </a:r>
           </a:p>
           <a:p>
             <a:r>
               <a:rPr lang="en-US" dirty="0"/>
-              <a:t>We should catch this kind of situation at the possible lowest level in  call stack and convert it into result returned from method</a:t>
+              <a:t>Above situation should be a catch at the possible lowest level in call stack and it should be converted into result returned from method</a:t>
             </a:r>
           </a:p>
         </p:txBody>
@@ -7679,7 +8252,11 @@
               <a:buNone/>
             </a:pPr>
             <a:r>
-              <a:rPr lang="en-US" dirty="0"/>
+              <a:rPr lang="en-US" b="1" dirty="0">
+                <a:solidFill>
+                  <a:srgbClr val="FF0000"/>
+                </a:solidFill>
+              </a:rPr>
               <a:t>void Update(Order order)</a:t>
             </a:r>
           </a:p>
@@ -7688,7 +8265,11 @@
               <a:buNone/>
             </a:pPr>
             <a:r>
-              <a:rPr lang="en-US" dirty="0"/>
+              <a:rPr lang="en-US" b="1" dirty="0">
+                <a:solidFill>
+                  <a:srgbClr val="FF0000"/>
+                </a:solidFill>
+              </a:rPr>
               <a:t>	{</a:t>
             </a:r>
           </a:p>
@@ -7697,7 +8278,11 @@
               <a:buNone/>
             </a:pPr>
             <a:r>
-              <a:rPr lang="en-US" dirty="0"/>
+              <a:rPr lang="en-US" b="1" dirty="0">
+                <a:solidFill>
+                  <a:srgbClr val="FF0000"/>
+                </a:solidFill>
+              </a:rPr>
               <a:t>		try</a:t>
             </a:r>
           </a:p>
@@ -7706,7 +8291,11 @@
               <a:buNone/>
             </a:pPr>
             <a:r>
-              <a:rPr lang="en-US" dirty="0"/>
+              <a:rPr lang="en-US" b="1" dirty="0">
+                <a:solidFill>
+                  <a:srgbClr val="FF0000"/>
+                </a:solidFill>
+              </a:rPr>
               <a:t>		{</a:t>
             </a:r>
           </a:p>
@@ -7715,15 +8304,27 @@
               <a:buNone/>
             </a:pPr>
             <a:r>
-              <a:rPr lang="en-US" dirty="0"/>
+              <a:rPr lang="en-US" b="1" dirty="0">
+                <a:solidFill>
+                  <a:srgbClr val="FF0000"/>
+                </a:solidFill>
+              </a:rPr>
               <a:t>			_</a:t>
             </a:r>
             <a:r>
-              <a:rPr lang="en-US" dirty="0" err="1"/>
+              <a:rPr lang="en-US" b="1" dirty="0" err="1">
+                <a:solidFill>
+                  <a:srgbClr val="FF0000"/>
+                </a:solidFill>
+              </a:rPr>
               <a:t>repository.Update</a:t>
             </a:r>
             <a:r>
-              <a:rPr lang="en-US" dirty="0"/>
+              <a:rPr lang="en-US" b="1" dirty="0">
+                <a:solidFill>
+                  <a:srgbClr val="FF0000"/>
+                </a:solidFill>
+              </a:rPr>
               <a:t>(order);</a:t>
             </a:r>
           </a:p>
@@ -7732,7 +8333,11 @@
               <a:buNone/>
             </a:pPr>
             <a:r>
-              <a:rPr lang="en-US" dirty="0"/>
+              <a:rPr lang="en-US" b="1" dirty="0">
+                <a:solidFill>
+                  <a:srgbClr val="FF0000"/>
+                </a:solidFill>
+              </a:rPr>
               <a:t>		}</a:t>
             </a:r>
           </a:p>
@@ -7741,7 +8346,11 @@
               <a:buNone/>
             </a:pPr>
             <a:r>
-              <a:rPr lang="en-US" dirty="0"/>
+              <a:rPr lang="en-US" b="1" dirty="0">
+                <a:solidFill>
+                  <a:srgbClr val="FF0000"/>
+                </a:solidFill>
+              </a:rPr>
               <a:t>		catch (Exception ex)</a:t>
             </a:r>
           </a:p>
@@ -7750,7 +8359,11 @@
               <a:buNone/>
             </a:pPr>
             <a:r>
-              <a:rPr lang="en-US" dirty="0"/>
+              <a:rPr lang="en-US" b="1" dirty="0">
+                <a:solidFill>
+                  <a:srgbClr val="FF0000"/>
+                </a:solidFill>
+              </a:rPr>
               <a:t>		{</a:t>
             </a:r>
           </a:p>
@@ -7759,15 +8372,27 @@
               <a:buNone/>
             </a:pPr>
             <a:r>
-              <a:rPr lang="en-US" dirty="0"/>
+              <a:rPr lang="en-US" b="1" dirty="0">
+                <a:solidFill>
+                  <a:srgbClr val="FF0000"/>
+                </a:solidFill>
+              </a:rPr>
               <a:t>			_</a:t>
             </a:r>
             <a:r>
-              <a:rPr lang="en-US" dirty="0" err="1"/>
+              <a:rPr lang="en-US" b="1" dirty="0" err="1">
+                <a:solidFill>
+                  <a:srgbClr val="FF0000"/>
+                </a:solidFill>
+              </a:rPr>
               <a:t>logger.LogError</a:t>
             </a:r>
             <a:r>
-              <a:rPr lang="en-US" dirty="0"/>
+              <a:rPr lang="en-US" b="1" dirty="0">
+                <a:solidFill>
+                  <a:srgbClr val="FF0000"/>
+                </a:solidFill>
+              </a:rPr>
               <a:t>(ex);</a:t>
             </a:r>
           </a:p>
@@ -7776,7 +8401,11 @@
               <a:buNone/>
             </a:pPr>
             <a:r>
-              <a:rPr lang="en-US" dirty="0"/>
+              <a:rPr lang="en-US" b="1" dirty="0">
+                <a:solidFill>
+                  <a:srgbClr val="FF0000"/>
+                </a:solidFill>
+              </a:rPr>
               <a:t>		}</a:t>
             </a:r>
           </a:p>
@@ -7785,7 +8414,11 @@
               <a:buNone/>
             </a:pPr>
             <a:r>
-              <a:rPr lang="en-US" dirty="0"/>
+              <a:rPr lang="en-US" b="1" dirty="0">
+                <a:solidFill>
+                  <a:srgbClr val="FF0000"/>
+                </a:solidFill>
+              </a:rPr>
               <a:t>	}</a:t>
             </a:r>
           </a:p>
@@ -7868,7 +8501,11 @@
               <a:t>Primitive obsession is an anti-pattern that stands for using primitive types for domain modeling – compare </a:t>
             </a:r>
             <a:r>
-              <a:rPr lang="en-US" b="1" dirty="0"/>
+              <a:rPr lang="en-US" b="1" dirty="0">
+                <a:solidFill>
+                  <a:srgbClr val="FF0000"/>
+                </a:solidFill>
+              </a:rPr>
               <a:t>void Send(string email)</a:t>
             </a:r>
             <a:r>
@@ -7876,7 +8513,11 @@
               <a:t> vs </a:t>
             </a:r>
             <a:r>
-              <a:rPr lang="en-US" b="1" dirty="0"/>
+              <a:rPr lang="en-US" b="1" dirty="0">
+                <a:solidFill>
+                  <a:srgbClr val="FF0000"/>
+                </a:solidFill>
+              </a:rPr>
               <a:t>void Send(Email email)</a:t>
             </a:r>
           </a:p>
@@ -7889,13 +8530,13 @@
           <a:p>
             <a:r>
               <a:rPr lang="en-US" dirty="0"/>
-              <a:t>Avoiding Primitive Obsession allows you to be DRY. You only implement the logic once and use the object</a:t>
+              <a:t>Avoiding Primitive Obsession allows to be DRY. You only implement the logic once and use the object</a:t>
             </a:r>
           </a:p>
           <a:p>
             <a:r>
               <a:rPr lang="en-US" dirty="0"/>
-              <a:t>I used this pattern for many standard application framework objects like: </a:t>
+              <a:t>This pattern is used for many standard application framework objects like: </a:t>
             </a:r>
             <a:r>
               <a:rPr lang="en-US" dirty="0" err="1"/>
@@ -7941,7 +8582,7 @@
           <a:p>
             <a:r>
               <a:rPr lang="en-US" dirty="0"/>
-              <a:t>I used this pattern also for domain object like product Code – i.e. should be not empty string, max. 20 chars, can contain only digits and English uppercase letters</a:t>
+              <a:t>This pattern is also used for domain object like product Code – i.e. should be not empty string, max. 20 chars, can contain only digits and English uppercase letters</a:t>
             </a:r>
           </a:p>
           <a:p>

--- a/Presentation.pptx
+++ b/Presentation.pptx
@@ -520,7 +520,93 @@
           <a:bodyPr/>
           <a:lstStyle/>
           <a:p>
-            <a:endParaRPr lang="en-US" dirty="0"/>
+            <a:r>
+              <a:rPr lang="en-US" sz="1200" kern="1200" dirty="0" err="1">
+                <a:solidFill>
+                  <a:schemeClr val="tx1"/>
+                </a:solidFill>
+                <a:latin typeface="+mn-lt"/>
+                <a:ea typeface="+mn-ea"/>
+                <a:cs typeface="+mn-cs"/>
+              </a:rPr>
+              <a:t>Demo.Logic.CQ.UpdateProduct</a:t>
+            </a:r>
+            <a:r>
+              <a:rPr lang="pl-PL" sz="1200" kern="1200" dirty="0">
+                <a:solidFill>
+                  <a:schemeClr val="tx1"/>
+                </a:solidFill>
+                <a:latin typeface="+mn-lt"/>
+                <a:ea typeface="+mn-ea"/>
+                <a:cs typeface="+mn-cs"/>
+              </a:rPr>
+              <a:t>.</a:t>
+            </a:r>
+            <a:r>
+              <a:rPr lang="en-US" sz="1200" kern="1200" dirty="0">
+                <a:solidFill>
+                  <a:schemeClr val="tx1"/>
+                </a:solidFill>
+                <a:latin typeface="+mn-lt"/>
+                <a:ea typeface="+mn-ea"/>
+                <a:cs typeface="+mn-cs"/>
+              </a:rPr>
+              <a:t>Command</a:t>
+            </a:r>
+            <a:endParaRPr lang="pl-PL" sz="1200" kern="1200" dirty="0">
+              <a:solidFill>
+                <a:schemeClr val="tx1"/>
+              </a:solidFill>
+              <a:latin typeface="+mn-lt"/>
+              <a:ea typeface="+mn-ea"/>
+              <a:cs typeface="+mn-cs"/>
+            </a:endParaRPr>
+          </a:p>
+          <a:p>
+            <a:r>
+              <a:rPr lang="en-US" sz="1200" kern="1200" dirty="0" err="1">
+                <a:solidFill>
+                  <a:schemeClr val="tx1"/>
+                </a:solidFill>
+                <a:latin typeface="+mn-lt"/>
+                <a:ea typeface="+mn-ea"/>
+                <a:cs typeface="+mn-cs"/>
+              </a:rPr>
+              <a:t>Demo.Logic.CQ.UpdateProduct</a:t>
+            </a:r>
+            <a:r>
+              <a:rPr lang="pl-PL" sz="1200" kern="1200" dirty="0">
+                <a:solidFill>
+                  <a:schemeClr val="tx1"/>
+                </a:solidFill>
+                <a:latin typeface="+mn-lt"/>
+                <a:ea typeface="+mn-ea"/>
+                <a:cs typeface="+mn-cs"/>
+              </a:rPr>
+              <a:t>.</a:t>
+            </a:r>
+            <a:r>
+              <a:rPr lang="en-US" sz="1200" kern="1200" dirty="0">
+                <a:solidFill>
+                  <a:schemeClr val="tx1"/>
+                </a:solidFill>
+                <a:latin typeface="+mn-lt"/>
+                <a:ea typeface="+mn-ea"/>
+                <a:cs typeface="+mn-cs"/>
+              </a:rPr>
+              <a:t>Command</a:t>
+            </a:r>
+            <a:r>
+              <a:rPr lang="pl-PL" sz="1200" kern="1200" dirty="0">
+                <a:solidFill>
+                  <a:schemeClr val="tx1"/>
+                </a:solidFill>
+                <a:latin typeface="+mn-lt"/>
+                <a:ea typeface="+mn-ea"/>
+                <a:cs typeface="+mn-cs"/>
+              </a:rPr>
+              <a:t>Handler</a:t>
+            </a:r>
           </a:p>
         </p:txBody>
       </p:sp>
@@ -541,7 +627,7 @@
           <a:p>
             <a:fld id="{4EAAF290-B62D-4CB0-8AC8-2F3F85108F39}" type="slidenum">
               <a:rPr lang="en-US" smtClean="0"/>
-              <a:t>8</a:t>
+              <a:t>3</a:t>
             </a:fld>
             <a:endParaRPr lang="en-US"/>
           </a:p>
@@ -550,7 +636,167 @@
     </p:spTree>
     <p:extLst>
       <p:ext uri="{BB962C8B-B14F-4D97-AF65-F5344CB8AC3E}">
-        <p14:creationId xmlns:p14="http://schemas.microsoft.com/office/powerpoint/2010/main" val="851725014"/>
+        <p14:creationId xmlns:p14="http://schemas.microsoft.com/office/powerpoint/2010/main" val="639511320"/>
+      </p:ext>
+    </p:extLst>
+  </p:cSld>
+  <p:clrMapOvr>
+    <a:masterClrMapping/>
+  </p:clrMapOvr>
+</p:notes>
+</file>
+
+<file path=ppt/notesSlides/notesSlide10.xml><?xml version="1.0" encoding="utf-8"?>
+<p:notes xmlns:a="http://schemas.openxmlformats.org/drawingml/2006/main" xmlns:r="http://schemas.openxmlformats.org/officeDocument/2006/relationships" xmlns:p="http://schemas.openxmlformats.org/presentationml/2006/main">
+  <p:cSld>
+    <p:spTree>
+      <p:nvGrpSpPr>
+        <p:cNvPr id="1" name=""/>
+        <p:cNvGrpSpPr/>
+        <p:nvPr/>
+      </p:nvGrpSpPr>
+      <p:grpSpPr>
+        <a:xfrm>
+          <a:off x="0" y="0"/>
+          <a:ext cx="0" cy="0"/>
+          <a:chOff x="0" y="0"/>
+          <a:chExt cx="0" cy="0"/>
+        </a:xfrm>
+      </p:grpSpPr>
+      <p:sp>
+        <p:nvSpPr>
+          <p:cNvPr id="2" name="Slide Image Placeholder 1"/>
+          <p:cNvSpPr>
+            <a:spLocks noGrp="1" noRot="1" noChangeAspect="1"/>
+          </p:cNvSpPr>
+          <p:nvPr>
+            <p:ph type="sldImg"/>
+          </p:nvPr>
+        </p:nvSpPr>
+        <p:spPr/>
+      </p:sp>
+      <p:sp>
+        <p:nvSpPr>
+          <p:cNvPr id="3" name="Notes Placeholder 2"/>
+          <p:cNvSpPr>
+            <a:spLocks noGrp="1"/>
+          </p:cNvSpPr>
+          <p:nvPr>
+            <p:ph type="body" idx="1"/>
+          </p:nvPr>
+        </p:nvSpPr>
+        <p:spPr/>
+        <p:txBody>
+          <a:bodyPr/>
+          <a:lstStyle/>
+          <a:p>
+            <a:r>
+              <a:rPr lang="en-US" sz="1200" kern="1200" dirty="0" err="1">
+                <a:solidFill>
+                  <a:schemeClr val="tx1"/>
+                </a:solidFill>
+                <a:latin typeface="+mn-lt"/>
+                <a:ea typeface="+mn-ea"/>
+                <a:cs typeface="+mn-cs"/>
+              </a:rPr>
+              <a:t>Demo.Logic.Tests.CQ.GetProductById</a:t>
+            </a:r>
+            <a:r>
+              <a:rPr lang="pl-PL" sz="1200" kern="1200" dirty="0">
+                <a:solidFill>
+                  <a:schemeClr val="tx1"/>
+                </a:solidFill>
+                <a:latin typeface="+mn-lt"/>
+                <a:ea typeface="+mn-ea"/>
+                <a:cs typeface="+mn-cs"/>
+              </a:rPr>
+              <a:t>.</a:t>
+            </a:r>
+            <a:r>
+              <a:rPr lang="en-US" sz="1200" kern="1200" dirty="0" err="1">
+                <a:solidFill>
+                  <a:schemeClr val="tx1"/>
+                </a:solidFill>
+                <a:latin typeface="+mn-lt"/>
+                <a:ea typeface="+mn-ea"/>
+                <a:cs typeface="+mn-cs"/>
+              </a:rPr>
+              <a:t>QueryTests</a:t>
+            </a:r>
+            <a:endParaRPr lang="pl-PL" sz="1200" kern="1200" dirty="0">
+              <a:solidFill>
+                <a:schemeClr val="tx1"/>
+              </a:solidFill>
+              <a:latin typeface="+mn-lt"/>
+              <a:ea typeface="+mn-ea"/>
+              <a:cs typeface="+mn-cs"/>
+            </a:endParaRPr>
+          </a:p>
+          <a:p>
+            <a:r>
+              <a:rPr lang="en-US" sz="1200" kern="1200" dirty="0" err="1">
+                <a:solidFill>
+                  <a:schemeClr val="tx1"/>
+                </a:solidFill>
+                <a:latin typeface="+mn-lt"/>
+                <a:ea typeface="+mn-ea"/>
+                <a:cs typeface="+mn-cs"/>
+              </a:rPr>
+              <a:t>Demo.Logic.Tests.CQ.GetProductById</a:t>
+            </a:r>
+            <a:r>
+              <a:rPr lang="pl-PL" sz="1200" kern="1200" dirty="0">
+                <a:solidFill>
+                  <a:schemeClr val="tx1"/>
+                </a:solidFill>
+                <a:latin typeface="+mn-lt"/>
+                <a:ea typeface="+mn-ea"/>
+                <a:cs typeface="+mn-cs"/>
+              </a:rPr>
+              <a:t>.</a:t>
+            </a:r>
+            <a:r>
+              <a:rPr lang="en-US" sz="1200" kern="1200" dirty="0" err="1">
+                <a:solidFill>
+                  <a:schemeClr val="tx1"/>
+                </a:solidFill>
+                <a:latin typeface="+mn-lt"/>
+                <a:ea typeface="+mn-ea"/>
+                <a:cs typeface="+mn-cs"/>
+              </a:rPr>
+              <a:t>QueryHandlerTests</a:t>
+            </a:r>
+            <a:endParaRPr lang="en-US" dirty="0"/>
+          </a:p>
+        </p:txBody>
+      </p:sp>
+      <p:sp>
+        <p:nvSpPr>
+          <p:cNvPr id="4" name="Slide Number Placeholder 3"/>
+          <p:cNvSpPr>
+            <a:spLocks noGrp="1"/>
+          </p:cNvSpPr>
+          <p:nvPr>
+            <p:ph type="sldNum" sz="quarter" idx="10"/>
+          </p:nvPr>
+        </p:nvSpPr>
+        <p:spPr/>
+        <p:txBody>
+          <a:bodyPr/>
+          <a:lstStyle/>
+          <a:p>
+            <a:fld id="{4EAAF290-B62D-4CB0-8AC8-2F3F85108F39}" type="slidenum">
+              <a:rPr lang="en-US" smtClean="0"/>
+              <a:t>13</a:t>
+            </a:fld>
+            <a:endParaRPr lang="en-US"/>
+          </a:p>
+        </p:txBody>
+      </p:sp>
+    </p:spTree>
+    <p:extLst>
+      <p:ext uri="{BB962C8B-B14F-4D97-AF65-F5344CB8AC3E}">
+        <p14:creationId xmlns:p14="http://schemas.microsoft.com/office/powerpoint/2010/main" val="1162161306"/>
       </p:ext>
     </p:extLst>
   </p:cSld>
@@ -604,7 +850,129 @@
           <a:bodyPr/>
           <a:lstStyle/>
           <a:p>
-            <a:endParaRPr lang="en-US" dirty="0"/>
+            <a:r>
+              <a:rPr lang="en-US" sz="1200" kern="1200" dirty="0" err="1">
+                <a:solidFill>
+                  <a:schemeClr val="tx1"/>
+                </a:solidFill>
+                <a:latin typeface="+mn-lt"/>
+                <a:ea typeface="+mn-ea"/>
+                <a:cs typeface="+mn-cs"/>
+              </a:rPr>
+              <a:t>Demo.Logic.CQ.UpdateProduct</a:t>
+            </a:r>
+            <a:r>
+              <a:rPr lang="pl-PL" sz="1200" kern="1200" dirty="0">
+                <a:solidFill>
+                  <a:schemeClr val="tx1"/>
+                </a:solidFill>
+                <a:latin typeface="+mn-lt"/>
+                <a:ea typeface="+mn-ea"/>
+                <a:cs typeface="+mn-cs"/>
+              </a:rPr>
+              <a:t>.</a:t>
+            </a:r>
+            <a:r>
+              <a:rPr lang="en-US" sz="1200" kern="1200" dirty="0">
+                <a:solidFill>
+                  <a:schemeClr val="tx1"/>
+                </a:solidFill>
+                <a:latin typeface="+mn-lt"/>
+                <a:ea typeface="+mn-ea"/>
+                <a:cs typeface="+mn-cs"/>
+              </a:rPr>
+              <a:t>Interfaces</a:t>
+            </a:r>
+            <a:r>
+              <a:rPr lang="pl-PL" sz="1200" kern="1200" dirty="0">
+                <a:solidFill>
+                  <a:schemeClr val="tx1"/>
+                </a:solidFill>
+                <a:latin typeface="+mn-lt"/>
+                <a:ea typeface="+mn-ea"/>
+                <a:cs typeface="+mn-cs"/>
+              </a:rPr>
+              <a:t>.</a:t>
+            </a:r>
+            <a:r>
+              <a:rPr lang="en-US" sz="1200" kern="1200" dirty="0" err="1">
+                <a:solidFill>
+                  <a:schemeClr val="tx1"/>
+                </a:solidFill>
+                <a:latin typeface="+mn-lt"/>
+                <a:ea typeface="+mn-ea"/>
+                <a:cs typeface="+mn-cs"/>
+              </a:rPr>
+              <a:t>Irepository</a:t>
+            </a:r>
+            <a:endParaRPr lang="pl-PL" sz="1200" kern="1200" dirty="0">
+              <a:solidFill>
+                <a:schemeClr val="tx1"/>
+              </a:solidFill>
+              <a:latin typeface="+mn-lt"/>
+              <a:ea typeface="+mn-ea"/>
+              <a:cs typeface="+mn-cs"/>
+            </a:endParaRPr>
+          </a:p>
+          <a:p>
+            <a:pPr marL="0" marR="0" lvl="0" indent="0" algn="l" defTabSz="914400" rtl="0" eaLnBrk="1" fontAlgn="auto" latinLnBrk="0" hangingPunct="1">
+              <a:lnSpc>
+                <a:spcPct val="100000"/>
+              </a:lnSpc>
+              <a:spcBef>
+                <a:spcPts val="0"/>
+              </a:spcBef>
+              <a:spcAft>
+                <a:spcPts val="0"/>
+              </a:spcAft>
+              <a:buClrTx/>
+              <a:buSzTx/>
+              <a:buFontTx/>
+              <a:buNone/>
+              <a:tabLst/>
+              <a:defRPr/>
+            </a:pPr>
+            <a:r>
+              <a:rPr lang="en-US" sz="1200" kern="1200" dirty="0" err="1">
+                <a:solidFill>
+                  <a:schemeClr val="tx1"/>
+                </a:solidFill>
+                <a:latin typeface="+mn-lt"/>
+                <a:ea typeface="+mn-ea"/>
+                <a:cs typeface="+mn-cs"/>
+              </a:rPr>
+              <a:t>Demo.Logic.CQ.UpdateProduct</a:t>
+            </a:r>
+            <a:r>
+              <a:rPr lang="pl-PL" sz="1200" kern="1200" dirty="0">
+                <a:solidFill>
+                  <a:schemeClr val="tx1"/>
+                </a:solidFill>
+                <a:latin typeface="+mn-lt"/>
+                <a:ea typeface="+mn-ea"/>
+                <a:cs typeface="+mn-cs"/>
+              </a:rPr>
+              <a:t>.</a:t>
+            </a:r>
+            <a:r>
+              <a:rPr lang="en-US" sz="1200" kern="1200" dirty="0">
+                <a:solidFill>
+                  <a:schemeClr val="tx1"/>
+                </a:solidFill>
+                <a:latin typeface="+mn-lt"/>
+                <a:ea typeface="+mn-ea"/>
+                <a:cs typeface="+mn-cs"/>
+              </a:rPr>
+              <a:t>Command</a:t>
+            </a:r>
+            <a:endParaRPr lang="pl-PL" sz="1200" kern="1200" dirty="0">
+              <a:solidFill>
+                <a:schemeClr val="tx1"/>
+              </a:solidFill>
+              <a:latin typeface="+mn-lt"/>
+              <a:ea typeface="+mn-ea"/>
+              <a:cs typeface="+mn-cs"/>
+            </a:endParaRPr>
           </a:p>
         </p:txBody>
       </p:sp>
@@ -625,7 +993,7 @@
           <a:p>
             <a:fld id="{4EAAF290-B62D-4CB0-8AC8-2F3F85108F39}" type="slidenum">
               <a:rPr lang="en-US" smtClean="0"/>
-              <a:t>13</a:t>
+              <a:t>4</a:t>
             </a:fld>
             <a:endParaRPr lang="en-US"/>
           </a:p>
@@ -634,7 +1002,1200 @@
     </p:spTree>
     <p:extLst>
       <p:ext uri="{BB962C8B-B14F-4D97-AF65-F5344CB8AC3E}">
-        <p14:creationId xmlns:p14="http://schemas.microsoft.com/office/powerpoint/2010/main" val="1162161306"/>
+        <p14:creationId xmlns:p14="http://schemas.microsoft.com/office/powerpoint/2010/main" val="868253916"/>
+      </p:ext>
+    </p:extLst>
+  </p:cSld>
+  <p:clrMapOvr>
+    <a:masterClrMapping/>
+  </p:clrMapOvr>
+</p:notes>
+</file>
+
+<file path=ppt/notesSlides/notesSlide3.xml><?xml version="1.0" encoding="utf-8"?>
+<p:notes xmlns:a="http://schemas.openxmlformats.org/drawingml/2006/main" xmlns:r="http://schemas.openxmlformats.org/officeDocument/2006/relationships" xmlns:p="http://schemas.openxmlformats.org/presentationml/2006/main">
+  <p:cSld>
+    <p:spTree>
+      <p:nvGrpSpPr>
+        <p:cNvPr id="1" name=""/>
+        <p:cNvGrpSpPr/>
+        <p:nvPr/>
+      </p:nvGrpSpPr>
+      <p:grpSpPr>
+        <a:xfrm>
+          <a:off x="0" y="0"/>
+          <a:ext cx="0" cy="0"/>
+          <a:chOff x="0" y="0"/>
+          <a:chExt cx="0" cy="0"/>
+        </a:xfrm>
+      </p:grpSpPr>
+      <p:sp>
+        <p:nvSpPr>
+          <p:cNvPr id="2" name="Slide Image Placeholder 1"/>
+          <p:cNvSpPr>
+            <a:spLocks noGrp="1" noRot="1" noChangeAspect="1"/>
+          </p:cNvSpPr>
+          <p:nvPr>
+            <p:ph type="sldImg"/>
+          </p:nvPr>
+        </p:nvSpPr>
+        <p:spPr/>
+      </p:sp>
+      <p:sp>
+        <p:nvSpPr>
+          <p:cNvPr id="3" name="Notes Placeholder 2"/>
+          <p:cNvSpPr>
+            <a:spLocks noGrp="1"/>
+          </p:cNvSpPr>
+          <p:nvPr>
+            <p:ph type="body" idx="1"/>
+          </p:nvPr>
+        </p:nvSpPr>
+        <p:spPr/>
+        <p:txBody>
+          <a:bodyPr/>
+          <a:lstStyle/>
+          <a:p>
+            <a:r>
+              <a:rPr lang="en-US" sz="1200" kern="1200" dirty="0" err="1">
+                <a:solidFill>
+                  <a:schemeClr val="tx1"/>
+                </a:solidFill>
+                <a:latin typeface="+mn-lt"/>
+                <a:ea typeface="+mn-ea"/>
+                <a:cs typeface="+mn-cs"/>
+              </a:rPr>
+              <a:t>Demo.Logic.CQ.UpdateProduct</a:t>
+            </a:r>
+            <a:r>
+              <a:rPr lang="pl-PL" sz="1200" kern="1200" dirty="0">
+                <a:solidFill>
+                  <a:schemeClr val="tx1"/>
+                </a:solidFill>
+                <a:latin typeface="+mn-lt"/>
+                <a:ea typeface="+mn-ea"/>
+                <a:cs typeface="+mn-cs"/>
+              </a:rPr>
+              <a:t>.</a:t>
+            </a:r>
+            <a:r>
+              <a:rPr lang="en-US" sz="1200" kern="1200" dirty="0" err="1">
+                <a:solidFill>
+                  <a:schemeClr val="tx1"/>
+                </a:solidFill>
+                <a:latin typeface="+mn-lt"/>
+                <a:ea typeface="+mn-ea"/>
+                <a:cs typeface="+mn-cs"/>
+              </a:rPr>
+              <a:t>CommandHandler</a:t>
+            </a:r>
+            <a:endParaRPr lang="pl-PL" sz="1200" kern="1200" dirty="0">
+              <a:solidFill>
+                <a:schemeClr val="tx1"/>
+              </a:solidFill>
+              <a:latin typeface="+mn-lt"/>
+              <a:ea typeface="+mn-ea"/>
+              <a:cs typeface="+mn-cs"/>
+            </a:endParaRPr>
+          </a:p>
+          <a:p>
+            <a:r>
+              <a:rPr lang="en-US" sz="1200" kern="1200" dirty="0" err="1">
+                <a:solidFill>
+                  <a:schemeClr val="tx1"/>
+                </a:solidFill>
+                <a:latin typeface="+mn-lt"/>
+                <a:ea typeface="+mn-ea"/>
+                <a:cs typeface="+mn-cs"/>
+              </a:rPr>
+              <a:t>Demo.Logic.CQ.GetProductById</a:t>
+            </a:r>
+            <a:r>
+              <a:rPr lang="pl-PL" sz="1200" kern="1200" dirty="0">
+                <a:solidFill>
+                  <a:schemeClr val="tx1"/>
+                </a:solidFill>
+                <a:latin typeface="+mn-lt"/>
+                <a:ea typeface="+mn-ea"/>
+                <a:cs typeface="+mn-cs"/>
+              </a:rPr>
+              <a:t>.</a:t>
+            </a:r>
+            <a:r>
+              <a:rPr lang="en-US" sz="1200" kern="1200" dirty="0" err="1">
+                <a:solidFill>
+                  <a:schemeClr val="tx1"/>
+                </a:solidFill>
+                <a:latin typeface="+mn-lt"/>
+                <a:ea typeface="+mn-ea"/>
+                <a:cs typeface="+mn-cs"/>
+              </a:rPr>
+              <a:t>QueryHandler</a:t>
+            </a:r>
+            <a:endParaRPr lang="en-US" dirty="0"/>
+          </a:p>
+        </p:txBody>
+      </p:sp>
+      <p:sp>
+        <p:nvSpPr>
+          <p:cNvPr id="4" name="Slide Number Placeholder 3"/>
+          <p:cNvSpPr>
+            <a:spLocks noGrp="1"/>
+          </p:cNvSpPr>
+          <p:nvPr>
+            <p:ph type="sldNum" sz="quarter" idx="10"/>
+          </p:nvPr>
+        </p:nvSpPr>
+        <p:spPr/>
+        <p:txBody>
+          <a:bodyPr/>
+          <a:lstStyle/>
+          <a:p>
+            <a:fld id="{4EAAF290-B62D-4CB0-8AC8-2F3F85108F39}" type="slidenum">
+              <a:rPr lang="en-US" smtClean="0"/>
+              <a:t>5</a:t>
+            </a:fld>
+            <a:endParaRPr lang="en-US"/>
+          </a:p>
+        </p:txBody>
+      </p:sp>
+    </p:spTree>
+    <p:extLst>
+      <p:ext uri="{BB962C8B-B14F-4D97-AF65-F5344CB8AC3E}">
+        <p14:creationId xmlns:p14="http://schemas.microsoft.com/office/powerpoint/2010/main" val="1704212335"/>
+      </p:ext>
+    </p:extLst>
+  </p:cSld>
+  <p:clrMapOvr>
+    <a:masterClrMapping/>
+  </p:clrMapOvr>
+</p:notes>
+</file>
+
+<file path=ppt/notesSlides/notesSlide4.xml><?xml version="1.0" encoding="utf-8"?>
+<p:notes xmlns:a="http://schemas.openxmlformats.org/drawingml/2006/main" xmlns:r="http://schemas.openxmlformats.org/officeDocument/2006/relationships" xmlns:p="http://schemas.openxmlformats.org/presentationml/2006/main">
+  <p:cSld>
+    <p:spTree>
+      <p:nvGrpSpPr>
+        <p:cNvPr id="1" name=""/>
+        <p:cNvGrpSpPr/>
+        <p:nvPr/>
+      </p:nvGrpSpPr>
+      <p:grpSpPr>
+        <a:xfrm>
+          <a:off x="0" y="0"/>
+          <a:ext cx="0" cy="0"/>
+          <a:chOff x="0" y="0"/>
+          <a:chExt cx="0" cy="0"/>
+        </a:xfrm>
+      </p:grpSpPr>
+      <p:sp>
+        <p:nvSpPr>
+          <p:cNvPr id="2" name="Slide Image Placeholder 1"/>
+          <p:cNvSpPr>
+            <a:spLocks noGrp="1" noRot="1" noChangeAspect="1"/>
+          </p:cNvSpPr>
+          <p:nvPr>
+            <p:ph type="sldImg"/>
+          </p:nvPr>
+        </p:nvSpPr>
+        <p:spPr/>
+      </p:sp>
+      <p:sp>
+        <p:nvSpPr>
+          <p:cNvPr id="3" name="Notes Placeholder 2"/>
+          <p:cNvSpPr>
+            <a:spLocks noGrp="1"/>
+          </p:cNvSpPr>
+          <p:nvPr>
+            <p:ph type="body" idx="1"/>
+          </p:nvPr>
+        </p:nvSpPr>
+        <p:spPr/>
+        <p:txBody>
+          <a:bodyPr/>
+          <a:lstStyle/>
+          <a:p>
+            <a:r>
+              <a:rPr lang="en-US" sz="1200" kern="1200" dirty="0" err="1">
+                <a:solidFill>
+                  <a:schemeClr val="tx1"/>
+                </a:solidFill>
+                <a:latin typeface="+mn-lt"/>
+                <a:ea typeface="+mn-ea"/>
+                <a:cs typeface="+mn-cs"/>
+              </a:rPr>
+              <a:t>Demo.Logic.CQ.UpdateSubproducts</a:t>
+            </a:r>
+            <a:r>
+              <a:rPr lang="pl-PL" sz="1200" kern="1200" dirty="0">
+                <a:solidFill>
+                  <a:schemeClr val="tx1"/>
+                </a:solidFill>
+                <a:latin typeface="+mn-lt"/>
+                <a:ea typeface="+mn-ea"/>
+                <a:cs typeface="+mn-cs"/>
+              </a:rPr>
+              <a:t>.</a:t>
+            </a:r>
+            <a:r>
+              <a:rPr lang="en-US" sz="1200" kern="1200" dirty="0" err="1">
+                <a:solidFill>
+                  <a:schemeClr val="tx1"/>
+                </a:solidFill>
+                <a:latin typeface="+mn-lt"/>
+                <a:ea typeface="+mn-ea"/>
+                <a:cs typeface="+mn-cs"/>
+              </a:rPr>
+              <a:t>CommandHandler</a:t>
+            </a:r>
+            <a:endParaRPr lang="en-US" dirty="0"/>
+          </a:p>
+        </p:txBody>
+      </p:sp>
+      <p:sp>
+        <p:nvSpPr>
+          <p:cNvPr id="4" name="Slide Number Placeholder 3"/>
+          <p:cNvSpPr>
+            <a:spLocks noGrp="1"/>
+          </p:cNvSpPr>
+          <p:nvPr>
+            <p:ph type="sldNum" sz="quarter" idx="10"/>
+          </p:nvPr>
+        </p:nvSpPr>
+        <p:spPr/>
+        <p:txBody>
+          <a:bodyPr/>
+          <a:lstStyle/>
+          <a:p>
+            <a:fld id="{4EAAF290-B62D-4CB0-8AC8-2F3F85108F39}" type="slidenum">
+              <a:rPr lang="en-US" smtClean="0"/>
+              <a:t>7</a:t>
+            </a:fld>
+            <a:endParaRPr lang="en-US"/>
+          </a:p>
+        </p:txBody>
+      </p:sp>
+    </p:spTree>
+    <p:extLst>
+      <p:ext uri="{BB962C8B-B14F-4D97-AF65-F5344CB8AC3E}">
+        <p14:creationId xmlns:p14="http://schemas.microsoft.com/office/powerpoint/2010/main" val="1720299756"/>
+      </p:ext>
+    </p:extLst>
+  </p:cSld>
+  <p:clrMapOvr>
+    <a:masterClrMapping/>
+  </p:clrMapOvr>
+</p:notes>
+</file>
+
+<file path=ppt/notesSlides/notesSlide5.xml><?xml version="1.0" encoding="utf-8"?>
+<p:notes xmlns:a="http://schemas.openxmlformats.org/drawingml/2006/main" xmlns:r="http://schemas.openxmlformats.org/officeDocument/2006/relationships" xmlns:p="http://schemas.openxmlformats.org/presentationml/2006/main">
+  <p:cSld>
+    <p:spTree>
+      <p:nvGrpSpPr>
+        <p:cNvPr id="1" name=""/>
+        <p:cNvGrpSpPr/>
+        <p:nvPr/>
+      </p:nvGrpSpPr>
+      <p:grpSpPr>
+        <a:xfrm>
+          <a:off x="0" y="0"/>
+          <a:ext cx="0" cy="0"/>
+          <a:chOff x="0" y="0"/>
+          <a:chExt cx="0" cy="0"/>
+        </a:xfrm>
+      </p:grpSpPr>
+      <p:sp>
+        <p:nvSpPr>
+          <p:cNvPr id="2" name="Slide Image Placeholder 1"/>
+          <p:cNvSpPr>
+            <a:spLocks noGrp="1" noRot="1" noChangeAspect="1"/>
+          </p:cNvSpPr>
+          <p:nvPr>
+            <p:ph type="sldImg"/>
+          </p:nvPr>
+        </p:nvSpPr>
+        <p:spPr/>
+      </p:sp>
+      <p:sp>
+        <p:nvSpPr>
+          <p:cNvPr id="3" name="Notes Placeholder 2"/>
+          <p:cNvSpPr>
+            <a:spLocks noGrp="1"/>
+          </p:cNvSpPr>
+          <p:nvPr>
+            <p:ph type="body" idx="1"/>
+          </p:nvPr>
+        </p:nvSpPr>
+        <p:spPr/>
+        <p:txBody>
+          <a:bodyPr/>
+          <a:lstStyle/>
+          <a:p>
+            <a:r>
+              <a:rPr lang="en-US" sz="1200" kern="1200" dirty="0" err="1">
+                <a:solidFill>
+                  <a:schemeClr val="tx1"/>
+                </a:solidFill>
+                <a:latin typeface="+mn-lt"/>
+                <a:ea typeface="+mn-ea"/>
+                <a:cs typeface="+mn-cs"/>
+              </a:rPr>
+              <a:t>Demo.Logic.CQ.UpdateSubproducts</a:t>
+            </a:r>
+            <a:r>
+              <a:rPr lang="pl-PL" sz="1200" kern="1200" dirty="0">
+                <a:solidFill>
+                  <a:schemeClr val="tx1"/>
+                </a:solidFill>
+                <a:latin typeface="+mn-lt"/>
+                <a:ea typeface="+mn-ea"/>
+                <a:cs typeface="+mn-cs"/>
+              </a:rPr>
+              <a:t>.</a:t>
+            </a:r>
+            <a:r>
+              <a:rPr lang="en-US" sz="1200" kern="1200" dirty="0">
+                <a:solidFill>
+                  <a:schemeClr val="tx1"/>
+                </a:solidFill>
+                <a:latin typeface="+mn-lt"/>
+                <a:ea typeface="+mn-ea"/>
+                <a:cs typeface="+mn-cs"/>
+              </a:rPr>
+              <a:t>Command</a:t>
+            </a:r>
+            <a:endParaRPr lang="en-US" dirty="0"/>
+          </a:p>
+        </p:txBody>
+      </p:sp>
+      <p:sp>
+        <p:nvSpPr>
+          <p:cNvPr id="4" name="Slide Number Placeholder 3"/>
+          <p:cNvSpPr>
+            <a:spLocks noGrp="1"/>
+          </p:cNvSpPr>
+          <p:nvPr>
+            <p:ph type="sldNum" sz="quarter" idx="10"/>
+          </p:nvPr>
+        </p:nvSpPr>
+        <p:spPr/>
+        <p:txBody>
+          <a:bodyPr/>
+          <a:lstStyle/>
+          <a:p>
+            <a:fld id="{4EAAF290-B62D-4CB0-8AC8-2F3F85108F39}" type="slidenum">
+              <a:rPr lang="en-US" smtClean="0"/>
+              <a:t>8</a:t>
+            </a:fld>
+            <a:endParaRPr lang="en-US"/>
+          </a:p>
+        </p:txBody>
+      </p:sp>
+    </p:spTree>
+    <p:extLst>
+      <p:ext uri="{BB962C8B-B14F-4D97-AF65-F5344CB8AC3E}">
+        <p14:creationId xmlns:p14="http://schemas.microsoft.com/office/powerpoint/2010/main" val="851725014"/>
+      </p:ext>
+    </p:extLst>
+  </p:cSld>
+  <p:clrMapOvr>
+    <a:masterClrMapping/>
+  </p:clrMapOvr>
+</p:notes>
+</file>
+
+<file path=ppt/notesSlides/notesSlide6.xml><?xml version="1.0" encoding="utf-8"?>
+<p:notes xmlns:a="http://schemas.openxmlformats.org/drawingml/2006/main" xmlns:r="http://schemas.openxmlformats.org/officeDocument/2006/relationships" xmlns:p="http://schemas.openxmlformats.org/presentationml/2006/main">
+  <p:cSld>
+    <p:spTree>
+      <p:nvGrpSpPr>
+        <p:cNvPr id="1" name=""/>
+        <p:cNvGrpSpPr/>
+        <p:nvPr/>
+      </p:nvGrpSpPr>
+      <p:grpSpPr>
+        <a:xfrm>
+          <a:off x="0" y="0"/>
+          <a:ext cx="0" cy="0"/>
+          <a:chOff x="0" y="0"/>
+          <a:chExt cx="0" cy="0"/>
+        </a:xfrm>
+      </p:grpSpPr>
+      <p:sp>
+        <p:nvSpPr>
+          <p:cNvPr id="2" name="Slide Image Placeholder 1"/>
+          <p:cNvSpPr>
+            <a:spLocks noGrp="1" noRot="1" noChangeAspect="1"/>
+          </p:cNvSpPr>
+          <p:nvPr>
+            <p:ph type="sldImg"/>
+          </p:nvPr>
+        </p:nvSpPr>
+        <p:spPr/>
+      </p:sp>
+      <p:sp>
+        <p:nvSpPr>
+          <p:cNvPr id="3" name="Notes Placeholder 2"/>
+          <p:cNvSpPr>
+            <a:spLocks noGrp="1"/>
+          </p:cNvSpPr>
+          <p:nvPr>
+            <p:ph type="body" idx="1"/>
+          </p:nvPr>
+        </p:nvSpPr>
+        <p:spPr/>
+        <p:txBody>
+          <a:bodyPr/>
+          <a:lstStyle/>
+          <a:p>
+            <a:r>
+              <a:rPr lang="en-US" sz="1200" kern="1200" dirty="0" err="1">
+                <a:solidFill>
+                  <a:schemeClr val="tx1"/>
+                </a:solidFill>
+                <a:latin typeface="+mn-lt"/>
+                <a:ea typeface="+mn-ea"/>
+                <a:cs typeface="+mn-cs"/>
+              </a:rPr>
+              <a:t>Demo.Logic.CQ.UpdateProduct</a:t>
+            </a:r>
+            <a:r>
+              <a:rPr lang="pl-PL" sz="1200" kern="1200" dirty="0">
+                <a:solidFill>
+                  <a:schemeClr val="tx1"/>
+                </a:solidFill>
+                <a:latin typeface="+mn-lt"/>
+                <a:ea typeface="+mn-ea"/>
+                <a:cs typeface="+mn-cs"/>
+              </a:rPr>
+              <a:t>.</a:t>
+            </a:r>
+            <a:r>
+              <a:rPr lang="pl-PL" sz="1200" kern="1200" dirty="0" err="1">
+                <a:solidFill>
+                  <a:schemeClr val="tx1"/>
+                </a:solidFill>
+                <a:latin typeface="+mn-lt"/>
+                <a:ea typeface="+mn-ea"/>
+                <a:cs typeface="+mn-cs"/>
+              </a:rPr>
+              <a:t>Command</a:t>
+            </a:r>
+            <a:endParaRPr lang="pl-PL" sz="1200" kern="1200" dirty="0">
+              <a:solidFill>
+                <a:schemeClr val="tx1"/>
+              </a:solidFill>
+              <a:latin typeface="+mn-lt"/>
+              <a:ea typeface="+mn-ea"/>
+              <a:cs typeface="+mn-cs"/>
+            </a:endParaRPr>
+          </a:p>
+          <a:p>
+            <a:r>
+              <a:rPr lang="en-US" sz="1200" kern="1200" dirty="0" err="1">
+                <a:solidFill>
+                  <a:schemeClr val="tx1"/>
+                </a:solidFill>
+                <a:latin typeface="+mn-lt"/>
+                <a:ea typeface="+mn-ea"/>
+                <a:cs typeface="+mn-cs"/>
+              </a:rPr>
+              <a:t>Demo.Logic.CQ.UpdateProduct</a:t>
+            </a:r>
+            <a:r>
+              <a:rPr lang="pl-PL" sz="1200" kern="1200" dirty="0">
+                <a:solidFill>
+                  <a:schemeClr val="tx1"/>
+                </a:solidFill>
+                <a:latin typeface="+mn-lt"/>
+                <a:ea typeface="+mn-ea"/>
+                <a:cs typeface="+mn-cs"/>
+              </a:rPr>
+              <a:t>.</a:t>
+            </a:r>
+            <a:r>
+              <a:rPr lang="pl-PL" sz="1200" kern="1200" dirty="0" err="1">
+                <a:solidFill>
+                  <a:schemeClr val="tx1"/>
+                </a:solidFill>
+                <a:latin typeface="+mn-lt"/>
+                <a:ea typeface="+mn-ea"/>
+                <a:cs typeface="+mn-cs"/>
+              </a:rPr>
+              <a:t>CommandHandler</a:t>
+            </a:r>
+            <a:endParaRPr lang="pl-PL" sz="1200" kern="1200" dirty="0">
+              <a:solidFill>
+                <a:schemeClr val="tx1"/>
+              </a:solidFill>
+              <a:latin typeface="+mn-lt"/>
+              <a:ea typeface="+mn-ea"/>
+              <a:cs typeface="+mn-cs"/>
+            </a:endParaRPr>
+          </a:p>
+          <a:p>
+            <a:r>
+              <a:rPr lang="en-US" sz="1200" kern="1200" dirty="0" err="1">
+                <a:solidFill>
+                  <a:schemeClr val="tx1"/>
+                </a:solidFill>
+                <a:latin typeface="+mn-lt"/>
+                <a:ea typeface="+mn-ea"/>
+                <a:cs typeface="+mn-cs"/>
+              </a:rPr>
+              <a:t>Demo.Logic.CQ.UpdateProduct</a:t>
+            </a:r>
+            <a:r>
+              <a:rPr lang="pl-PL" sz="1200" kern="1200" dirty="0">
+                <a:solidFill>
+                  <a:schemeClr val="tx1"/>
+                </a:solidFill>
+                <a:latin typeface="+mn-lt"/>
+                <a:ea typeface="+mn-ea"/>
+                <a:cs typeface="+mn-cs"/>
+              </a:rPr>
+              <a:t>.</a:t>
+            </a:r>
+            <a:r>
+              <a:rPr lang="pl-PL" sz="1200" kern="1200" dirty="0" err="1">
+                <a:solidFill>
+                  <a:schemeClr val="tx1"/>
+                </a:solidFill>
+                <a:latin typeface="+mn-lt"/>
+                <a:ea typeface="+mn-ea"/>
+                <a:cs typeface="+mn-cs"/>
+              </a:rPr>
+              <a:t>Repository</a:t>
+            </a:r>
+            <a:endParaRPr lang="en-US" dirty="0"/>
+          </a:p>
+        </p:txBody>
+      </p:sp>
+      <p:sp>
+        <p:nvSpPr>
+          <p:cNvPr id="4" name="Slide Number Placeholder 3"/>
+          <p:cNvSpPr>
+            <a:spLocks noGrp="1"/>
+          </p:cNvSpPr>
+          <p:nvPr>
+            <p:ph type="sldNum" sz="quarter" idx="10"/>
+          </p:nvPr>
+        </p:nvSpPr>
+        <p:spPr/>
+        <p:txBody>
+          <a:bodyPr/>
+          <a:lstStyle/>
+          <a:p>
+            <a:fld id="{4EAAF290-B62D-4CB0-8AC8-2F3F85108F39}" type="slidenum">
+              <a:rPr lang="en-US" smtClean="0"/>
+              <a:t>9</a:t>
+            </a:fld>
+            <a:endParaRPr lang="en-US"/>
+          </a:p>
+        </p:txBody>
+      </p:sp>
+    </p:spTree>
+    <p:extLst>
+      <p:ext uri="{BB962C8B-B14F-4D97-AF65-F5344CB8AC3E}">
+        <p14:creationId xmlns:p14="http://schemas.microsoft.com/office/powerpoint/2010/main" val="1010698844"/>
+      </p:ext>
+    </p:extLst>
+  </p:cSld>
+  <p:clrMapOvr>
+    <a:masterClrMapping/>
+  </p:clrMapOvr>
+</p:notes>
+</file>
+
+<file path=ppt/notesSlides/notesSlide7.xml><?xml version="1.0" encoding="utf-8"?>
+<p:notes xmlns:a="http://schemas.openxmlformats.org/drawingml/2006/main" xmlns:r="http://schemas.openxmlformats.org/officeDocument/2006/relationships" xmlns:p="http://schemas.openxmlformats.org/presentationml/2006/main">
+  <p:cSld>
+    <p:spTree>
+      <p:nvGrpSpPr>
+        <p:cNvPr id="1" name=""/>
+        <p:cNvGrpSpPr/>
+        <p:nvPr/>
+      </p:nvGrpSpPr>
+      <p:grpSpPr>
+        <a:xfrm>
+          <a:off x="0" y="0"/>
+          <a:ext cx="0" cy="0"/>
+          <a:chOff x="0" y="0"/>
+          <a:chExt cx="0" cy="0"/>
+        </a:xfrm>
+      </p:grpSpPr>
+      <p:sp>
+        <p:nvSpPr>
+          <p:cNvPr id="2" name="Slide Image Placeholder 1"/>
+          <p:cNvSpPr>
+            <a:spLocks noGrp="1" noRot="1" noChangeAspect="1"/>
+          </p:cNvSpPr>
+          <p:nvPr>
+            <p:ph type="sldImg"/>
+          </p:nvPr>
+        </p:nvSpPr>
+        <p:spPr/>
+      </p:sp>
+      <p:sp>
+        <p:nvSpPr>
+          <p:cNvPr id="3" name="Notes Placeholder 2"/>
+          <p:cNvSpPr>
+            <a:spLocks noGrp="1"/>
+          </p:cNvSpPr>
+          <p:nvPr>
+            <p:ph type="body" idx="1"/>
+          </p:nvPr>
+        </p:nvSpPr>
+        <p:spPr/>
+        <p:txBody>
+          <a:bodyPr/>
+          <a:lstStyle/>
+          <a:p>
+            <a:r>
+              <a:rPr lang="en-US" sz="1200" kern="1200" dirty="0" err="1">
+                <a:solidFill>
+                  <a:schemeClr val="tx1"/>
+                </a:solidFill>
+                <a:latin typeface="+mn-lt"/>
+                <a:ea typeface="+mn-ea"/>
+                <a:cs typeface="+mn-cs"/>
+              </a:rPr>
+              <a:t>Demo.Logic.CQ.GetProductById</a:t>
+            </a:r>
+            <a:r>
+              <a:rPr lang="pl-PL" sz="1200" kern="1200" dirty="0">
+                <a:solidFill>
+                  <a:schemeClr val="tx1"/>
+                </a:solidFill>
+                <a:latin typeface="+mn-lt"/>
+                <a:ea typeface="+mn-ea"/>
+                <a:cs typeface="+mn-cs"/>
+              </a:rPr>
+              <a:t>.</a:t>
+            </a:r>
+            <a:r>
+              <a:rPr lang="pl-PL" sz="1200" kern="1200" dirty="0" err="1">
+                <a:solidFill>
+                  <a:schemeClr val="tx1"/>
+                </a:solidFill>
+                <a:latin typeface="+mn-lt"/>
+                <a:ea typeface="+mn-ea"/>
+                <a:cs typeface="+mn-cs"/>
+              </a:rPr>
+              <a:t>Repository</a:t>
+            </a:r>
+            <a:endParaRPr lang="pl-PL" sz="1200" kern="1200" dirty="0">
+              <a:solidFill>
+                <a:schemeClr val="tx1"/>
+              </a:solidFill>
+              <a:latin typeface="+mn-lt"/>
+              <a:ea typeface="+mn-ea"/>
+              <a:cs typeface="+mn-cs"/>
+            </a:endParaRPr>
+          </a:p>
+          <a:p>
+            <a:r>
+              <a:rPr lang="pl-PL" sz="1200" kern="1200" dirty="0">
+                <a:solidFill>
+                  <a:schemeClr val="tx1"/>
+                </a:solidFill>
+                <a:latin typeface="+mn-lt"/>
+                <a:ea typeface="+mn-ea"/>
+                <a:cs typeface="+mn-cs"/>
+              </a:rPr>
+              <a:t>Show</a:t>
+            </a:r>
+            <a:r>
+              <a:rPr lang="pl-PL" sz="1200" kern="1200" baseline="0" dirty="0">
+                <a:solidFill>
+                  <a:schemeClr val="tx1"/>
+                </a:solidFill>
+                <a:latin typeface="+mn-lt"/>
+                <a:ea typeface="+mn-ea"/>
+                <a:cs typeface="+mn-cs"/>
+              </a:rPr>
+              <a:t> </a:t>
+            </a:r>
+            <a:r>
+              <a:rPr lang="pl-PL" sz="1200" kern="1200" baseline="0" dirty="0" err="1">
+                <a:solidFill>
+                  <a:schemeClr val="tx1"/>
+                </a:solidFill>
+                <a:latin typeface="+mn-lt"/>
+                <a:ea typeface="+mn-ea"/>
+                <a:cs typeface="+mn-cs"/>
+              </a:rPr>
+              <a:t>how</a:t>
+            </a:r>
+            <a:r>
+              <a:rPr lang="pl-PL" sz="1200" kern="1200" baseline="0" dirty="0">
+                <a:solidFill>
+                  <a:schemeClr val="tx1"/>
+                </a:solidFill>
+                <a:latin typeface="+mn-lt"/>
+                <a:ea typeface="+mn-ea"/>
+                <a:cs typeface="+mn-cs"/>
+              </a:rPr>
+              <a:t> to </a:t>
+            </a:r>
+            <a:r>
+              <a:rPr lang="pl-PL" sz="1200" kern="1200" baseline="0" dirty="0" err="1">
+                <a:solidFill>
+                  <a:schemeClr val="tx1"/>
+                </a:solidFill>
+                <a:latin typeface="+mn-lt"/>
+                <a:ea typeface="+mn-ea"/>
+                <a:cs typeface="+mn-cs"/>
+              </a:rPr>
+              <a:t>install</a:t>
+            </a:r>
+            <a:r>
+              <a:rPr lang="pl-PL" sz="1200" kern="1200" baseline="0" dirty="0">
+                <a:solidFill>
+                  <a:schemeClr val="tx1"/>
+                </a:solidFill>
+                <a:latin typeface="+mn-lt"/>
+                <a:ea typeface="+mn-ea"/>
+                <a:cs typeface="+mn-cs"/>
+              </a:rPr>
+              <a:t> </a:t>
+            </a:r>
+            <a:r>
+              <a:rPr lang="pl-PL" sz="1200" kern="1200" baseline="0" dirty="0" err="1">
+                <a:solidFill>
+                  <a:schemeClr val="tx1"/>
+                </a:solidFill>
+                <a:latin typeface="+mn-lt"/>
+                <a:ea typeface="+mn-ea"/>
+                <a:cs typeface="+mn-cs"/>
+              </a:rPr>
+              <a:t>Null</a:t>
+            </a:r>
+            <a:r>
+              <a:rPr lang="pl-PL" sz="1200" kern="1200" baseline="0" dirty="0">
+                <a:solidFill>
+                  <a:schemeClr val="tx1"/>
+                </a:solidFill>
+                <a:latin typeface="+mn-lt"/>
+                <a:ea typeface="+mn-ea"/>
+                <a:cs typeface="+mn-cs"/>
+              </a:rPr>
+              <a:t> </a:t>
+            </a:r>
+            <a:r>
+              <a:rPr lang="pl-PL" sz="1200" kern="1200" baseline="0" dirty="0" err="1">
+                <a:solidFill>
+                  <a:schemeClr val="tx1"/>
+                </a:solidFill>
+                <a:latin typeface="+mn-lt"/>
+                <a:ea typeface="+mn-ea"/>
+                <a:cs typeface="+mn-cs"/>
+              </a:rPr>
+              <a:t>Guard</a:t>
+            </a:r>
+            <a:r>
+              <a:rPr lang="pl-PL" sz="1200" kern="1200" baseline="0" dirty="0">
+                <a:solidFill>
+                  <a:schemeClr val="tx1"/>
+                </a:solidFill>
+                <a:latin typeface="+mn-lt"/>
+                <a:ea typeface="+mn-ea"/>
+                <a:cs typeface="+mn-cs"/>
+              </a:rPr>
+              <a:t> and </a:t>
+            </a:r>
+            <a:r>
+              <a:rPr lang="pl-PL" sz="1200" kern="1200" baseline="0" dirty="0" err="1">
+                <a:solidFill>
+                  <a:schemeClr val="tx1"/>
+                </a:solidFill>
+                <a:latin typeface="+mn-lt"/>
+                <a:ea typeface="+mn-ea"/>
+                <a:cs typeface="+mn-cs"/>
+              </a:rPr>
+              <a:t>configure</a:t>
+            </a:r>
+            <a:r>
+              <a:rPr lang="pl-PL" sz="1200" kern="1200" baseline="0" dirty="0">
+                <a:solidFill>
+                  <a:schemeClr val="tx1"/>
+                </a:solidFill>
+                <a:latin typeface="+mn-lt"/>
+                <a:ea typeface="+mn-ea"/>
+                <a:cs typeface="+mn-cs"/>
+              </a:rPr>
+              <a:t> (</a:t>
+            </a:r>
+            <a:r>
+              <a:rPr lang="pl-PL" sz="1200" kern="1200" baseline="0" dirty="0" err="1">
+                <a:solidFill>
+                  <a:schemeClr val="tx1"/>
+                </a:solidFill>
+                <a:latin typeface="+mn-lt"/>
+                <a:ea typeface="+mn-ea"/>
+                <a:cs typeface="+mn-cs"/>
+              </a:rPr>
+              <a:t>xml</a:t>
+            </a:r>
+            <a:r>
+              <a:rPr lang="pl-PL" sz="1200" kern="1200" baseline="0" dirty="0">
+                <a:solidFill>
+                  <a:schemeClr val="tx1"/>
+                </a:solidFill>
+                <a:latin typeface="+mn-lt"/>
+                <a:ea typeface="+mn-ea"/>
+                <a:cs typeface="+mn-cs"/>
+              </a:rPr>
+              <a:t>, </a:t>
+            </a:r>
+            <a:r>
+              <a:rPr lang="pl-PL" sz="1200" kern="1200" baseline="0" dirty="0" err="1">
+                <a:solidFill>
+                  <a:schemeClr val="tx1"/>
+                </a:solidFill>
+                <a:latin typeface="+mn-lt"/>
+                <a:ea typeface="+mn-ea"/>
+                <a:cs typeface="+mn-cs"/>
+              </a:rPr>
+              <a:t>null</a:t>
+            </a:r>
+            <a:r>
+              <a:rPr lang="pl-PL" sz="1200" kern="1200" baseline="0" dirty="0">
+                <a:solidFill>
+                  <a:schemeClr val="tx1"/>
+                </a:solidFill>
+                <a:latin typeface="+mn-lt"/>
+                <a:ea typeface="+mn-ea"/>
+                <a:cs typeface="+mn-cs"/>
+              </a:rPr>
+              <a:t> </a:t>
+            </a:r>
+            <a:r>
+              <a:rPr lang="pl-PL" sz="1200" kern="1200" baseline="0" dirty="0" err="1">
+                <a:solidFill>
+                  <a:schemeClr val="tx1"/>
+                </a:solidFill>
+                <a:latin typeface="+mn-lt"/>
+                <a:ea typeface="+mn-ea"/>
+                <a:cs typeface="+mn-cs"/>
+              </a:rPr>
+              <a:t>exemptions</a:t>
+            </a:r>
+            <a:r>
+              <a:rPr lang="pl-PL" sz="1200" kern="1200" baseline="0" dirty="0">
+                <a:solidFill>
+                  <a:schemeClr val="tx1"/>
+                </a:solidFill>
+                <a:latin typeface="+mn-lt"/>
+                <a:ea typeface="+mn-ea"/>
+                <a:cs typeface="+mn-cs"/>
+              </a:rPr>
+              <a:t> </a:t>
+            </a:r>
+            <a:r>
+              <a:rPr lang="pl-PL" sz="1200" kern="1200" baseline="0" dirty="0" err="1">
+                <a:solidFill>
+                  <a:schemeClr val="tx1"/>
+                </a:solidFill>
+                <a:latin typeface="+mn-lt"/>
+                <a:ea typeface="+mn-ea"/>
+                <a:cs typeface="+mn-cs"/>
+              </a:rPr>
+              <a:t>attribute</a:t>
+            </a:r>
+            <a:r>
+              <a:rPr lang="pl-PL" sz="1200" kern="1200" baseline="0" dirty="0">
+                <a:solidFill>
+                  <a:schemeClr val="tx1"/>
+                </a:solidFill>
+                <a:latin typeface="+mn-lt"/>
+                <a:ea typeface="+mn-ea"/>
+                <a:cs typeface="+mn-cs"/>
+              </a:rPr>
+              <a:t>)</a:t>
+            </a:r>
+            <a:endParaRPr lang="en-US" dirty="0"/>
+          </a:p>
+        </p:txBody>
+      </p:sp>
+      <p:sp>
+        <p:nvSpPr>
+          <p:cNvPr id="4" name="Slide Number Placeholder 3"/>
+          <p:cNvSpPr>
+            <a:spLocks noGrp="1"/>
+          </p:cNvSpPr>
+          <p:nvPr>
+            <p:ph type="sldNum" sz="quarter" idx="10"/>
+          </p:nvPr>
+        </p:nvSpPr>
+        <p:spPr/>
+        <p:txBody>
+          <a:bodyPr/>
+          <a:lstStyle/>
+          <a:p>
+            <a:fld id="{4EAAF290-B62D-4CB0-8AC8-2F3F85108F39}" type="slidenum">
+              <a:rPr lang="en-US" smtClean="0"/>
+              <a:t>10</a:t>
+            </a:fld>
+            <a:endParaRPr lang="en-US"/>
+          </a:p>
+        </p:txBody>
+      </p:sp>
+    </p:spTree>
+    <p:extLst>
+      <p:ext uri="{BB962C8B-B14F-4D97-AF65-F5344CB8AC3E}">
+        <p14:creationId xmlns:p14="http://schemas.microsoft.com/office/powerpoint/2010/main" val="3830258933"/>
+      </p:ext>
+    </p:extLst>
+  </p:cSld>
+  <p:clrMapOvr>
+    <a:masterClrMapping/>
+  </p:clrMapOvr>
+</p:notes>
+</file>
+
+<file path=ppt/notesSlides/notesSlide8.xml><?xml version="1.0" encoding="utf-8"?>
+<p:notes xmlns:a="http://schemas.openxmlformats.org/drawingml/2006/main" xmlns:r="http://schemas.openxmlformats.org/officeDocument/2006/relationships" xmlns:p="http://schemas.openxmlformats.org/presentationml/2006/main">
+  <p:cSld>
+    <p:spTree>
+      <p:nvGrpSpPr>
+        <p:cNvPr id="1" name=""/>
+        <p:cNvGrpSpPr/>
+        <p:nvPr/>
+      </p:nvGrpSpPr>
+      <p:grpSpPr>
+        <a:xfrm>
+          <a:off x="0" y="0"/>
+          <a:ext cx="0" cy="0"/>
+          <a:chOff x="0" y="0"/>
+          <a:chExt cx="0" cy="0"/>
+        </a:xfrm>
+      </p:grpSpPr>
+      <p:sp>
+        <p:nvSpPr>
+          <p:cNvPr id="2" name="Slide Image Placeholder 1"/>
+          <p:cNvSpPr>
+            <a:spLocks noGrp="1" noRot="1" noChangeAspect="1"/>
+          </p:cNvSpPr>
+          <p:nvPr>
+            <p:ph type="sldImg"/>
+          </p:nvPr>
+        </p:nvSpPr>
+        <p:spPr/>
+      </p:sp>
+      <p:sp>
+        <p:nvSpPr>
+          <p:cNvPr id="3" name="Notes Placeholder 2"/>
+          <p:cNvSpPr>
+            <a:spLocks noGrp="1"/>
+          </p:cNvSpPr>
+          <p:nvPr>
+            <p:ph type="body" idx="1"/>
+          </p:nvPr>
+        </p:nvSpPr>
+        <p:spPr/>
+        <p:txBody>
+          <a:bodyPr/>
+          <a:lstStyle/>
+          <a:p>
+            <a:r>
+              <a:rPr lang="pl-PL" dirty="0"/>
+              <a:t>Show on </a:t>
+            </a:r>
+            <a:r>
+              <a:rPr lang="pl-PL" dirty="0" err="1"/>
+              <a:t>which</a:t>
+            </a:r>
+            <a:r>
+              <a:rPr lang="pl-PL" dirty="0"/>
+              <a:t> </a:t>
+            </a:r>
+            <a:r>
+              <a:rPr lang="pl-PL" dirty="0" err="1"/>
+              <a:t>assemblies</a:t>
+            </a:r>
+            <a:r>
+              <a:rPr lang="pl-PL" dirty="0"/>
+              <a:t> </a:t>
+            </a:r>
+            <a:r>
+              <a:rPr lang="pl-PL" dirty="0" err="1"/>
+              <a:t>null</a:t>
+            </a:r>
+            <a:r>
+              <a:rPr lang="pl-PL" dirty="0"/>
+              <a:t> </a:t>
+            </a:r>
+            <a:r>
+              <a:rPr lang="pl-PL" dirty="0" err="1"/>
+              <a:t>guard</a:t>
+            </a:r>
+            <a:r>
+              <a:rPr lang="pl-PL" dirty="0"/>
+              <a:t> </a:t>
+            </a:r>
+            <a:r>
+              <a:rPr lang="pl-PL" dirty="0" err="1"/>
+              <a:t>is</a:t>
+            </a:r>
+            <a:r>
+              <a:rPr lang="pl-PL" dirty="0"/>
+              <a:t> </a:t>
+            </a:r>
+            <a:r>
+              <a:rPr lang="pl-PL" dirty="0" err="1"/>
+              <a:t>installed</a:t>
+            </a:r>
+            <a:endParaRPr lang="en-US" dirty="0"/>
+          </a:p>
+        </p:txBody>
+      </p:sp>
+      <p:sp>
+        <p:nvSpPr>
+          <p:cNvPr id="4" name="Slide Number Placeholder 3"/>
+          <p:cNvSpPr>
+            <a:spLocks noGrp="1"/>
+          </p:cNvSpPr>
+          <p:nvPr>
+            <p:ph type="sldNum" sz="quarter" idx="10"/>
+          </p:nvPr>
+        </p:nvSpPr>
+        <p:spPr/>
+        <p:txBody>
+          <a:bodyPr/>
+          <a:lstStyle/>
+          <a:p>
+            <a:fld id="{4EAAF290-B62D-4CB0-8AC8-2F3F85108F39}" type="slidenum">
+              <a:rPr lang="en-US" smtClean="0"/>
+              <a:t>11</a:t>
+            </a:fld>
+            <a:endParaRPr lang="en-US"/>
+          </a:p>
+        </p:txBody>
+      </p:sp>
+    </p:spTree>
+    <p:extLst>
+      <p:ext uri="{BB962C8B-B14F-4D97-AF65-F5344CB8AC3E}">
+        <p14:creationId xmlns:p14="http://schemas.microsoft.com/office/powerpoint/2010/main" val="431600977"/>
+      </p:ext>
+    </p:extLst>
+  </p:cSld>
+  <p:clrMapOvr>
+    <a:masterClrMapping/>
+  </p:clrMapOvr>
+</p:notes>
+</file>
+
+<file path=ppt/notesSlides/notesSlide9.xml><?xml version="1.0" encoding="utf-8"?>
+<p:notes xmlns:a="http://schemas.openxmlformats.org/drawingml/2006/main" xmlns:r="http://schemas.openxmlformats.org/officeDocument/2006/relationships" xmlns:p="http://schemas.openxmlformats.org/presentationml/2006/main">
+  <p:cSld>
+    <p:spTree>
+      <p:nvGrpSpPr>
+        <p:cNvPr id="1" name=""/>
+        <p:cNvGrpSpPr/>
+        <p:nvPr/>
+      </p:nvGrpSpPr>
+      <p:grpSpPr>
+        <a:xfrm>
+          <a:off x="0" y="0"/>
+          <a:ext cx="0" cy="0"/>
+          <a:chOff x="0" y="0"/>
+          <a:chExt cx="0" cy="0"/>
+        </a:xfrm>
+      </p:grpSpPr>
+      <p:sp>
+        <p:nvSpPr>
+          <p:cNvPr id="2" name="Slide Image Placeholder 1"/>
+          <p:cNvSpPr>
+            <a:spLocks noGrp="1" noRot="1" noChangeAspect="1"/>
+          </p:cNvSpPr>
+          <p:nvPr>
+            <p:ph type="sldImg"/>
+          </p:nvPr>
+        </p:nvSpPr>
+        <p:spPr/>
+      </p:sp>
+      <p:sp>
+        <p:nvSpPr>
+          <p:cNvPr id="3" name="Notes Placeholder 2"/>
+          <p:cNvSpPr>
+            <a:spLocks noGrp="1"/>
+          </p:cNvSpPr>
+          <p:nvPr>
+            <p:ph type="body" idx="1"/>
+          </p:nvPr>
+        </p:nvSpPr>
+        <p:spPr/>
+        <p:txBody>
+          <a:bodyPr/>
+          <a:lstStyle/>
+          <a:p>
+            <a:r>
+              <a:rPr lang="en-US" sz="1200" kern="1200" dirty="0" err="1">
+                <a:solidFill>
+                  <a:schemeClr val="tx1"/>
+                </a:solidFill>
+                <a:latin typeface="+mn-lt"/>
+                <a:ea typeface="+mn-ea"/>
+                <a:cs typeface="+mn-cs"/>
+              </a:rPr>
+              <a:t>Demo.Logic.Facades.Base</a:t>
+            </a:r>
+            <a:r>
+              <a:rPr lang="pl-PL" sz="1200" kern="1200" dirty="0">
+                <a:solidFill>
+                  <a:schemeClr val="tx1"/>
+                </a:solidFill>
+                <a:latin typeface="+mn-lt"/>
+                <a:ea typeface="+mn-ea"/>
+                <a:cs typeface="+mn-cs"/>
+              </a:rPr>
+              <a:t>.</a:t>
+            </a:r>
+            <a:r>
+              <a:rPr lang="en-US" sz="1200" kern="1200" dirty="0">
+                <a:solidFill>
+                  <a:schemeClr val="tx1"/>
+                </a:solidFill>
+                <a:latin typeface="+mn-lt"/>
+                <a:ea typeface="+mn-ea"/>
+                <a:cs typeface="+mn-cs"/>
+              </a:rPr>
+              <a:t>Helper</a:t>
+            </a:r>
+            <a:endParaRPr lang="en-US" dirty="0"/>
+          </a:p>
+        </p:txBody>
+      </p:sp>
+      <p:sp>
+        <p:nvSpPr>
+          <p:cNvPr id="4" name="Slide Number Placeholder 3"/>
+          <p:cNvSpPr>
+            <a:spLocks noGrp="1"/>
+          </p:cNvSpPr>
+          <p:nvPr>
+            <p:ph type="sldNum" sz="quarter" idx="10"/>
+          </p:nvPr>
+        </p:nvSpPr>
+        <p:spPr/>
+        <p:txBody>
+          <a:bodyPr/>
+          <a:lstStyle/>
+          <a:p>
+            <a:fld id="{4EAAF290-B62D-4CB0-8AC8-2F3F85108F39}" type="slidenum">
+              <a:rPr lang="en-US" smtClean="0"/>
+              <a:t>12</a:t>
+            </a:fld>
+            <a:endParaRPr lang="en-US"/>
+          </a:p>
+        </p:txBody>
+      </p:sp>
+    </p:spTree>
+    <p:extLst>
+      <p:ext uri="{BB962C8B-B14F-4D97-AF65-F5344CB8AC3E}">
+        <p14:creationId xmlns:p14="http://schemas.microsoft.com/office/powerpoint/2010/main" val="981609761"/>
       </p:ext>
     </p:extLst>
   </p:cSld>

--- a/Presentation.pptx
+++ b/Presentation.pptx
@@ -5,7 +5,7 @@
     <p:sldMasterId id="2147483648" r:id="rId1"/>
   </p:sldMasterIdLst>
   <p:notesMasterIdLst>
-    <p:notesMasterId r:id="rId15"/>
+    <p:notesMasterId r:id="rId16"/>
   </p:notesMasterIdLst>
   <p:sldIdLst>
     <p:sldId id="256" r:id="rId2"/>
@@ -15,12 +15,13 @@
     <p:sldId id="261" r:id="rId6"/>
     <p:sldId id="260" r:id="rId7"/>
     <p:sldId id="262" r:id="rId8"/>
-    <p:sldId id="263" r:id="rId9"/>
-    <p:sldId id="265" r:id="rId10"/>
-    <p:sldId id="266" r:id="rId11"/>
-    <p:sldId id="268" r:id="rId12"/>
-    <p:sldId id="267" r:id="rId13"/>
-    <p:sldId id="264" r:id="rId14"/>
+    <p:sldId id="269" r:id="rId9"/>
+    <p:sldId id="263" r:id="rId10"/>
+    <p:sldId id="265" r:id="rId11"/>
+    <p:sldId id="266" r:id="rId12"/>
+    <p:sldId id="268" r:id="rId13"/>
+    <p:sldId id="267" r:id="rId14"/>
+    <p:sldId id="264" r:id="rId15"/>
   </p:sldIdLst>
   <p:sldSz cx="12192000" cy="6858000"/>
   <p:notesSz cx="6858000" cy="9144000"/>
@@ -209,7 +210,7 @@
           <a:p>
             <a:fld id="{9C6F807B-2A0F-480E-9E04-B0484CB2FEB9}" type="datetimeFigureOut">
               <a:rPr lang="en-US" smtClean="0"/>
-              <a:t>11/24/2016</a:t>
+              <a:t>11/25/2016</a:t>
             </a:fld>
             <a:endParaRPr lang="en-US"/>
           </a:p>
@@ -787,7 +788,7 @@
           <a:p>
             <a:fld id="{4EAAF290-B62D-4CB0-8AC8-2F3F85108F39}" type="slidenum">
               <a:rPr lang="en-US" smtClean="0"/>
-              <a:t>13</a:t>
+              <a:t>14</a:t>
             </a:fld>
             <a:endParaRPr lang="en-US"/>
           </a:p>
@@ -1387,7 +1388,7 @@
           <a:p>
             <a:fld id="{4EAAF290-B62D-4CB0-8AC8-2F3F85108F39}" type="slidenum">
               <a:rPr lang="en-US" smtClean="0"/>
-              <a:t>8</a:t>
+              <a:t>9</a:t>
             </a:fld>
             <a:endParaRPr lang="en-US"/>
           </a:p>
@@ -1590,7 +1591,7 @@
           <a:p>
             <a:fld id="{4EAAF290-B62D-4CB0-8AC8-2F3F85108F39}" type="slidenum">
               <a:rPr lang="en-US" smtClean="0"/>
-              <a:t>9</a:t>
+              <a:t>10</a:t>
             </a:fld>
             <a:endParaRPr lang="en-US"/>
           </a:p>
@@ -1937,7 +1938,7 @@
           <a:p>
             <a:fld id="{4EAAF290-B62D-4CB0-8AC8-2F3F85108F39}" type="slidenum">
               <a:rPr lang="en-US" smtClean="0"/>
-              <a:t>10</a:t>
+              <a:t>11</a:t>
             </a:fld>
             <a:endParaRPr lang="en-US"/>
           </a:p>
@@ -2069,7 +2070,7 @@
           <a:p>
             <a:fld id="{4EAAF290-B62D-4CB0-8AC8-2F3F85108F39}" type="slidenum">
               <a:rPr lang="en-US" smtClean="0"/>
-              <a:t>11</a:t>
+              <a:t>12</a:t>
             </a:fld>
             <a:endParaRPr lang="en-US"/>
           </a:p>
@@ -2186,7 +2187,7 @@
           <a:p>
             <a:fld id="{4EAAF290-B62D-4CB0-8AC8-2F3F85108F39}" type="slidenum">
               <a:rPr lang="en-US" smtClean="0"/>
-              <a:t>12</a:t>
+              <a:t>13</a:t>
             </a:fld>
             <a:endParaRPr lang="en-US"/>
           </a:p>
@@ -2391,7 +2392,7 @@
           <a:p>
             <a:fld id="{4AAD347D-5ACD-4C99-B74B-A9C85AD731AF}" type="datetimeFigureOut">
               <a:rPr lang="en-US" dirty="0"/>
-              <a:t>11/24/2016</a:t>
+              <a:t>11/25/2016</a:t>
             </a:fld>
             <a:endParaRPr lang="en-US" dirty="0"/>
           </a:p>
@@ -2661,7 +2662,7 @@
           <a:p>
             <a:fld id="{4509A250-FF31-4206-8172-F9D3106AACB1}" type="datetimeFigureOut">
               <a:rPr lang="en-US" dirty="0"/>
-              <a:t>11/24/2016</a:t>
+              <a:t>11/25/2016</a:t>
             </a:fld>
             <a:endParaRPr lang="en-US" dirty="0"/>
           </a:p>
@@ -2850,7 +2851,7 @@
           <a:p>
             <a:fld id="{4509A250-FF31-4206-8172-F9D3106AACB1}" type="datetimeFigureOut">
               <a:rPr lang="en-US" dirty="0"/>
-              <a:t>11/24/2016</a:t>
+              <a:t>11/25/2016</a:t>
             </a:fld>
             <a:endParaRPr lang="en-US" dirty="0"/>
           </a:p>
@@ -3118,7 +3119,7 @@
           <a:p>
             <a:fld id="{4509A250-FF31-4206-8172-F9D3106AACB1}" type="datetimeFigureOut">
               <a:rPr lang="en-US" dirty="0"/>
-              <a:t>11/24/2016</a:t>
+              <a:t>11/25/2016</a:t>
             </a:fld>
             <a:endParaRPr lang="en-US" dirty="0"/>
           </a:p>
@@ -3454,7 +3455,7 @@
           <a:p>
             <a:fld id="{4509A250-FF31-4206-8172-F9D3106AACB1}" type="datetimeFigureOut">
               <a:rPr lang="en-US" dirty="0"/>
-              <a:t>11/24/2016</a:t>
+              <a:t>11/25/2016</a:t>
             </a:fld>
             <a:endParaRPr lang="en-US" dirty="0"/>
           </a:p>
@@ -4072,7 +4073,7 @@
           <a:p>
             <a:fld id="{4509A250-FF31-4206-8172-F9D3106AACB1}" type="datetimeFigureOut">
               <a:rPr lang="en-US" dirty="0"/>
-              <a:t>11/24/2016</a:t>
+              <a:t>11/25/2016</a:t>
             </a:fld>
             <a:endParaRPr lang="en-US" dirty="0"/>
           </a:p>
@@ -4927,7 +4928,7 @@
           <a:p>
             <a:fld id="{4509A250-FF31-4206-8172-F9D3106AACB1}" type="datetimeFigureOut">
               <a:rPr lang="en-US" dirty="0"/>
-              <a:t>11/24/2016</a:t>
+              <a:t>11/25/2016</a:t>
             </a:fld>
             <a:endParaRPr lang="en-US" dirty="0"/>
           </a:p>
@@ -5092,7 +5093,7 @@
           <a:p>
             <a:fld id="{4509A250-FF31-4206-8172-F9D3106AACB1}" type="datetimeFigureOut">
               <a:rPr lang="en-US" dirty="0"/>
-              <a:t>11/24/2016</a:t>
+              <a:t>11/25/2016</a:t>
             </a:fld>
             <a:endParaRPr lang="en-US" dirty="0"/>
           </a:p>
@@ -5267,7 +5268,7 @@
           <a:p>
             <a:fld id="{4509A250-FF31-4206-8172-F9D3106AACB1}" type="datetimeFigureOut">
               <a:rPr lang="en-US" dirty="0"/>
-              <a:t>11/24/2016</a:t>
+              <a:t>11/25/2016</a:t>
             </a:fld>
             <a:endParaRPr lang="en-US" dirty="0"/>
           </a:p>
@@ -5432,7 +5433,7 @@
           <a:p>
             <a:fld id="{4509A250-FF31-4206-8172-F9D3106AACB1}" type="datetimeFigureOut">
               <a:rPr lang="en-US" dirty="0"/>
-              <a:t>11/24/2016</a:t>
+              <a:t>11/25/2016</a:t>
             </a:fld>
             <a:endParaRPr lang="en-US" dirty="0"/>
           </a:p>
@@ -5674,7 +5675,7 @@
           <a:p>
             <a:fld id="{9796027F-7875-4030-9381-8BD8C4F21935}" type="datetimeFigureOut">
               <a:rPr lang="en-US" dirty="0"/>
-              <a:t>11/24/2016</a:t>
+              <a:t>11/25/2016</a:t>
             </a:fld>
             <a:endParaRPr lang="en-US" dirty="0"/>
           </a:p>
@@ -5961,7 +5962,7 @@
           <a:p>
             <a:fld id="{9796027F-7875-4030-9381-8BD8C4F21935}" type="datetimeFigureOut">
               <a:rPr lang="en-US" dirty="0"/>
-              <a:t>11/24/2016</a:t>
+              <a:t>11/25/2016</a:t>
             </a:fld>
             <a:endParaRPr lang="en-US" dirty="0"/>
           </a:p>
@@ -6400,7 +6401,7 @@
           <a:p>
             <a:fld id="{9796027F-7875-4030-9381-8BD8C4F21935}" type="datetimeFigureOut">
               <a:rPr lang="en-US" dirty="0"/>
-              <a:t>11/24/2016</a:t>
+              <a:t>11/25/2016</a:t>
             </a:fld>
             <a:endParaRPr lang="en-US" dirty="0"/>
           </a:p>
@@ -6513,7 +6514,7 @@
           <a:p>
             <a:fld id="{4509A250-FF31-4206-8172-F9D3106AACB1}" type="datetimeFigureOut">
               <a:rPr lang="en-US" dirty="0"/>
-              <a:t>11/24/2016</a:t>
+              <a:t>11/25/2016</a:t>
             </a:fld>
             <a:endParaRPr lang="en-US" dirty="0"/>
           </a:p>
@@ -6603,7 +6604,7 @@
           <a:p>
             <a:fld id="{4509A250-FF31-4206-8172-F9D3106AACB1}" type="datetimeFigureOut">
               <a:rPr lang="en-US" dirty="0"/>
-              <a:t>11/24/2016</a:t>
+              <a:t>11/25/2016</a:t>
             </a:fld>
             <a:endParaRPr lang="en-US" dirty="0"/>
           </a:p>
@@ -6877,7 +6878,7 @@
           <a:p>
             <a:fld id="{4509A250-FF31-4206-8172-F9D3106AACB1}" type="datetimeFigureOut">
               <a:rPr lang="en-US" dirty="0"/>
-              <a:t>11/24/2016</a:t>
+              <a:t>11/25/2016</a:t>
             </a:fld>
             <a:endParaRPr lang="en-US" dirty="0"/>
           </a:p>
@@ -7147,7 +7148,7 @@
           <a:p>
             <a:fld id="{4509A250-FF31-4206-8172-F9D3106AACB1}" type="datetimeFigureOut">
               <a:rPr lang="en-US" dirty="0"/>
-              <a:t>11/24/2016</a:t>
+              <a:t>11/25/2016</a:t>
             </a:fld>
             <a:endParaRPr lang="en-US" dirty="0"/>
           </a:p>
@@ -7571,7 +7572,7 @@
           <a:p>
             <a:fld id="{4AAD347D-5ACD-4C99-B74B-A9C85AD731AF}" type="datetimeFigureOut">
               <a:rPr lang="en-US" dirty="0"/>
-              <a:t>11/24/2016</a:t>
+              <a:t>11/25/2016</a:t>
             </a:fld>
             <a:endParaRPr lang="en-US" dirty="0"/>
           </a:p>
@@ -8188,7 +8189,7 @@
           <a:p>
             <a:r>
               <a:rPr lang="en-US" dirty="0"/>
-              <a:t>Avoiding Nulls with the Maybe Type</a:t>
+              <a:t>Avoiding Primitive Obsession</a:t>
             </a:r>
           </a:p>
         </p:txBody>
@@ -8205,16 +8206,56 @@
         </p:nvSpPr>
         <p:spPr/>
         <p:txBody>
-          <a:bodyPr/>
+          <a:bodyPr>
+            <a:normAutofit fontScale="92500" lnSpcReduction="20000"/>
+          </a:bodyPr>
           <a:lstStyle/>
           <a:p>
             <a:r>
               <a:rPr lang="en-US" dirty="0"/>
-              <a:t>The goal: Try to see the difference between non nullable and nullable reference type (similarly like value types – </a:t>
+              <a:t>Primitive obsession is an anti-pattern that stands for using primitive types for domain modeling – compare </a:t>
+            </a:r>
+            <a:r>
+              <a:rPr lang="en-US" b="1" dirty="0">
+                <a:solidFill>
+                  <a:srgbClr val="FF0000"/>
+                </a:solidFill>
+              </a:rPr>
+              <a:t>void Send(string email)</a:t>
+            </a:r>
+            <a:r>
+              <a:rPr lang="en-US" dirty="0"/>
+              <a:t> vs </a:t>
+            </a:r>
+            <a:r>
+              <a:rPr lang="en-US" b="1" dirty="0">
+                <a:solidFill>
+                  <a:srgbClr val="FF0000"/>
+                </a:solidFill>
+              </a:rPr>
+              <a:t>void Send(Email email)</a:t>
+            </a:r>
+          </a:p>
+          <a:p>
+            <a:r>
+              <a:rPr lang="en-US" dirty="0"/>
+              <a:t>Second method use Email class which can be only created as a valid email (should have validation logic in constructor or in static construction method)</a:t>
+            </a:r>
+          </a:p>
+          <a:p>
+            <a:r>
+              <a:rPr lang="en-US" dirty="0"/>
+              <a:t>Avoiding Primitive Obsession allows to be DRY. You only implement the logic once and use the object</a:t>
+            </a:r>
+          </a:p>
+          <a:p>
+            <a:r>
+              <a:rPr lang="en-US" dirty="0"/>
+              <a:t>This pattern is used for many standard application framework objects like: </a:t>
             </a:r>
             <a:r>
               <a:rPr lang="en-US" dirty="0" err="1"/>
-              <a:t>int</a:t>
+              <a:t>NonEmptyString</a:t>
             </a:r>
             <a:r>
               <a:rPr lang="en-US" dirty="0"/>
@@ -8222,135 +8263,55 @@
             </a:r>
             <a:r>
               <a:rPr lang="en-US" dirty="0" err="1"/>
-              <a:t>int</a:t>
+              <a:t>NonEmptyLowerCaseString</a:t>
             </a:r>
             <a:r>
               <a:rPr lang="en-US" dirty="0"/>
-              <a:t>?)</a:t>
-            </a:r>
-          </a:p>
-          <a:p>
+              <a:t>, </a:t>
+            </a:r>
+            <a:r>
+              <a:rPr lang="en-US" dirty="0" err="1"/>
+              <a:t>DateTimePeriod</a:t>
+            </a:r>
             <a:r>
               <a:rPr lang="en-US" dirty="0"/>
-              <a:t>Maybe Monad structure is created</a:t>
-            </a:r>
-          </a:p>
-          <a:p>
+              <a:t>, </a:t>
+            </a:r>
+            <a:r>
+              <a:rPr lang="en-US" dirty="0" err="1"/>
+              <a:t>PositiveInt</a:t>
+            </a:r>
             <a:r>
               <a:rPr lang="en-US" dirty="0"/>
-              <a:t>Compare methods </a:t>
-            </a:r>
-            <a:r>
-              <a:rPr lang="en-US" b="1" dirty="0">
-                <a:solidFill>
-                  <a:srgbClr val="FF0000"/>
-                </a:solidFill>
-              </a:rPr>
-              <a:t>Product </a:t>
-            </a:r>
-            <a:r>
-              <a:rPr lang="en-US" b="1" dirty="0" err="1">
-                <a:solidFill>
-                  <a:srgbClr val="FF0000"/>
-                </a:solidFill>
-              </a:rPr>
-              <a:t>GetById</a:t>
-            </a:r>
-            <a:r>
-              <a:rPr lang="en-US" b="1" dirty="0">
-                <a:solidFill>
-                  <a:srgbClr val="FF0000"/>
-                </a:solidFill>
-              </a:rPr>
-              <a:t>(</a:t>
-            </a:r>
-            <a:r>
-              <a:rPr lang="en-US" b="1" dirty="0" err="1">
-                <a:solidFill>
-                  <a:srgbClr val="FF0000"/>
-                </a:solidFill>
-              </a:rPr>
-              <a:t>PosistiveInt</a:t>
-            </a:r>
-            <a:r>
-              <a:rPr lang="en-US" b="1" dirty="0">
-                <a:solidFill>
-                  <a:srgbClr val="FF0000"/>
-                </a:solidFill>
-              </a:rPr>
-              <a:t> id)</a:t>
+              <a:t>, </a:t>
+            </a:r>
+            <a:r>
+              <a:rPr lang="en-US" dirty="0" err="1"/>
+              <a:t>TopSkip</a:t>
             </a:r>
             <a:r>
               <a:rPr lang="en-US" dirty="0"/>
-              <a:t> vs </a:t>
-            </a:r>
-            <a:r>
-              <a:rPr lang="en-US" b="1" dirty="0">
-                <a:solidFill>
-                  <a:srgbClr val="FF0000"/>
-                </a:solidFill>
-              </a:rPr>
-              <a:t>Maybe&lt;Product&gt; </a:t>
-            </a:r>
-            <a:r>
-              <a:rPr lang="en-US" b="1" dirty="0" err="1">
-                <a:solidFill>
-                  <a:srgbClr val="FF0000"/>
-                </a:solidFill>
-              </a:rPr>
-              <a:t>GetById</a:t>
-            </a:r>
-            <a:r>
-              <a:rPr lang="en-US" b="1" dirty="0">
-                <a:solidFill>
-                  <a:srgbClr val="FF0000"/>
-                </a:solidFill>
-              </a:rPr>
-              <a:t>(</a:t>
-            </a:r>
-            <a:r>
-              <a:rPr lang="en-US" b="1" dirty="0" err="1">
-                <a:solidFill>
-                  <a:srgbClr val="FF0000"/>
-                </a:solidFill>
-              </a:rPr>
-              <a:t>PosistiveInt</a:t>
-            </a:r>
-            <a:r>
-              <a:rPr lang="en-US" b="1" dirty="0">
-                <a:solidFill>
-                  <a:srgbClr val="FF0000"/>
-                </a:solidFill>
-              </a:rPr>
-              <a:t> id)</a:t>
+              <a:t>, Paged&lt;T&gt;</a:t>
             </a:r>
           </a:p>
           <a:p>
             <a:r>
               <a:rPr lang="en-US" dirty="0"/>
-              <a:t>As with method honesty first method will never return null, second can</a:t>
-            </a:r>
-          </a:p>
-          <a:p>
-            <a:r>
-              <a:rPr lang="en-US" dirty="0"/>
-              <a:t>No support of non nullability on the language level (considered in the future version of C# as a warning). Enforce adhering to the fail fast principle and preventing null can be achieved by using assembly weaver (</a:t>
-            </a:r>
-            <a:r>
-              <a:rPr lang="en-US" dirty="0" err="1"/>
-              <a:t>Fody’s</a:t>
-            </a:r>
-            <a:r>
-              <a:rPr lang="en-US" dirty="0"/>
-              <a:t> Null Guard)</a:t>
-            </a:r>
+              <a:t>This pattern is also used for domain object like product Code – i.e. should be not empty string, max. 20 chars, can contain only digits and English uppercase letters</a:t>
+            </a:r>
+          </a:p>
+          <a:p>
+            <a:pPr marL="0" indent="0">
+              <a:buNone/>
+            </a:pPr>
+            <a:endParaRPr lang="en-US" dirty="0"/>
           </a:p>
         </p:txBody>
       </p:sp>
     </p:spTree>
     <p:extLst>
       <p:ext uri="{BB962C8B-B14F-4D97-AF65-F5344CB8AC3E}">
-        <p14:creationId xmlns:p14="http://schemas.microsoft.com/office/powerpoint/2010/main" val="1417620764"/>
+        <p14:creationId xmlns:p14="http://schemas.microsoft.com/office/powerpoint/2010/main" val="4261356132"/>
       </p:ext>
     </p:extLst>
   </p:cSld>
@@ -8394,7 +8355,7 @@
           <a:p>
             <a:r>
               <a:rPr lang="en-US" dirty="0"/>
-              <a:t>Limitations of using Maybe Type and Null Guard</a:t>
+              <a:t>Avoiding Nulls with the Maybe Type</a:t>
             </a:r>
           </a:p>
         </p:txBody>
@@ -8416,19 +8377,139 @@
           <a:p>
             <a:r>
               <a:rPr lang="en-US" dirty="0"/>
-              <a:t>Null references are wired into the .NET platform too much.</a:t>
-            </a:r>
-          </a:p>
-          <a:p>
+              <a:t>The goal: Try to see the difference between non nullable and nullable reference type (similarly like value types – </a:t>
+            </a:r>
+            <a:r>
+              <a:rPr lang="en-US" dirty="0" err="1"/>
+              <a:t>int</a:t>
+            </a:r>
             <a:r>
               <a:rPr lang="en-US" dirty="0"/>
-              <a:t>Not good to use Null Guard in application services layer, which is ASP.NET, WPF, or WCF application.</a:t>
-            </a:r>
-          </a:p>
-          <a:p>
+              <a:t>, </a:t>
+            </a:r>
+            <a:r>
+              <a:rPr lang="en-US" dirty="0" err="1"/>
+              <a:t>int</a:t>
+            </a:r>
             <a:r>
               <a:rPr lang="en-US" dirty="0"/>
-              <a:t>It should be used inside assemblies with domain logic code </a:t>
+              <a:t>?)</a:t>
+            </a:r>
+          </a:p>
+          <a:p>
+            <a:r>
+              <a:rPr lang="en-US" dirty="0"/>
+              <a:t>Maybe Monad structure is created</a:t>
+            </a:r>
+          </a:p>
+          <a:p>
+            <a:r>
+              <a:rPr lang="en-US" dirty="0"/>
+              <a:t>Compare methods </a:t>
+            </a:r>
+            <a:r>
+              <a:rPr lang="en-US" b="1" dirty="0">
+                <a:solidFill>
+                  <a:srgbClr val="FF0000"/>
+                </a:solidFill>
+              </a:rPr>
+              <a:t>Product </a:t>
+            </a:r>
+            <a:r>
+              <a:rPr lang="en-US" b="1" dirty="0" err="1">
+                <a:solidFill>
+                  <a:srgbClr val="FF0000"/>
+                </a:solidFill>
+              </a:rPr>
+              <a:t>GetById</a:t>
+            </a:r>
+            <a:r>
+              <a:rPr lang="en-US" b="1" dirty="0">
+                <a:solidFill>
+                  <a:srgbClr val="FF0000"/>
+                </a:solidFill>
+              </a:rPr>
+              <a:t>(</a:t>
+            </a:r>
+            <a:r>
+              <a:rPr lang="en-US" b="1" dirty="0" err="1">
+                <a:solidFill>
+                  <a:srgbClr val="FF0000"/>
+                </a:solidFill>
+              </a:rPr>
+              <a:t>PosistiveInt</a:t>
+            </a:r>
+            <a:r>
+              <a:rPr lang="en-US" b="1" dirty="0">
+                <a:solidFill>
+                  <a:srgbClr val="FF0000"/>
+                </a:solidFill>
+              </a:rPr>
+              <a:t> id)</a:t>
+            </a:r>
+            <a:r>
+              <a:rPr lang="en-US" dirty="0"/>
+              <a:t> vs </a:t>
+            </a:r>
+            <a:r>
+              <a:rPr lang="en-US" b="1" dirty="0">
+                <a:solidFill>
+                  <a:srgbClr val="FF0000"/>
+                </a:solidFill>
+              </a:rPr>
+              <a:t>Maybe&lt;Product&gt; </a:t>
+            </a:r>
+            <a:r>
+              <a:rPr lang="en-US" b="1" dirty="0" err="1">
+                <a:solidFill>
+                  <a:srgbClr val="FF0000"/>
+                </a:solidFill>
+              </a:rPr>
+              <a:t>GetById</a:t>
+            </a:r>
+            <a:r>
+              <a:rPr lang="en-US" b="1" dirty="0">
+                <a:solidFill>
+                  <a:srgbClr val="FF0000"/>
+                </a:solidFill>
+              </a:rPr>
+              <a:t>(</a:t>
+            </a:r>
+            <a:r>
+              <a:rPr lang="en-US" b="1" dirty="0" err="1">
+                <a:solidFill>
+                  <a:srgbClr val="FF0000"/>
+                </a:solidFill>
+              </a:rPr>
+              <a:t>PosistiveInt</a:t>
+            </a:r>
+            <a:r>
+              <a:rPr lang="en-US" b="1" dirty="0">
+                <a:solidFill>
+                  <a:srgbClr val="FF0000"/>
+                </a:solidFill>
+              </a:rPr>
+              <a:t> id)</a:t>
+            </a:r>
+          </a:p>
+          <a:p>
+            <a:r>
+              <a:rPr lang="en-US" dirty="0"/>
+              <a:t>As with method honesty first method will never return null, second can</a:t>
+            </a:r>
+          </a:p>
+          <a:p>
+            <a:r>
+              <a:rPr lang="en-US" dirty="0"/>
+              <a:t>No support of non nullability on the language level (considered in the future version of C# as a warning). Enforce adhering to the fail fast principle and preventing null can be achieved by using assembly weaver (</a:t>
+            </a:r>
+            <a:r>
+              <a:rPr lang="en-US" dirty="0" err="1"/>
+              <a:t>Fody’s</a:t>
+            </a:r>
+            <a:r>
+              <a:rPr lang="en-US" dirty="0"/>
+              <a:t> Null Guard)</a:t>
             </a:r>
           </a:p>
         </p:txBody>
@@ -8436,7 +8517,7 @@
     </p:spTree>
     <p:extLst>
       <p:ext uri="{BB962C8B-B14F-4D97-AF65-F5344CB8AC3E}">
-        <p14:creationId xmlns:p14="http://schemas.microsoft.com/office/powerpoint/2010/main" val="1084363120"/>
+        <p14:creationId xmlns:p14="http://schemas.microsoft.com/office/powerpoint/2010/main" val="1417620764"/>
       </p:ext>
     </p:extLst>
   </p:cSld>
@@ -8480,6 +8561,92 @@
           <a:p>
             <a:r>
               <a:rPr lang="en-US" dirty="0"/>
+              <a:t>Limitations of using Maybe Type and Null Guard</a:t>
+            </a:r>
+          </a:p>
+        </p:txBody>
+      </p:sp>
+      <p:sp>
+        <p:nvSpPr>
+          <p:cNvPr id="3" name="Content Placeholder 2"/>
+          <p:cNvSpPr>
+            <a:spLocks noGrp="1"/>
+          </p:cNvSpPr>
+          <p:nvPr>
+            <p:ph idx="1"/>
+          </p:nvPr>
+        </p:nvSpPr>
+        <p:spPr/>
+        <p:txBody>
+          <a:bodyPr/>
+          <a:lstStyle/>
+          <a:p>
+            <a:r>
+              <a:rPr lang="en-US" dirty="0"/>
+              <a:t>Null references are wired into the .NET platform too much.</a:t>
+            </a:r>
+          </a:p>
+          <a:p>
+            <a:r>
+              <a:rPr lang="en-US" dirty="0"/>
+              <a:t>Not good to use Null Guard in application services layer, which is ASP.NET, WPF, or WCF application.</a:t>
+            </a:r>
+          </a:p>
+          <a:p>
+            <a:r>
+              <a:rPr lang="en-US" dirty="0"/>
+              <a:t>It should be used inside assemblies with domain logic code </a:t>
+            </a:r>
+          </a:p>
+        </p:txBody>
+      </p:sp>
+    </p:spTree>
+    <p:extLst>
+      <p:ext uri="{BB962C8B-B14F-4D97-AF65-F5344CB8AC3E}">
+        <p14:creationId xmlns:p14="http://schemas.microsoft.com/office/powerpoint/2010/main" val="1084363120"/>
+      </p:ext>
+    </p:extLst>
+  </p:cSld>
+  <p:clrMapOvr>
+    <a:masterClrMapping/>
+  </p:clrMapOvr>
+</p:sld>
+</file>
+
+<file path=ppt/slides/slide13.xml><?xml version="1.0" encoding="utf-8"?>
+<p:sld xmlns:a="http://schemas.openxmlformats.org/drawingml/2006/main" xmlns:r="http://schemas.openxmlformats.org/officeDocument/2006/relationships" xmlns:p="http://schemas.openxmlformats.org/presentationml/2006/main">
+  <p:cSld>
+    <p:spTree>
+      <p:nvGrpSpPr>
+        <p:cNvPr id="1" name=""/>
+        <p:cNvGrpSpPr/>
+        <p:nvPr/>
+      </p:nvGrpSpPr>
+      <p:grpSpPr>
+        <a:xfrm>
+          <a:off x="0" y="0"/>
+          <a:ext cx="0" cy="0"/>
+          <a:chOff x="0" y="0"/>
+          <a:chExt cx="0" cy="0"/>
+        </a:xfrm>
+      </p:grpSpPr>
+      <p:sp>
+        <p:nvSpPr>
+          <p:cNvPr id="2" name="Title 1"/>
+          <p:cNvSpPr>
+            <a:spLocks noGrp="1"/>
+          </p:cNvSpPr>
+          <p:nvPr>
+            <p:ph type="title"/>
+          </p:nvPr>
+        </p:nvSpPr>
+        <p:spPr/>
+        <p:txBody>
+          <a:bodyPr/>
+          <a:lstStyle/>
+          <a:p>
+            <a:r>
+              <a:rPr lang="en-US" dirty="0"/>
               <a:t>Elements of Railway-oriented Programming</a:t>
             </a:r>
           </a:p>
@@ -8850,7 +9017,7 @@
 </p:sld>
 </file>
 
-<file path=ppt/slides/slide13.xml><?xml version="1.0" encoding="utf-8"?>
+<file path=ppt/slides/slide14.xml><?xml version="1.0" encoding="utf-8"?>
 <p:sld xmlns:a="http://schemas.openxmlformats.org/drawingml/2006/main" xmlns:r="http://schemas.openxmlformats.org/officeDocument/2006/relationships" xmlns:p="http://schemas.openxmlformats.org/presentationml/2006/main">
   <p:cSld>
     <p:spTree>
@@ -9630,9 +9797,10 @@
           </a:p>
           <a:p>
             <a:r>
-              <a:rPr lang="en-US" noProof="0" dirty="0"/>
-              <a:t>Methods with honest signature should return result if there is a possibility to fail</a:t>
-            </a:r>
+              <a:rPr lang="en-US" dirty="0"/>
+              <a:t>Always prefer using return values over exceptions. Unfortunately, the C# language doesn't help us with adhering to this guideline, and it's pretty easy to overlook a value returned from a method and not react on it accordingly</a:t>
+            </a:r>
+            <a:endParaRPr lang="en-US" noProof="0" dirty="0"/>
           </a:p>
           <a:p>
             <a:endParaRPr lang="en-US" noProof="0" dirty="0"/>
@@ -9768,9 +9936,10 @@
           <a:lstStyle/>
           <a:p>
             <a:r>
-              <a:rPr lang="en-US" dirty="0"/>
-              <a:t>Fail fast</a:t>
-            </a:r>
+              <a:rPr lang="en-US"/>
+              <a:t>Immutability</a:t>
+            </a:r>
+            <a:endParaRPr lang="en-US" dirty="0"/>
           </a:p>
         </p:txBody>
       </p:sp>
@@ -9786,203 +9955,8 @@
         </p:nvSpPr>
         <p:spPr/>
         <p:txBody>
-          <a:bodyPr>
-            <a:normAutofit fontScale="62500" lnSpcReduction="20000"/>
-          </a:bodyPr>
-          <a:lstStyle/>
-          <a:p>
-            <a:r>
-              <a:rPr lang="en-US" dirty="0"/>
-              <a:t>Stands for stopping the current operation as soon as any unexpected situation occurs and return result to the caller (when is expected) or throw an exception (when is unexpected or bug)</a:t>
-            </a:r>
-          </a:p>
-          <a:p>
-            <a:r>
-              <a:rPr lang="en-US" dirty="0"/>
-              <a:t>Avoid fail silently (by swallowing exception or by logging the exception)</a:t>
-            </a:r>
-          </a:p>
-          <a:p>
-            <a:pPr marL="457200" lvl="1" indent="0">
-              <a:buNone/>
-            </a:pPr>
-            <a:endParaRPr lang="en-US" dirty="0"/>
-          </a:p>
-          <a:p>
-            <a:pPr marL="457200" lvl="1" indent="0">
-              <a:buNone/>
-            </a:pPr>
-            <a:r>
-              <a:rPr lang="en-US" b="1" dirty="0">
-                <a:solidFill>
-                  <a:srgbClr val="FF0000"/>
-                </a:solidFill>
-              </a:rPr>
-              <a:t>void Update(Order order)</a:t>
-            </a:r>
-          </a:p>
-          <a:p>
-            <a:pPr marL="0" indent="0">
-              <a:buNone/>
-            </a:pPr>
-            <a:r>
-              <a:rPr lang="en-US" b="1" dirty="0">
-                <a:solidFill>
-                  <a:srgbClr val="FF0000"/>
-                </a:solidFill>
-              </a:rPr>
-              <a:t>	{</a:t>
-            </a:r>
-          </a:p>
-          <a:p>
-            <a:pPr marL="0" indent="0">
-              <a:buNone/>
-            </a:pPr>
-            <a:r>
-              <a:rPr lang="en-US" b="1" dirty="0">
-                <a:solidFill>
-                  <a:srgbClr val="FF0000"/>
-                </a:solidFill>
-              </a:rPr>
-              <a:t>		try</a:t>
-            </a:r>
-          </a:p>
-          <a:p>
-            <a:pPr marL="0" indent="0">
-              <a:buNone/>
-            </a:pPr>
-            <a:r>
-              <a:rPr lang="en-US" b="1" dirty="0">
-                <a:solidFill>
-                  <a:srgbClr val="FF0000"/>
-                </a:solidFill>
-              </a:rPr>
-              <a:t>		{</a:t>
-            </a:r>
-          </a:p>
-          <a:p>
-            <a:pPr marL="0" indent="0">
-              <a:buNone/>
-            </a:pPr>
-            <a:r>
-              <a:rPr lang="en-US" b="1" dirty="0">
-                <a:solidFill>
-                  <a:srgbClr val="FF0000"/>
-                </a:solidFill>
-              </a:rPr>
-              <a:t>			_</a:t>
-            </a:r>
-            <a:r>
-              <a:rPr lang="en-US" b="1" dirty="0" err="1">
-                <a:solidFill>
-                  <a:srgbClr val="FF0000"/>
-                </a:solidFill>
-              </a:rPr>
-              <a:t>repository.Update</a:t>
-            </a:r>
-            <a:r>
-              <a:rPr lang="en-US" b="1" dirty="0">
-                <a:solidFill>
-                  <a:srgbClr val="FF0000"/>
-                </a:solidFill>
-              </a:rPr>
-              <a:t>(order);</a:t>
-            </a:r>
-          </a:p>
-          <a:p>
-            <a:pPr marL="0" indent="0">
-              <a:buNone/>
-            </a:pPr>
-            <a:r>
-              <a:rPr lang="en-US" b="1" dirty="0">
-                <a:solidFill>
-                  <a:srgbClr val="FF0000"/>
-                </a:solidFill>
-              </a:rPr>
-              <a:t>		}</a:t>
-            </a:r>
-          </a:p>
-          <a:p>
-            <a:pPr marL="0" indent="0">
-              <a:buNone/>
-            </a:pPr>
-            <a:r>
-              <a:rPr lang="en-US" b="1" dirty="0">
-                <a:solidFill>
-                  <a:srgbClr val="FF0000"/>
-                </a:solidFill>
-              </a:rPr>
-              <a:t>		catch (Exception ex)</a:t>
-            </a:r>
-          </a:p>
-          <a:p>
-            <a:pPr marL="0" indent="0">
-              <a:buNone/>
-            </a:pPr>
-            <a:r>
-              <a:rPr lang="en-US" b="1" dirty="0">
-                <a:solidFill>
-                  <a:srgbClr val="FF0000"/>
-                </a:solidFill>
-              </a:rPr>
-              <a:t>		{</a:t>
-            </a:r>
-          </a:p>
-          <a:p>
-            <a:pPr marL="0" indent="0">
-              <a:buNone/>
-            </a:pPr>
-            <a:r>
-              <a:rPr lang="en-US" b="1" dirty="0">
-                <a:solidFill>
-                  <a:srgbClr val="FF0000"/>
-                </a:solidFill>
-              </a:rPr>
-              <a:t>			_</a:t>
-            </a:r>
-            <a:r>
-              <a:rPr lang="en-US" b="1" dirty="0" err="1">
-                <a:solidFill>
-                  <a:srgbClr val="FF0000"/>
-                </a:solidFill>
-              </a:rPr>
-              <a:t>logger.LogError</a:t>
-            </a:r>
-            <a:r>
-              <a:rPr lang="en-US" b="1" dirty="0">
-                <a:solidFill>
-                  <a:srgbClr val="FF0000"/>
-                </a:solidFill>
-              </a:rPr>
-              <a:t>(ex);</a:t>
-            </a:r>
-          </a:p>
-          <a:p>
-            <a:pPr marL="0" indent="0">
-              <a:buNone/>
-            </a:pPr>
-            <a:r>
-              <a:rPr lang="en-US" b="1" dirty="0">
-                <a:solidFill>
-                  <a:srgbClr val="FF0000"/>
-                </a:solidFill>
-              </a:rPr>
-              <a:t>		}</a:t>
-            </a:r>
-          </a:p>
-          <a:p>
-            <a:pPr marL="0" indent="0">
-              <a:buNone/>
-            </a:pPr>
-            <a:r>
-              <a:rPr lang="en-US" b="1" dirty="0">
-                <a:solidFill>
-                  <a:srgbClr val="FF0000"/>
-                </a:solidFill>
-              </a:rPr>
-              <a:t>	}</a:t>
-            </a:r>
-          </a:p>
+          <a:bodyPr/>
+          <a:lstStyle/>
           <a:p>
             <a:endParaRPr lang="en-US" dirty="0"/>
           </a:p>
@@ -9991,7 +9965,7 @@
     </p:spTree>
     <p:extLst>
       <p:ext uri="{BB962C8B-B14F-4D97-AF65-F5344CB8AC3E}">
-        <p14:creationId xmlns:p14="http://schemas.microsoft.com/office/powerpoint/2010/main" val="227553297"/>
+        <p14:creationId xmlns:p14="http://schemas.microsoft.com/office/powerpoint/2010/main" val="535677322"/>
       </p:ext>
     </p:extLst>
   </p:cSld>
@@ -10035,7 +10009,7 @@
           <a:p>
             <a:r>
               <a:rPr lang="en-US" dirty="0"/>
-              <a:t>Avoiding Primitive Obsession</a:t>
+              <a:t>Fail fast</a:t>
             </a:r>
           </a:p>
         </p:txBody>
@@ -10053,103 +10027,203 @@
         <p:spPr/>
         <p:txBody>
           <a:bodyPr>
-            <a:normAutofit fontScale="92500" lnSpcReduction="20000"/>
+            <a:normAutofit fontScale="62500" lnSpcReduction="20000"/>
           </a:bodyPr>
           <a:lstStyle/>
           <a:p>
             <a:r>
               <a:rPr lang="en-US" dirty="0"/>
-              <a:t>Primitive obsession is an anti-pattern that stands for using primitive types for domain modeling – compare </a:t>
-            </a:r>
+              <a:t>Stands for stopping the current operation as soon as any unexpected situation occurs and return result to the caller (when is expected) or throw an exception (when is unexpected or bug)</a:t>
+            </a:r>
+          </a:p>
+          <a:p>
+            <a:r>
+              <a:rPr lang="en-US" dirty="0"/>
+              <a:t>Avoid fail silently (by swallowing exception or by logging the exception)</a:t>
+            </a:r>
+          </a:p>
+          <a:p>
+            <a:pPr marL="457200" lvl="1" indent="0">
+              <a:buNone/>
+            </a:pPr>
+            <a:endParaRPr lang="en-US" dirty="0"/>
+          </a:p>
+          <a:p>
+            <a:pPr marL="457200" lvl="1" indent="0">
+              <a:buNone/>
+            </a:pPr>
             <a:r>
               <a:rPr lang="en-US" b="1" dirty="0">
                 <a:solidFill>
                   <a:srgbClr val="FF0000"/>
                 </a:solidFill>
               </a:rPr>
-              <a:t>void Send(string email)</a:t>
-            </a:r>
-            <a:r>
-              <a:rPr lang="en-US" dirty="0"/>
-              <a:t> vs </a:t>
-            </a:r>
+              <a:t>void Update(Order order)</a:t>
+            </a:r>
+          </a:p>
+          <a:p>
+            <a:pPr marL="0" indent="0">
+              <a:buNone/>
+            </a:pPr>
             <a:r>
               <a:rPr lang="en-US" b="1" dirty="0">
                 <a:solidFill>
                   <a:srgbClr val="FF0000"/>
                 </a:solidFill>
               </a:rPr>
-              <a:t>void Send(Email email)</a:t>
-            </a:r>
-          </a:p>
-          <a:p>
-            <a:r>
-              <a:rPr lang="en-US" dirty="0"/>
-              <a:t>Second method use Email class which can be only created as a valid email (should have validation logic in constructor or in static construction method)</a:t>
-            </a:r>
-          </a:p>
-          <a:p>
-            <a:r>
-              <a:rPr lang="en-US" dirty="0"/>
-              <a:t>Avoiding Primitive Obsession allows to be DRY. You only implement the logic once and use the object</a:t>
-            </a:r>
-          </a:p>
-          <a:p>
-            <a:r>
-              <a:rPr lang="en-US" dirty="0"/>
-              <a:t>This pattern is used for many standard application framework objects like: </a:t>
-            </a:r>
-            <a:r>
-              <a:rPr lang="en-US" dirty="0" err="1"/>
-              <a:t>NonEmptyString</a:t>
-            </a:r>
-            <a:r>
-              <a:rPr lang="en-US" dirty="0"/>
-              <a:t>, </a:t>
-            </a:r>
-            <a:r>
-              <a:rPr lang="en-US" dirty="0" err="1"/>
-              <a:t>NonEmptyLowerCaseString</a:t>
-            </a:r>
-            <a:r>
-              <a:rPr lang="en-US" dirty="0"/>
-              <a:t>, </a:t>
-            </a:r>
-            <a:r>
-              <a:rPr lang="en-US" dirty="0" err="1"/>
-              <a:t>DateTimePeriod</a:t>
-            </a:r>
-            <a:r>
-              <a:rPr lang="en-US" dirty="0"/>
-              <a:t>, </a:t>
-            </a:r>
-            <a:r>
-              <a:rPr lang="en-US" dirty="0" err="1"/>
-              <a:t>PositiveInt</a:t>
-            </a:r>
-            <a:r>
-              <a:rPr lang="en-US" dirty="0"/>
-              <a:t>, </a:t>
-            </a:r>
-            <a:r>
-              <a:rPr lang="en-US" dirty="0" err="1"/>
-              <a:t>TopSkip</a:t>
-            </a:r>
-            <a:r>
-              <a:rPr lang="en-US" dirty="0"/>
-              <a:t>, Paged&lt;T&gt;</a:t>
-            </a:r>
-          </a:p>
-          <a:p>
-            <a:r>
-              <a:rPr lang="en-US" dirty="0"/>
-              <a:t>This pattern is also used for domain object like product Code – i.e. should be not empty string, max. 20 chars, can contain only digits and English uppercase letters</a:t>
+              <a:t>	{</a:t>
             </a:r>
           </a:p>
           <a:p>
             <a:pPr marL="0" indent="0">
               <a:buNone/>
             </a:pPr>
+            <a:r>
+              <a:rPr lang="en-US" b="1" dirty="0">
+                <a:solidFill>
+                  <a:srgbClr val="FF0000"/>
+                </a:solidFill>
+              </a:rPr>
+              <a:t>		try</a:t>
+            </a:r>
+          </a:p>
+          <a:p>
+            <a:pPr marL="0" indent="0">
+              <a:buNone/>
+            </a:pPr>
+            <a:r>
+              <a:rPr lang="en-US" b="1" dirty="0">
+                <a:solidFill>
+                  <a:srgbClr val="FF0000"/>
+                </a:solidFill>
+              </a:rPr>
+              <a:t>		{</a:t>
+            </a:r>
+          </a:p>
+          <a:p>
+            <a:pPr marL="0" indent="0">
+              <a:buNone/>
+            </a:pPr>
+            <a:r>
+              <a:rPr lang="en-US" b="1" dirty="0">
+                <a:solidFill>
+                  <a:srgbClr val="FF0000"/>
+                </a:solidFill>
+              </a:rPr>
+              <a:t>			_</a:t>
+            </a:r>
+            <a:r>
+              <a:rPr lang="en-US" b="1" dirty="0" err="1">
+                <a:solidFill>
+                  <a:srgbClr val="FF0000"/>
+                </a:solidFill>
+              </a:rPr>
+              <a:t>repository.Update</a:t>
+            </a:r>
+            <a:r>
+              <a:rPr lang="en-US" b="1" dirty="0">
+                <a:solidFill>
+                  <a:srgbClr val="FF0000"/>
+                </a:solidFill>
+              </a:rPr>
+              <a:t>(order);</a:t>
+            </a:r>
+          </a:p>
+          <a:p>
+            <a:pPr marL="0" indent="0">
+              <a:buNone/>
+            </a:pPr>
+            <a:r>
+              <a:rPr lang="en-US" b="1" dirty="0">
+                <a:solidFill>
+                  <a:srgbClr val="FF0000"/>
+                </a:solidFill>
+              </a:rPr>
+              <a:t>		}</a:t>
+            </a:r>
+          </a:p>
+          <a:p>
+            <a:pPr marL="0" indent="0">
+              <a:buNone/>
+            </a:pPr>
+            <a:r>
+              <a:rPr lang="en-US" b="1" dirty="0">
+                <a:solidFill>
+                  <a:srgbClr val="FF0000"/>
+                </a:solidFill>
+              </a:rPr>
+              <a:t>		catch (Exception ex)</a:t>
+            </a:r>
+          </a:p>
+          <a:p>
+            <a:pPr marL="0" indent="0">
+              <a:buNone/>
+            </a:pPr>
+            <a:r>
+              <a:rPr lang="en-US" b="1" dirty="0">
+                <a:solidFill>
+                  <a:srgbClr val="FF0000"/>
+                </a:solidFill>
+              </a:rPr>
+              <a:t>		{</a:t>
+            </a:r>
+          </a:p>
+          <a:p>
+            <a:pPr marL="0" indent="0">
+              <a:buNone/>
+            </a:pPr>
+            <a:r>
+              <a:rPr lang="en-US" b="1" dirty="0">
+                <a:solidFill>
+                  <a:srgbClr val="FF0000"/>
+                </a:solidFill>
+              </a:rPr>
+              <a:t>			_</a:t>
+            </a:r>
+            <a:r>
+              <a:rPr lang="en-US" b="1" dirty="0" err="1">
+                <a:solidFill>
+                  <a:srgbClr val="FF0000"/>
+                </a:solidFill>
+              </a:rPr>
+              <a:t>logger.LogError</a:t>
+            </a:r>
+            <a:r>
+              <a:rPr lang="en-US" b="1" dirty="0">
+                <a:solidFill>
+                  <a:srgbClr val="FF0000"/>
+                </a:solidFill>
+              </a:rPr>
+              <a:t>(ex);</a:t>
+            </a:r>
+          </a:p>
+          <a:p>
+            <a:pPr marL="0" indent="0">
+              <a:buNone/>
+            </a:pPr>
+            <a:r>
+              <a:rPr lang="en-US" b="1" dirty="0">
+                <a:solidFill>
+                  <a:srgbClr val="FF0000"/>
+                </a:solidFill>
+              </a:rPr>
+              <a:t>		}</a:t>
+            </a:r>
+          </a:p>
+          <a:p>
+            <a:pPr marL="0" indent="0">
+              <a:buNone/>
+            </a:pPr>
+            <a:r>
+              <a:rPr lang="en-US" b="1" dirty="0">
+                <a:solidFill>
+                  <a:srgbClr val="FF0000"/>
+                </a:solidFill>
+              </a:rPr>
+              <a:t>	}</a:t>
+            </a:r>
+          </a:p>
+          <a:p>
             <a:endParaRPr lang="en-US" dirty="0"/>
           </a:p>
         </p:txBody>
@@ -10157,7 +10231,7 @@
     </p:spTree>
     <p:extLst>
       <p:ext uri="{BB962C8B-B14F-4D97-AF65-F5344CB8AC3E}">
-        <p14:creationId xmlns:p14="http://schemas.microsoft.com/office/powerpoint/2010/main" val="4261356132"/>
+        <p14:creationId xmlns:p14="http://schemas.microsoft.com/office/powerpoint/2010/main" val="227553297"/>
       </p:ext>
     </p:extLst>
   </p:cSld>

--- a/Presentation.pptx
+++ b/Presentation.pptx
@@ -210,7 +210,7 @@
           <a:p>
             <a:fld id="{9C6F807B-2A0F-480E-9E04-B0484CB2FEB9}" type="datetimeFigureOut">
               <a:rPr lang="en-US" smtClean="0"/>
-              <a:t>11/25/2016</a:t>
+              <a:t>11/30/2016</a:t>
             </a:fld>
             <a:endParaRPr lang="en-US"/>
           </a:p>
@@ -896,7 +896,7 @@
               <a:t>.</a:t>
             </a:r>
             <a:r>
-              <a:rPr lang="en-US" sz="1200" kern="1200" dirty="0" err="1">
+              <a:rPr lang="en-US" sz="1200" kern="1200" dirty="0">
                 <a:solidFill>
                   <a:schemeClr val="tx1"/>
                 </a:solidFill>
@@ -904,7 +904,29 @@
                 <a:ea typeface="+mn-ea"/>
                 <a:cs typeface="+mn-cs"/>
               </a:rPr>
-              <a:t>Irepository</a:t>
+              <a:t>I</a:t>
+            </a:r>
+            <a:r>
+              <a:rPr lang="pl-PL" sz="1200" kern="1200" dirty="0">
+                <a:solidFill>
+                  <a:schemeClr val="tx1"/>
+                </a:solidFill>
+                <a:latin typeface="+mn-lt"/>
+                <a:ea typeface="+mn-ea"/>
+                <a:cs typeface="+mn-cs"/>
+              </a:rPr>
+              <a:t>R</a:t>
+            </a:r>
+            <a:r>
+              <a:rPr lang="en-US" sz="1200" kern="1200" dirty="0" err="1">
+                <a:solidFill>
+                  <a:schemeClr val="tx1"/>
+                </a:solidFill>
+                <a:latin typeface="+mn-lt"/>
+                <a:ea typeface="+mn-ea"/>
+                <a:cs typeface="+mn-cs"/>
+              </a:rPr>
+              <a:t>epository</a:t>
             </a:r>
             <a:endParaRPr lang="pl-PL" sz="1200" kern="1200" dirty="0">
               <a:solidFill>
@@ -2392,7 +2414,7 @@
           <a:p>
             <a:fld id="{4AAD347D-5ACD-4C99-B74B-A9C85AD731AF}" type="datetimeFigureOut">
               <a:rPr lang="en-US" dirty="0"/>
-              <a:t>11/25/2016</a:t>
+              <a:t>11/30/2016</a:t>
             </a:fld>
             <a:endParaRPr lang="en-US" dirty="0"/>
           </a:p>
@@ -2662,7 +2684,7 @@
           <a:p>
             <a:fld id="{4509A250-FF31-4206-8172-F9D3106AACB1}" type="datetimeFigureOut">
               <a:rPr lang="en-US" dirty="0"/>
-              <a:t>11/25/2016</a:t>
+              <a:t>11/30/2016</a:t>
             </a:fld>
             <a:endParaRPr lang="en-US" dirty="0"/>
           </a:p>
@@ -2851,7 +2873,7 @@
           <a:p>
             <a:fld id="{4509A250-FF31-4206-8172-F9D3106AACB1}" type="datetimeFigureOut">
               <a:rPr lang="en-US" dirty="0"/>
-              <a:t>11/25/2016</a:t>
+              <a:t>11/30/2016</a:t>
             </a:fld>
             <a:endParaRPr lang="en-US" dirty="0"/>
           </a:p>
@@ -3119,7 +3141,7 @@
           <a:p>
             <a:fld id="{4509A250-FF31-4206-8172-F9D3106AACB1}" type="datetimeFigureOut">
               <a:rPr lang="en-US" dirty="0"/>
-              <a:t>11/25/2016</a:t>
+              <a:t>11/30/2016</a:t>
             </a:fld>
             <a:endParaRPr lang="en-US" dirty="0"/>
           </a:p>
@@ -3455,7 +3477,7 @@
           <a:p>
             <a:fld id="{4509A250-FF31-4206-8172-F9D3106AACB1}" type="datetimeFigureOut">
               <a:rPr lang="en-US" dirty="0"/>
-              <a:t>11/25/2016</a:t>
+              <a:t>11/30/2016</a:t>
             </a:fld>
             <a:endParaRPr lang="en-US" dirty="0"/>
           </a:p>
@@ -4073,7 +4095,7 @@
           <a:p>
             <a:fld id="{4509A250-FF31-4206-8172-F9D3106AACB1}" type="datetimeFigureOut">
               <a:rPr lang="en-US" dirty="0"/>
-              <a:t>11/25/2016</a:t>
+              <a:t>11/30/2016</a:t>
             </a:fld>
             <a:endParaRPr lang="en-US" dirty="0"/>
           </a:p>
@@ -4928,7 +4950,7 @@
           <a:p>
             <a:fld id="{4509A250-FF31-4206-8172-F9D3106AACB1}" type="datetimeFigureOut">
               <a:rPr lang="en-US" dirty="0"/>
-              <a:t>11/25/2016</a:t>
+              <a:t>11/30/2016</a:t>
             </a:fld>
             <a:endParaRPr lang="en-US" dirty="0"/>
           </a:p>
@@ -5093,7 +5115,7 @@
           <a:p>
             <a:fld id="{4509A250-FF31-4206-8172-F9D3106AACB1}" type="datetimeFigureOut">
               <a:rPr lang="en-US" dirty="0"/>
-              <a:t>11/25/2016</a:t>
+              <a:t>11/30/2016</a:t>
             </a:fld>
             <a:endParaRPr lang="en-US" dirty="0"/>
           </a:p>
@@ -5268,7 +5290,7 @@
           <a:p>
             <a:fld id="{4509A250-FF31-4206-8172-F9D3106AACB1}" type="datetimeFigureOut">
               <a:rPr lang="en-US" dirty="0"/>
-              <a:t>11/25/2016</a:t>
+              <a:t>11/30/2016</a:t>
             </a:fld>
             <a:endParaRPr lang="en-US" dirty="0"/>
           </a:p>
@@ -5433,7 +5455,7 @@
           <a:p>
             <a:fld id="{4509A250-FF31-4206-8172-F9D3106AACB1}" type="datetimeFigureOut">
               <a:rPr lang="en-US" dirty="0"/>
-              <a:t>11/25/2016</a:t>
+              <a:t>11/30/2016</a:t>
             </a:fld>
             <a:endParaRPr lang="en-US" dirty="0"/>
           </a:p>
@@ -5675,7 +5697,7 @@
           <a:p>
             <a:fld id="{9796027F-7875-4030-9381-8BD8C4F21935}" type="datetimeFigureOut">
               <a:rPr lang="en-US" dirty="0"/>
-              <a:t>11/25/2016</a:t>
+              <a:t>11/30/2016</a:t>
             </a:fld>
             <a:endParaRPr lang="en-US" dirty="0"/>
           </a:p>
@@ -5962,7 +5984,7 @@
           <a:p>
             <a:fld id="{9796027F-7875-4030-9381-8BD8C4F21935}" type="datetimeFigureOut">
               <a:rPr lang="en-US" dirty="0"/>
-              <a:t>11/25/2016</a:t>
+              <a:t>11/30/2016</a:t>
             </a:fld>
             <a:endParaRPr lang="en-US" dirty="0"/>
           </a:p>
@@ -6401,7 +6423,7 @@
           <a:p>
             <a:fld id="{9796027F-7875-4030-9381-8BD8C4F21935}" type="datetimeFigureOut">
               <a:rPr lang="en-US" dirty="0"/>
-              <a:t>11/25/2016</a:t>
+              <a:t>11/30/2016</a:t>
             </a:fld>
             <a:endParaRPr lang="en-US" dirty="0"/>
           </a:p>
@@ -6514,7 +6536,7 @@
           <a:p>
             <a:fld id="{4509A250-FF31-4206-8172-F9D3106AACB1}" type="datetimeFigureOut">
               <a:rPr lang="en-US" dirty="0"/>
-              <a:t>11/25/2016</a:t>
+              <a:t>11/30/2016</a:t>
             </a:fld>
             <a:endParaRPr lang="en-US" dirty="0"/>
           </a:p>
@@ -6604,7 +6626,7 @@
           <a:p>
             <a:fld id="{4509A250-FF31-4206-8172-F9D3106AACB1}" type="datetimeFigureOut">
               <a:rPr lang="en-US" dirty="0"/>
-              <a:t>11/25/2016</a:t>
+              <a:t>11/30/2016</a:t>
             </a:fld>
             <a:endParaRPr lang="en-US" dirty="0"/>
           </a:p>
@@ -6878,7 +6900,7 @@
           <a:p>
             <a:fld id="{4509A250-FF31-4206-8172-F9D3106AACB1}" type="datetimeFigureOut">
               <a:rPr lang="en-US" dirty="0"/>
-              <a:t>11/25/2016</a:t>
+              <a:t>11/30/2016</a:t>
             </a:fld>
             <a:endParaRPr lang="en-US" dirty="0"/>
           </a:p>
@@ -7148,7 +7170,7 @@
           <a:p>
             <a:fld id="{4509A250-FF31-4206-8172-F9D3106AACB1}" type="datetimeFigureOut">
               <a:rPr lang="en-US" dirty="0"/>
-              <a:t>11/25/2016</a:t>
+              <a:t>11/30/2016</a:t>
             </a:fld>
             <a:endParaRPr lang="en-US" dirty="0"/>
           </a:p>
@@ -7572,7 +7594,7 @@
           <a:p>
             <a:fld id="{4AAD347D-5ACD-4C99-B74B-A9C85AD731AF}" type="datetimeFigureOut">
               <a:rPr lang="en-US" dirty="0"/>
-              <a:t>11/25/2016</a:t>
+              <a:t>11/30/2016</a:t>
             </a:fld>
             <a:endParaRPr lang="en-US" dirty="0"/>
           </a:p>
@@ -9416,7 +9438,15 @@
             </a:r>
             <a:r>
               <a:rPr lang="en-US" noProof="0" dirty="0"/>
-              <a:t> – you can assume that this method is a command that will never fail and can take any string and integer as a input parameter</a:t>
+              <a:t> – </a:t>
+            </a:r>
+            <a:r>
+              <a:rPr lang="en-US" dirty="0"/>
+              <a:t>it</a:t>
+            </a:r>
+            <a:r>
+              <a:rPr lang="en-US" noProof="0" dirty="0"/>
+              <a:t> can be assumed that this method is a command that will never fail and can take any string and integer as a input parameter</a:t>
             </a:r>
           </a:p>
           <a:p>
@@ -9490,7 +9520,7 @@
             </a:r>
             <a:r>
               <a:rPr lang="en-US" noProof="0" dirty="0"/>
-              <a:t> – you can assume that this method is a command that can fail and take non empty string and positive integer as input parameters</a:t>
+              <a:t> – it can be assumed that this method is a command that can fail and take non empty string and positive integer as input parameters</a:t>
             </a:r>
           </a:p>
         </p:txBody>
@@ -9634,15 +9664,7 @@
             </a:r>
             <a:r>
               <a:rPr lang="en-US" noProof="0" dirty="0"/>
-              <a:t> – </a:t>
-            </a:r>
-            <a:r>
-              <a:rPr lang="en-US" dirty="0"/>
-              <a:t>you</a:t>
-            </a:r>
-            <a:r>
-              <a:rPr lang="en-US" noProof="0" dirty="0"/>
-              <a:t> can assume that this method can fail.</a:t>
+              <a:t> – it can be assumed that this method can fail.</a:t>
             </a:r>
           </a:p>
           <a:p>
@@ -9700,7 +9722,15 @@
             </a:r>
             <a:r>
               <a:rPr lang="en-US" noProof="0" dirty="0"/>
-              <a:t> – you can assume that this method will never fail.</a:t>
+              <a:t> – </a:t>
+            </a:r>
+            <a:r>
+              <a:rPr lang="en-US" dirty="0"/>
+              <a:t>it</a:t>
+            </a:r>
+            <a:r>
+              <a:rPr lang="en-US" noProof="0" dirty="0"/>
+              <a:t> can be assumed that this method will never fail.</a:t>
             </a:r>
           </a:p>
           <a:p>
@@ -9786,7 +9816,7 @@
           <a:p>
             <a:r>
               <a:rPr lang="en-US" dirty="0"/>
-              <a:t>Use exceptions to state an exceptional situation in your code. Exceptions should signalize a bug in your code base, a situation you cannot recover from</a:t>
+              <a:t>Use exceptions to state an exceptional situation in your code. Exceptions should signalize a bug in code base, a situation it cannot recover from</a:t>
             </a:r>
           </a:p>
           <a:p>
@@ -9798,7 +9828,7 @@
           <a:p>
             <a:r>
               <a:rPr lang="en-US" dirty="0"/>
-              <a:t>Always prefer using return values over exceptions. Unfortunately, the C# language doesn't help us with adhering to this guideline, and it's pretty easy to overlook a value returned from a method and not react on it accordingly</a:t>
+              <a:t>Always prefer using return values over exceptions. Unfortunately, the C# language doesn't help with adhering to this guideline, and it's pretty easy to overlook a value returned from a method and not react on it accordingly</a:t>
             </a:r>
             <a:endParaRPr lang="en-US" noProof="0" dirty="0"/>
           </a:p>
@@ -9936,10 +9966,9 @@
           <a:lstStyle/>
           <a:p>
             <a:r>
-              <a:rPr lang="en-US"/>
+              <a:rPr lang="en-US" dirty="0"/>
               <a:t>Immutability</a:t>
             </a:r>
-            <a:endParaRPr lang="en-US" dirty="0"/>
           </a:p>
         </p:txBody>
       </p:sp>
@@ -9958,7 +9987,28 @@
           <a:bodyPr/>
           <a:lstStyle/>
           <a:p>
-            <a:endParaRPr lang="en-US" dirty="0"/>
+            <a:r>
+              <a:rPr lang="en-US" dirty="0"/>
+              <a:t>Immutability applied to a data structure (such as class), means that objects of this data structure (class) cannot change during their lifetime</a:t>
+            </a:r>
+          </a:p>
+          <a:p>
+            <a:r>
+              <a:rPr lang="en-US" dirty="0"/>
+              <a:t>Mutability make method signature dishonest</a:t>
+            </a:r>
+          </a:p>
+          <a:p>
+            <a:r>
+              <a:rPr lang="en-US" dirty="0"/>
+              <a:t>With immutable classes, it is needed to validate their invariants only once, in the constructor. Once an instance of an immutable class is created, we can be absolutely sure it resides in a valid state.</a:t>
+            </a:r>
+          </a:p>
+          <a:p>
+            <a:r>
+              <a:rPr lang="en-US" dirty="0"/>
+              <a:t>Immutability limitations: Instead of mutating existing objects, it is needed to create new ones. It sometimes means extensive memory and CPU usage, and that may hit performance of your application.</a:t>
+            </a:r>
           </a:p>
         </p:txBody>
       </p:sp>

--- a/Presentation.pptx
+++ b/Presentation.pptx
@@ -7,6 +7,9 @@
   <p:notesMasterIdLst>
     <p:notesMasterId r:id="rId16"/>
   </p:notesMasterIdLst>
+  <p:handoutMasterIdLst>
+    <p:handoutMasterId r:id="rId17"/>
+  </p:handoutMasterIdLst>
   <p:sldIdLst>
     <p:sldId id="256" r:id="rId2"/>
     <p:sldId id="257" r:id="rId3"/>
@@ -128,6 +131,171 @@
 </p:presentation>
 </file>
 
+<file path=ppt/handoutMasters/handoutMaster1.xml><?xml version="1.0" encoding="utf-8"?>
+<p:handoutMaster xmlns:a="http://schemas.openxmlformats.org/drawingml/2006/main" xmlns:r="http://schemas.openxmlformats.org/officeDocument/2006/relationships" xmlns:p="http://schemas.openxmlformats.org/presentationml/2006/main">
+  <p:cSld>
+    <p:bg>
+      <p:bgRef idx="1001">
+        <a:schemeClr val="bg1"/>
+      </p:bgRef>
+    </p:bg>
+    <p:spTree>
+      <p:nvGrpSpPr>
+        <p:cNvPr id="1" name=""/>
+        <p:cNvGrpSpPr/>
+        <p:nvPr/>
+      </p:nvGrpSpPr>
+      <p:grpSpPr>
+        <a:xfrm>
+          <a:off x="0" y="0"/>
+          <a:ext cx="0" cy="0"/>
+          <a:chOff x="0" y="0"/>
+          <a:chExt cx="0" cy="0"/>
+        </a:xfrm>
+      </p:grpSpPr>
+      <p:sp>
+        <p:nvSpPr>
+          <p:cNvPr id="2" name="Header Placeholder 1"/>
+          <p:cNvSpPr>
+            <a:spLocks noGrp="1"/>
+          </p:cNvSpPr>
+          <p:nvPr>
+            <p:ph type="hdr" sz="quarter"/>
+          </p:nvPr>
+        </p:nvSpPr>
+        <p:spPr>
+          <a:xfrm>
+            <a:off x="0" y="1"/>
+            <a:ext cx="2971800" cy="458788"/>
+          </a:xfrm>
+          <a:prstGeom prst="rect">
+            <a:avLst/>
+          </a:prstGeom>
+        </p:spPr>
+        <p:txBody>
+          <a:bodyPr vert="horz" lIns="91440" tIns="45720" rIns="91440" bIns="45720" rtlCol="0"/>
+          <a:lstStyle>
+            <a:lvl1pPr algn="l">
+              <a:defRPr sz="1200"/>
+            </a:lvl1pPr>
+          </a:lstStyle>
+          <a:p>
+            <a:endParaRPr lang="en-US"/>
+          </a:p>
+        </p:txBody>
+      </p:sp>
+      <p:sp>
+        <p:nvSpPr>
+          <p:cNvPr id="3" name="Date Placeholder 2"/>
+          <p:cNvSpPr>
+            <a:spLocks noGrp="1"/>
+          </p:cNvSpPr>
+          <p:nvPr>
+            <p:ph type="dt" sz="quarter" idx="1"/>
+          </p:nvPr>
+        </p:nvSpPr>
+        <p:spPr>
+          <a:xfrm>
+            <a:off x="3884613" y="1"/>
+            <a:ext cx="2971800" cy="458788"/>
+          </a:xfrm>
+          <a:prstGeom prst="rect">
+            <a:avLst/>
+          </a:prstGeom>
+        </p:spPr>
+        <p:txBody>
+          <a:bodyPr vert="horz" lIns="91440" tIns="45720" rIns="91440" bIns="45720" rtlCol="0"/>
+          <a:lstStyle>
+            <a:lvl1pPr algn="r">
+              <a:defRPr sz="1200"/>
+            </a:lvl1pPr>
+          </a:lstStyle>
+          <a:p>
+            <a:fld id="{EE1B07CF-4139-4C52-9895-1EE0A749592B}" type="datetimeFigureOut">
+              <a:rPr lang="en-US" smtClean="0"/>
+              <a:t>11/30/2016</a:t>
+            </a:fld>
+            <a:endParaRPr lang="en-US"/>
+          </a:p>
+        </p:txBody>
+      </p:sp>
+      <p:sp>
+        <p:nvSpPr>
+          <p:cNvPr id="4" name="Footer Placeholder 3"/>
+          <p:cNvSpPr>
+            <a:spLocks noGrp="1"/>
+          </p:cNvSpPr>
+          <p:nvPr>
+            <p:ph type="ftr" sz="quarter" idx="2"/>
+          </p:nvPr>
+        </p:nvSpPr>
+        <p:spPr>
+          <a:xfrm>
+            <a:off x="0" y="8685213"/>
+            <a:ext cx="2971800" cy="458787"/>
+          </a:xfrm>
+          <a:prstGeom prst="rect">
+            <a:avLst/>
+          </a:prstGeom>
+        </p:spPr>
+        <p:txBody>
+          <a:bodyPr vert="horz" lIns="91440" tIns="45720" rIns="91440" bIns="45720" rtlCol="0" anchor="b"/>
+          <a:lstStyle>
+            <a:lvl1pPr algn="l">
+              <a:defRPr sz="1200"/>
+            </a:lvl1pPr>
+          </a:lstStyle>
+          <a:p>
+            <a:endParaRPr lang="en-US"/>
+          </a:p>
+        </p:txBody>
+      </p:sp>
+      <p:sp>
+        <p:nvSpPr>
+          <p:cNvPr id="5" name="Slide Number Placeholder 4"/>
+          <p:cNvSpPr>
+            <a:spLocks noGrp="1"/>
+          </p:cNvSpPr>
+          <p:nvPr>
+            <p:ph type="sldNum" sz="quarter" idx="3"/>
+          </p:nvPr>
+        </p:nvSpPr>
+        <p:spPr>
+          <a:xfrm>
+            <a:off x="3884613" y="8685213"/>
+            <a:ext cx="2971800" cy="458787"/>
+          </a:xfrm>
+          <a:prstGeom prst="rect">
+            <a:avLst/>
+          </a:prstGeom>
+        </p:spPr>
+        <p:txBody>
+          <a:bodyPr vert="horz" lIns="91440" tIns="45720" rIns="91440" bIns="45720" rtlCol="0" anchor="b"/>
+          <a:lstStyle>
+            <a:lvl1pPr algn="r">
+              <a:defRPr sz="1200"/>
+            </a:lvl1pPr>
+          </a:lstStyle>
+          <a:p>
+            <a:fld id="{6757C1B9-3E72-46F3-9542-9F1BF970EE13}" type="slidenum">
+              <a:rPr lang="en-US" smtClean="0"/>
+              <a:t>‹#›</a:t>
+            </a:fld>
+            <a:endParaRPr lang="en-US"/>
+          </a:p>
+        </p:txBody>
+      </p:sp>
+    </p:spTree>
+    <p:extLst>
+      <p:ext uri="{BB962C8B-B14F-4D97-AF65-F5344CB8AC3E}">
+        <p14:creationId xmlns:p14="http://schemas.microsoft.com/office/powerpoint/2010/main" val="3598774502"/>
+      </p:ext>
+    </p:extLst>
+  </p:cSld>
+  <p:clrMap bg1="lt1" tx1="dk1" bg2="lt2" tx2="dk2" accent1="accent1" accent2="accent2" accent3="accent3" accent4="accent4" accent5="accent5" accent6="accent6" hlink="hlink" folHlink="folHlink"/>
+</p:handoutMaster>
+</file>
+
 <file path=ppt/notesMasters/notesMaster1.xml><?xml version="1.0" encoding="utf-8"?>
 <p:notesMaster xmlns:a="http://schemas.openxmlformats.org/drawingml/2006/main" xmlns:r="http://schemas.openxmlformats.org/officeDocument/2006/relationships" xmlns:p="http://schemas.openxmlformats.org/presentationml/2006/main">
   <p:cSld>
@@ -162,7 +330,7 @@
         </p:nvSpPr>
         <p:spPr>
           <a:xfrm>
-            <a:off x="0" y="0"/>
+            <a:off x="0" y="1"/>
             <a:ext cx="2971800" cy="458788"/>
           </a:xfrm>
           <a:prstGeom prst="rect">
@@ -193,7 +361,7 @@
         </p:nvSpPr>
         <p:spPr>
           <a:xfrm>
-            <a:off x="3884613" y="0"/>
+            <a:off x="3884613" y="1"/>
             <a:ext cx="2971800" cy="458788"/>
           </a:xfrm>
           <a:prstGeom prst="rect">
@@ -261,8 +429,8 @@
         </p:nvSpPr>
         <p:spPr>
           <a:xfrm>
-            <a:off x="685800" y="4400550"/>
-            <a:ext cx="5486400" cy="3600450"/>
+            <a:off x="685800" y="4400549"/>
+            <a:ext cx="5486400" cy="3600451"/>
           </a:xfrm>
           <a:prstGeom prst="rect">
             <a:avLst/>
@@ -521,93 +689,7 @@
           <a:bodyPr/>
           <a:lstStyle/>
           <a:p>
-            <a:r>
-              <a:rPr lang="en-US" sz="1200" kern="1200" dirty="0" err="1">
-                <a:solidFill>
-                  <a:schemeClr val="tx1"/>
-                </a:solidFill>
-                <a:latin typeface="+mn-lt"/>
-                <a:ea typeface="+mn-ea"/>
-                <a:cs typeface="+mn-cs"/>
-              </a:rPr>
-              <a:t>Demo.Logic.CQ.UpdateProduct</a:t>
-            </a:r>
-            <a:r>
-              <a:rPr lang="pl-PL" sz="1200" kern="1200" dirty="0">
-                <a:solidFill>
-                  <a:schemeClr val="tx1"/>
-                </a:solidFill>
-                <a:latin typeface="+mn-lt"/>
-                <a:ea typeface="+mn-ea"/>
-                <a:cs typeface="+mn-cs"/>
-              </a:rPr>
-              <a:t>.</a:t>
-            </a:r>
-            <a:r>
-              <a:rPr lang="en-US" sz="1200" kern="1200" dirty="0">
-                <a:solidFill>
-                  <a:schemeClr val="tx1"/>
-                </a:solidFill>
-                <a:latin typeface="+mn-lt"/>
-                <a:ea typeface="+mn-ea"/>
-                <a:cs typeface="+mn-cs"/>
-              </a:rPr>
-              <a:t>Command</a:t>
-            </a:r>
-            <a:endParaRPr lang="pl-PL" sz="1200" kern="1200" dirty="0">
-              <a:solidFill>
-                <a:schemeClr val="tx1"/>
-              </a:solidFill>
-              <a:latin typeface="+mn-lt"/>
-              <a:ea typeface="+mn-ea"/>
-              <a:cs typeface="+mn-cs"/>
-            </a:endParaRPr>
-          </a:p>
-          <a:p>
-            <a:r>
-              <a:rPr lang="en-US" sz="1200" kern="1200" dirty="0" err="1">
-                <a:solidFill>
-                  <a:schemeClr val="tx1"/>
-                </a:solidFill>
-                <a:latin typeface="+mn-lt"/>
-                <a:ea typeface="+mn-ea"/>
-                <a:cs typeface="+mn-cs"/>
-              </a:rPr>
-              <a:t>Demo.Logic.CQ.UpdateProduct</a:t>
-            </a:r>
-            <a:r>
-              <a:rPr lang="pl-PL" sz="1200" kern="1200" dirty="0">
-                <a:solidFill>
-                  <a:schemeClr val="tx1"/>
-                </a:solidFill>
-                <a:latin typeface="+mn-lt"/>
-                <a:ea typeface="+mn-ea"/>
-                <a:cs typeface="+mn-cs"/>
-              </a:rPr>
-              <a:t>.</a:t>
-            </a:r>
-            <a:r>
-              <a:rPr lang="en-US" sz="1200" kern="1200" dirty="0">
-                <a:solidFill>
-                  <a:schemeClr val="tx1"/>
-                </a:solidFill>
-                <a:latin typeface="+mn-lt"/>
-                <a:ea typeface="+mn-ea"/>
-                <a:cs typeface="+mn-cs"/>
-              </a:rPr>
-              <a:t>Command</a:t>
-            </a:r>
-            <a:r>
-              <a:rPr lang="pl-PL" sz="1200" kern="1200" dirty="0">
-                <a:solidFill>
-                  <a:schemeClr val="tx1"/>
-                </a:solidFill>
-                <a:latin typeface="+mn-lt"/>
-                <a:ea typeface="+mn-ea"/>
-                <a:cs typeface="+mn-cs"/>
-              </a:rPr>
-              <a:t>Handler</a:t>
-            </a:r>
+            <a:endParaRPr lang="en-US"/>
           </a:p>
         </p:txBody>
       </p:sp>
@@ -628,7 +710,7 @@
           <a:p>
             <a:fld id="{4EAAF290-B62D-4CB0-8AC8-2F3F85108F39}" type="slidenum">
               <a:rPr lang="en-US" smtClean="0"/>
-              <a:t>3</a:t>
+              <a:t>1</a:t>
             </a:fld>
             <a:endParaRPr lang="en-US"/>
           </a:p>
@@ -637,7 +719,7 @@
     </p:spTree>
     <p:extLst>
       <p:ext uri="{BB962C8B-B14F-4D97-AF65-F5344CB8AC3E}">
-        <p14:creationId xmlns:p14="http://schemas.microsoft.com/office/powerpoint/2010/main" val="639511320"/>
+        <p14:creationId xmlns:p14="http://schemas.microsoft.com/office/powerpoint/2010/main" val="1630042832"/>
       </p:ext>
     </p:extLst>
   </p:cSld>
@@ -648,6 +730,805 @@
 </file>
 
 <file path=ppt/notesSlides/notesSlide10.xml><?xml version="1.0" encoding="utf-8"?>
+<p:notes xmlns:a="http://schemas.openxmlformats.org/drawingml/2006/main" xmlns:r="http://schemas.openxmlformats.org/officeDocument/2006/relationships" xmlns:p="http://schemas.openxmlformats.org/presentationml/2006/main">
+  <p:cSld>
+    <p:spTree>
+      <p:nvGrpSpPr>
+        <p:cNvPr id="1" name=""/>
+        <p:cNvGrpSpPr/>
+        <p:nvPr/>
+      </p:nvGrpSpPr>
+      <p:grpSpPr>
+        <a:xfrm>
+          <a:off x="0" y="0"/>
+          <a:ext cx="0" cy="0"/>
+          <a:chOff x="0" y="0"/>
+          <a:chExt cx="0" cy="0"/>
+        </a:xfrm>
+      </p:grpSpPr>
+      <p:sp>
+        <p:nvSpPr>
+          <p:cNvPr id="2" name="Slide Image Placeholder 1"/>
+          <p:cNvSpPr>
+            <a:spLocks noGrp="1" noRot="1" noChangeAspect="1"/>
+          </p:cNvSpPr>
+          <p:nvPr>
+            <p:ph type="sldImg"/>
+          </p:nvPr>
+        </p:nvSpPr>
+        <p:spPr/>
+      </p:sp>
+      <p:sp>
+        <p:nvSpPr>
+          <p:cNvPr id="3" name="Notes Placeholder 2"/>
+          <p:cNvSpPr>
+            <a:spLocks noGrp="1"/>
+          </p:cNvSpPr>
+          <p:nvPr>
+            <p:ph type="body" idx="1"/>
+          </p:nvPr>
+        </p:nvSpPr>
+        <p:spPr/>
+        <p:txBody>
+          <a:bodyPr/>
+          <a:lstStyle/>
+          <a:p>
+            <a:r>
+              <a:rPr lang="en-US" sz="1200" kern="1200" dirty="0" err="1">
+                <a:solidFill>
+                  <a:schemeClr val="tx1"/>
+                </a:solidFill>
+                <a:latin typeface="+mn-lt"/>
+                <a:ea typeface="+mn-ea"/>
+                <a:cs typeface="+mn-cs"/>
+              </a:rPr>
+              <a:t>Demo.Logic.CQ.UpdateProduct</a:t>
+            </a:r>
+            <a:r>
+              <a:rPr lang="pl-PL" sz="1200" kern="1200" dirty="0">
+                <a:solidFill>
+                  <a:schemeClr val="tx1"/>
+                </a:solidFill>
+                <a:latin typeface="+mn-lt"/>
+                <a:ea typeface="+mn-ea"/>
+                <a:cs typeface="+mn-cs"/>
+              </a:rPr>
+              <a:t>.</a:t>
+            </a:r>
+            <a:r>
+              <a:rPr lang="pl-PL" sz="1200" kern="1200" dirty="0" err="1">
+                <a:solidFill>
+                  <a:schemeClr val="tx1"/>
+                </a:solidFill>
+                <a:latin typeface="+mn-lt"/>
+                <a:ea typeface="+mn-ea"/>
+                <a:cs typeface="+mn-cs"/>
+              </a:rPr>
+              <a:t>Command</a:t>
+            </a:r>
+            <a:endParaRPr lang="pl-PL" sz="1200" kern="1200" dirty="0">
+              <a:solidFill>
+                <a:schemeClr val="tx1"/>
+              </a:solidFill>
+              <a:latin typeface="+mn-lt"/>
+              <a:ea typeface="+mn-ea"/>
+              <a:cs typeface="+mn-cs"/>
+            </a:endParaRPr>
+          </a:p>
+          <a:p>
+            <a:r>
+              <a:rPr lang="en-US" sz="1200" kern="1200" dirty="0" err="1">
+                <a:solidFill>
+                  <a:schemeClr val="tx1"/>
+                </a:solidFill>
+                <a:latin typeface="+mn-lt"/>
+                <a:ea typeface="+mn-ea"/>
+                <a:cs typeface="+mn-cs"/>
+              </a:rPr>
+              <a:t>Demo.Logic.CQ.UpdateProduct</a:t>
+            </a:r>
+            <a:r>
+              <a:rPr lang="pl-PL" sz="1200" kern="1200" dirty="0">
+                <a:solidFill>
+                  <a:schemeClr val="tx1"/>
+                </a:solidFill>
+                <a:latin typeface="+mn-lt"/>
+                <a:ea typeface="+mn-ea"/>
+                <a:cs typeface="+mn-cs"/>
+              </a:rPr>
+              <a:t>.</a:t>
+            </a:r>
+            <a:r>
+              <a:rPr lang="pl-PL" sz="1200" kern="1200" dirty="0" err="1">
+                <a:solidFill>
+                  <a:schemeClr val="tx1"/>
+                </a:solidFill>
+                <a:latin typeface="+mn-lt"/>
+                <a:ea typeface="+mn-ea"/>
+                <a:cs typeface="+mn-cs"/>
+              </a:rPr>
+              <a:t>CommandHandler</a:t>
+            </a:r>
+            <a:endParaRPr lang="pl-PL" sz="1200" kern="1200" dirty="0">
+              <a:solidFill>
+                <a:schemeClr val="tx1"/>
+              </a:solidFill>
+              <a:latin typeface="+mn-lt"/>
+              <a:ea typeface="+mn-ea"/>
+              <a:cs typeface="+mn-cs"/>
+            </a:endParaRPr>
+          </a:p>
+          <a:p>
+            <a:r>
+              <a:rPr lang="en-US" sz="1200" kern="1200" dirty="0" err="1">
+                <a:solidFill>
+                  <a:schemeClr val="tx1"/>
+                </a:solidFill>
+                <a:latin typeface="+mn-lt"/>
+                <a:ea typeface="+mn-ea"/>
+                <a:cs typeface="+mn-cs"/>
+              </a:rPr>
+              <a:t>Demo.Logic.CQ.UpdateProduct</a:t>
+            </a:r>
+            <a:r>
+              <a:rPr lang="pl-PL" sz="1200" kern="1200" dirty="0">
+                <a:solidFill>
+                  <a:schemeClr val="tx1"/>
+                </a:solidFill>
+                <a:latin typeface="+mn-lt"/>
+                <a:ea typeface="+mn-ea"/>
+                <a:cs typeface="+mn-cs"/>
+              </a:rPr>
+              <a:t>.</a:t>
+            </a:r>
+            <a:r>
+              <a:rPr lang="pl-PL" sz="1200" kern="1200" dirty="0" err="1">
+                <a:solidFill>
+                  <a:schemeClr val="tx1"/>
+                </a:solidFill>
+                <a:latin typeface="+mn-lt"/>
+                <a:ea typeface="+mn-ea"/>
+                <a:cs typeface="+mn-cs"/>
+              </a:rPr>
+              <a:t>Repository</a:t>
+            </a:r>
+            <a:endParaRPr lang="en-US" dirty="0"/>
+          </a:p>
+        </p:txBody>
+      </p:sp>
+      <p:sp>
+        <p:nvSpPr>
+          <p:cNvPr id="4" name="Slide Number Placeholder 3"/>
+          <p:cNvSpPr>
+            <a:spLocks noGrp="1"/>
+          </p:cNvSpPr>
+          <p:nvPr>
+            <p:ph type="sldNum" sz="quarter" idx="10"/>
+          </p:nvPr>
+        </p:nvSpPr>
+        <p:spPr/>
+        <p:txBody>
+          <a:bodyPr/>
+          <a:lstStyle/>
+          <a:p>
+            <a:fld id="{4EAAF290-B62D-4CB0-8AC8-2F3F85108F39}" type="slidenum">
+              <a:rPr lang="en-US" smtClean="0"/>
+              <a:t>10</a:t>
+            </a:fld>
+            <a:endParaRPr lang="en-US"/>
+          </a:p>
+        </p:txBody>
+      </p:sp>
+    </p:spTree>
+    <p:extLst>
+      <p:ext uri="{BB962C8B-B14F-4D97-AF65-F5344CB8AC3E}">
+        <p14:creationId xmlns:p14="http://schemas.microsoft.com/office/powerpoint/2010/main" val="1010698844"/>
+      </p:ext>
+    </p:extLst>
+  </p:cSld>
+  <p:clrMapOvr>
+    <a:masterClrMapping/>
+  </p:clrMapOvr>
+</p:notes>
+</file>
+
+<file path=ppt/notesSlides/notesSlide11.xml><?xml version="1.0" encoding="utf-8"?>
+<p:notes xmlns:a="http://schemas.openxmlformats.org/drawingml/2006/main" xmlns:r="http://schemas.openxmlformats.org/officeDocument/2006/relationships" xmlns:p="http://schemas.openxmlformats.org/presentationml/2006/main">
+  <p:cSld>
+    <p:spTree>
+      <p:nvGrpSpPr>
+        <p:cNvPr id="1" name=""/>
+        <p:cNvGrpSpPr/>
+        <p:nvPr/>
+      </p:nvGrpSpPr>
+      <p:grpSpPr>
+        <a:xfrm>
+          <a:off x="0" y="0"/>
+          <a:ext cx="0" cy="0"/>
+          <a:chOff x="0" y="0"/>
+          <a:chExt cx="0" cy="0"/>
+        </a:xfrm>
+      </p:grpSpPr>
+      <p:sp>
+        <p:nvSpPr>
+          <p:cNvPr id="2" name="Slide Image Placeholder 1"/>
+          <p:cNvSpPr>
+            <a:spLocks noGrp="1" noRot="1" noChangeAspect="1"/>
+          </p:cNvSpPr>
+          <p:nvPr>
+            <p:ph type="sldImg"/>
+          </p:nvPr>
+        </p:nvSpPr>
+        <p:spPr/>
+      </p:sp>
+      <p:sp>
+        <p:nvSpPr>
+          <p:cNvPr id="3" name="Notes Placeholder 2"/>
+          <p:cNvSpPr>
+            <a:spLocks noGrp="1"/>
+          </p:cNvSpPr>
+          <p:nvPr>
+            <p:ph type="body" idx="1"/>
+          </p:nvPr>
+        </p:nvSpPr>
+        <p:spPr/>
+        <p:txBody>
+          <a:bodyPr/>
+          <a:lstStyle/>
+          <a:p>
+            <a:r>
+              <a:rPr lang="en-US" sz="1200" kern="1200" dirty="0" err="1">
+                <a:solidFill>
+                  <a:schemeClr val="tx1"/>
+                </a:solidFill>
+                <a:latin typeface="+mn-lt"/>
+                <a:ea typeface="+mn-ea"/>
+                <a:cs typeface="+mn-cs"/>
+              </a:rPr>
+              <a:t>Demo.Logic.CQ.GetProductById</a:t>
+            </a:r>
+            <a:r>
+              <a:rPr lang="pl-PL" sz="1200" kern="1200" dirty="0">
+                <a:solidFill>
+                  <a:schemeClr val="tx1"/>
+                </a:solidFill>
+                <a:latin typeface="+mn-lt"/>
+                <a:ea typeface="+mn-ea"/>
+                <a:cs typeface="+mn-cs"/>
+              </a:rPr>
+              <a:t>.</a:t>
+            </a:r>
+            <a:r>
+              <a:rPr lang="pl-PL" sz="1200" kern="1200" dirty="0" err="1">
+                <a:solidFill>
+                  <a:schemeClr val="tx1"/>
+                </a:solidFill>
+                <a:latin typeface="+mn-lt"/>
+                <a:ea typeface="+mn-ea"/>
+                <a:cs typeface="+mn-cs"/>
+              </a:rPr>
+              <a:t>Repository</a:t>
+            </a:r>
+            <a:endParaRPr lang="pl-PL" sz="1200" kern="1200" dirty="0">
+              <a:solidFill>
+                <a:schemeClr val="tx1"/>
+              </a:solidFill>
+              <a:latin typeface="+mn-lt"/>
+              <a:ea typeface="+mn-ea"/>
+              <a:cs typeface="+mn-cs"/>
+            </a:endParaRPr>
+          </a:p>
+          <a:p>
+            <a:r>
+              <a:rPr lang="pl-PL" sz="1200" kern="1200" dirty="0">
+                <a:solidFill>
+                  <a:schemeClr val="tx1"/>
+                </a:solidFill>
+                <a:latin typeface="+mn-lt"/>
+                <a:ea typeface="+mn-ea"/>
+                <a:cs typeface="+mn-cs"/>
+              </a:rPr>
+              <a:t>Show</a:t>
+            </a:r>
+            <a:r>
+              <a:rPr lang="pl-PL" sz="1200" kern="1200" baseline="0" dirty="0">
+                <a:solidFill>
+                  <a:schemeClr val="tx1"/>
+                </a:solidFill>
+                <a:latin typeface="+mn-lt"/>
+                <a:ea typeface="+mn-ea"/>
+                <a:cs typeface="+mn-cs"/>
+              </a:rPr>
+              <a:t> </a:t>
+            </a:r>
+            <a:r>
+              <a:rPr lang="pl-PL" sz="1200" kern="1200" baseline="0" dirty="0" err="1">
+                <a:solidFill>
+                  <a:schemeClr val="tx1"/>
+                </a:solidFill>
+                <a:latin typeface="+mn-lt"/>
+                <a:ea typeface="+mn-ea"/>
+                <a:cs typeface="+mn-cs"/>
+              </a:rPr>
+              <a:t>how</a:t>
+            </a:r>
+            <a:r>
+              <a:rPr lang="pl-PL" sz="1200" kern="1200" baseline="0" dirty="0">
+                <a:solidFill>
+                  <a:schemeClr val="tx1"/>
+                </a:solidFill>
+                <a:latin typeface="+mn-lt"/>
+                <a:ea typeface="+mn-ea"/>
+                <a:cs typeface="+mn-cs"/>
+              </a:rPr>
+              <a:t> to </a:t>
+            </a:r>
+            <a:r>
+              <a:rPr lang="pl-PL" sz="1200" kern="1200" baseline="0" dirty="0" err="1">
+                <a:solidFill>
+                  <a:schemeClr val="tx1"/>
+                </a:solidFill>
+                <a:latin typeface="+mn-lt"/>
+                <a:ea typeface="+mn-ea"/>
+                <a:cs typeface="+mn-cs"/>
+              </a:rPr>
+              <a:t>install</a:t>
+            </a:r>
+            <a:r>
+              <a:rPr lang="pl-PL" sz="1200" kern="1200" baseline="0" dirty="0">
+                <a:solidFill>
+                  <a:schemeClr val="tx1"/>
+                </a:solidFill>
+                <a:latin typeface="+mn-lt"/>
+                <a:ea typeface="+mn-ea"/>
+                <a:cs typeface="+mn-cs"/>
+              </a:rPr>
+              <a:t> </a:t>
+            </a:r>
+            <a:r>
+              <a:rPr lang="pl-PL" sz="1200" kern="1200" baseline="0" dirty="0" err="1">
+                <a:solidFill>
+                  <a:schemeClr val="tx1"/>
+                </a:solidFill>
+                <a:latin typeface="+mn-lt"/>
+                <a:ea typeface="+mn-ea"/>
+                <a:cs typeface="+mn-cs"/>
+              </a:rPr>
+              <a:t>Null</a:t>
+            </a:r>
+            <a:r>
+              <a:rPr lang="pl-PL" sz="1200" kern="1200" baseline="0" dirty="0">
+                <a:solidFill>
+                  <a:schemeClr val="tx1"/>
+                </a:solidFill>
+                <a:latin typeface="+mn-lt"/>
+                <a:ea typeface="+mn-ea"/>
+                <a:cs typeface="+mn-cs"/>
+              </a:rPr>
+              <a:t> </a:t>
+            </a:r>
+            <a:r>
+              <a:rPr lang="pl-PL" sz="1200" kern="1200" baseline="0" dirty="0" err="1">
+                <a:solidFill>
+                  <a:schemeClr val="tx1"/>
+                </a:solidFill>
+                <a:latin typeface="+mn-lt"/>
+                <a:ea typeface="+mn-ea"/>
+                <a:cs typeface="+mn-cs"/>
+              </a:rPr>
+              <a:t>Guard</a:t>
+            </a:r>
+            <a:r>
+              <a:rPr lang="pl-PL" sz="1200" kern="1200" baseline="0" dirty="0">
+                <a:solidFill>
+                  <a:schemeClr val="tx1"/>
+                </a:solidFill>
+                <a:latin typeface="+mn-lt"/>
+                <a:ea typeface="+mn-ea"/>
+                <a:cs typeface="+mn-cs"/>
+              </a:rPr>
+              <a:t> and </a:t>
+            </a:r>
+            <a:r>
+              <a:rPr lang="pl-PL" sz="1200" kern="1200" baseline="0" dirty="0" err="1">
+                <a:solidFill>
+                  <a:schemeClr val="tx1"/>
+                </a:solidFill>
+                <a:latin typeface="+mn-lt"/>
+                <a:ea typeface="+mn-ea"/>
+                <a:cs typeface="+mn-cs"/>
+              </a:rPr>
+              <a:t>configure</a:t>
+            </a:r>
+            <a:r>
+              <a:rPr lang="pl-PL" sz="1200" kern="1200" baseline="0" dirty="0">
+                <a:solidFill>
+                  <a:schemeClr val="tx1"/>
+                </a:solidFill>
+                <a:latin typeface="+mn-lt"/>
+                <a:ea typeface="+mn-ea"/>
+                <a:cs typeface="+mn-cs"/>
+              </a:rPr>
+              <a:t> (</a:t>
+            </a:r>
+            <a:r>
+              <a:rPr lang="pl-PL" sz="1200" kern="1200" baseline="0" dirty="0" err="1">
+                <a:solidFill>
+                  <a:schemeClr val="tx1"/>
+                </a:solidFill>
+                <a:latin typeface="+mn-lt"/>
+                <a:ea typeface="+mn-ea"/>
+                <a:cs typeface="+mn-cs"/>
+              </a:rPr>
+              <a:t>xml</a:t>
+            </a:r>
+            <a:r>
+              <a:rPr lang="pl-PL" sz="1200" kern="1200" baseline="0" dirty="0">
+                <a:solidFill>
+                  <a:schemeClr val="tx1"/>
+                </a:solidFill>
+                <a:latin typeface="+mn-lt"/>
+                <a:ea typeface="+mn-ea"/>
+                <a:cs typeface="+mn-cs"/>
+              </a:rPr>
+              <a:t>, </a:t>
+            </a:r>
+            <a:r>
+              <a:rPr lang="pl-PL" sz="1200" kern="1200" baseline="0" dirty="0" err="1">
+                <a:solidFill>
+                  <a:schemeClr val="tx1"/>
+                </a:solidFill>
+                <a:latin typeface="+mn-lt"/>
+                <a:ea typeface="+mn-ea"/>
+                <a:cs typeface="+mn-cs"/>
+              </a:rPr>
+              <a:t>null</a:t>
+            </a:r>
+            <a:r>
+              <a:rPr lang="pl-PL" sz="1200" kern="1200" baseline="0" dirty="0">
+                <a:solidFill>
+                  <a:schemeClr val="tx1"/>
+                </a:solidFill>
+                <a:latin typeface="+mn-lt"/>
+                <a:ea typeface="+mn-ea"/>
+                <a:cs typeface="+mn-cs"/>
+              </a:rPr>
+              <a:t> </a:t>
+            </a:r>
+            <a:r>
+              <a:rPr lang="pl-PL" sz="1200" kern="1200" baseline="0" dirty="0" err="1">
+                <a:solidFill>
+                  <a:schemeClr val="tx1"/>
+                </a:solidFill>
+                <a:latin typeface="+mn-lt"/>
+                <a:ea typeface="+mn-ea"/>
+                <a:cs typeface="+mn-cs"/>
+              </a:rPr>
+              <a:t>exemptions</a:t>
+            </a:r>
+            <a:r>
+              <a:rPr lang="pl-PL" sz="1200" kern="1200" baseline="0" dirty="0">
+                <a:solidFill>
+                  <a:schemeClr val="tx1"/>
+                </a:solidFill>
+                <a:latin typeface="+mn-lt"/>
+                <a:ea typeface="+mn-ea"/>
+                <a:cs typeface="+mn-cs"/>
+              </a:rPr>
+              <a:t> </a:t>
+            </a:r>
+            <a:r>
+              <a:rPr lang="pl-PL" sz="1200" kern="1200" baseline="0" dirty="0" err="1">
+                <a:solidFill>
+                  <a:schemeClr val="tx1"/>
+                </a:solidFill>
+                <a:latin typeface="+mn-lt"/>
+                <a:ea typeface="+mn-ea"/>
+                <a:cs typeface="+mn-cs"/>
+              </a:rPr>
+              <a:t>attribute</a:t>
+            </a:r>
+            <a:r>
+              <a:rPr lang="pl-PL" sz="1200" kern="1200" baseline="0" dirty="0">
+                <a:solidFill>
+                  <a:schemeClr val="tx1"/>
+                </a:solidFill>
+                <a:latin typeface="+mn-lt"/>
+                <a:ea typeface="+mn-ea"/>
+                <a:cs typeface="+mn-cs"/>
+              </a:rPr>
+              <a:t>)</a:t>
+            </a:r>
+            <a:endParaRPr lang="en-US" dirty="0"/>
+          </a:p>
+        </p:txBody>
+      </p:sp>
+      <p:sp>
+        <p:nvSpPr>
+          <p:cNvPr id="4" name="Slide Number Placeholder 3"/>
+          <p:cNvSpPr>
+            <a:spLocks noGrp="1"/>
+          </p:cNvSpPr>
+          <p:nvPr>
+            <p:ph type="sldNum" sz="quarter" idx="10"/>
+          </p:nvPr>
+        </p:nvSpPr>
+        <p:spPr/>
+        <p:txBody>
+          <a:bodyPr/>
+          <a:lstStyle/>
+          <a:p>
+            <a:fld id="{4EAAF290-B62D-4CB0-8AC8-2F3F85108F39}" type="slidenum">
+              <a:rPr lang="en-US" smtClean="0"/>
+              <a:t>11</a:t>
+            </a:fld>
+            <a:endParaRPr lang="en-US"/>
+          </a:p>
+        </p:txBody>
+      </p:sp>
+    </p:spTree>
+    <p:extLst>
+      <p:ext uri="{BB962C8B-B14F-4D97-AF65-F5344CB8AC3E}">
+        <p14:creationId xmlns:p14="http://schemas.microsoft.com/office/powerpoint/2010/main" val="3830258933"/>
+      </p:ext>
+    </p:extLst>
+  </p:cSld>
+  <p:clrMapOvr>
+    <a:masterClrMapping/>
+  </p:clrMapOvr>
+</p:notes>
+</file>
+
+<file path=ppt/notesSlides/notesSlide12.xml><?xml version="1.0" encoding="utf-8"?>
+<p:notes xmlns:a="http://schemas.openxmlformats.org/drawingml/2006/main" xmlns:r="http://schemas.openxmlformats.org/officeDocument/2006/relationships" xmlns:p="http://schemas.openxmlformats.org/presentationml/2006/main">
+  <p:cSld>
+    <p:spTree>
+      <p:nvGrpSpPr>
+        <p:cNvPr id="1" name=""/>
+        <p:cNvGrpSpPr/>
+        <p:nvPr/>
+      </p:nvGrpSpPr>
+      <p:grpSpPr>
+        <a:xfrm>
+          <a:off x="0" y="0"/>
+          <a:ext cx="0" cy="0"/>
+          <a:chOff x="0" y="0"/>
+          <a:chExt cx="0" cy="0"/>
+        </a:xfrm>
+      </p:grpSpPr>
+      <p:sp>
+        <p:nvSpPr>
+          <p:cNvPr id="2" name="Slide Image Placeholder 1"/>
+          <p:cNvSpPr>
+            <a:spLocks noGrp="1" noRot="1" noChangeAspect="1"/>
+          </p:cNvSpPr>
+          <p:nvPr>
+            <p:ph type="sldImg"/>
+          </p:nvPr>
+        </p:nvSpPr>
+        <p:spPr/>
+      </p:sp>
+      <p:sp>
+        <p:nvSpPr>
+          <p:cNvPr id="3" name="Notes Placeholder 2"/>
+          <p:cNvSpPr>
+            <a:spLocks noGrp="1"/>
+          </p:cNvSpPr>
+          <p:nvPr>
+            <p:ph type="body" idx="1"/>
+          </p:nvPr>
+        </p:nvSpPr>
+        <p:spPr/>
+        <p:txBody>
+          <a:bodyPr/>
+          <a:lstStyle/>
+          <a:p>
+            <a:r>
+              <a:rPr lang="pl-PL" dirty="0"/>
+              <a:t>Show on </a:t>
+            </a:r>
+            <a:r>
+              <a:rPr lang="pl-PL" dirty="0" err="1"/>
+              <a:t>which</a:t>
+            </a:r>
+            <a:r>
+              <a:rPr lang="pl-PL" dirty="0"/>
+              <a:t> </a:t>
+            </a:r>
+            <a:r>
+              <a:rPr lang="pl-PL" dirty="0" err="1"/>
+              <a:t>assemblies</a:t>
+            </a:r>
+            <a:r>
+              <a:rPr lang="pl-PL" dirty="0"/>
+              <a:t> </a:t>
+            </a:r>
+            <a:r>
+              <a:rPr lang="pl-PL" dirty="0" err="1"/>
+              <a:t>null</a:t>
+            </a:r>
+            <a:r>
+              <a:rPr lang="pl-PL" dirty="0"/>
+              <a:t> </a:t>
+            </a:r>
+            <a:r>
+              <a:rPr lang="pl-PL" dirty="0" err="1"/>
+              <a:t>guard</a:t>
+            </a:r>
+            <a:r>
+              <a:rPr lang="pl-PL" dirty="0"/>
+              <a:t> </a:t>
+            </a:r>
+            <a:r>
+              <a:rPr lang="pl-PL" dirty="0" err="1"/>
+              <a:t>is</a:t>
+            </a:r>
+            <a:r>
+              <a:rPr lang="pl-PL" dirty="0"/>
+              <a:t> </a:t>
+            </a:r>
+            <a:r>
+              <a:rPr lang="pl-PL" dirty="0" err="1"/>
+              <a:t>installed</a:t>
+            </a:r>
+            <a:endParaRPr lang="en-US" dirty="0"/>
+          </a:p>
+        </p:txBody>
+      </p:sp>
+      <p:sp>
+        <p:nvSpPr>
+          <p:cNvPr id="4" name="Slide Number Placeholder 3"/>
+          <p:cNvSpPr>
+            <a:spLocks noGrp="1"/>
+          </p:cNvSpPr>
+          <p:nvPr>
+            <p:ph type="sldNum" sz="quarter" idx="10"/>
+          </p:nvPr>
+        </p:nvSpPr>
+        <p:spPr/>
+        <p:txBody>
+          <a:bodyPr/>
+          <a:lstStyle/>
+          <a:p>
+            <a:fld id="{4EAAF290-B62D-4CB0-8AC8-2F3F85108F39}" type="slidenum">
+              <a:rPr lang="en-US" smtClean="0"/>
+              <a:t>12</a:t>
+            </a:fld>
+            <a:endParaRPr lang="en-US"/>
+          </a:p>
+        </p:txBody>
+      </p:sp>
+    </p:spTree>
+    <p:extLst>
+      <p:ext uri="{BB962C8B-B14F-4D97-AF65-F5344CB8AC3E}">
+        <p14:creationId xmlns:p14="http://schemas.microsoft.com/office/powerpoint/2010/main" val="431600977"/>
+      </p:ext>
+    </p:extLst>
+  </p:cSld>
+  <p:clrMapOvr>
+    <a:masterClrMapping/>
+  </p:clrMapOvr>
+</p:notes>
+</file>
+
+<file path=ppt/notesSlides/notesSlide13.xml><?xml version="1.0" encoding="utf-8"?>
+<p:notes xmlns:a="http://schemas.openxmlformats.org/drawingml/2006/main" xmlns:r="http://schemas.openxmlformats.org/officeDocument/2006/relationships" xmlns:p="http://schemas.openxmlformats.org/presentationml/2006/main">
+  <p:cSld>
+    <p:spTree>
+      <p:nvGrpSpPr>
+        <p:cNvPr id="1" name=""/>
+        <p:cNvGrpSpPr/>
+        <p:nvPr/>
+      </p:nvGrpSpPr>
+      <p:grpSpPr>
+        <a:xfrm>
+          <a:off x="0" y="0"/>
+          <a:ext cx="0" cy="0"/>
+          <a:chOff x="0" y="0"/>
+          <a:chExt cx="0" cy="0"/>
+        </a:xfrm>
+      </p:grpSpPr>
+      <p:sp>
+        <p:nvSpPr>
+          <p:cNvPr id="2" name="Slide Image Placeholder 1"/>
+          <p:cNvSpPr>
+            <a:spLocks noGrp="1" noRot="1" noChangeAspect="1"/>
+          </p:cNvSpPr>
+          <p:nvPr>
+            <p:ph type="sldImg"/>
+          </p:nvPr>
+        </p:nvSpPr>
+        <p:spPr/>
+      </p:sp>
+      <p:sp>
+        <p:nvSpPr>
+          <p:cNvPr id="3" name="Notes Placeholder 2"/>
+          <p:cNvSpPr>
+            <a:spLocks noGrp="1"/>
+          </p:cNvSpPr>
+          <p:nvPr>
+            <p:ph type="body" idx="1"/>
+          </p:nvPr>
+        </p:nvSpPr>
+        <p:spPr/>
+        <p:txBody>
+          <a:bodyPr/>
+          <a:lstStyle/>
+          <a:p>
+            <a:r>
+              <a:rPr lang="en-US" sz="1200" kern="1200" dirty="0" err="1">
+                <a:solidFill>
+                  <a:schemeClr val="tx1"/>
+                </a:solidFill>
+                <a:latin typeface="+mn-lt"/>
+                <a:ea typeface="+mn-ea"/>
+                <a:cs typeface="+mn-cs"/>
+              </a:rPr>
+              <a:t>Demo.Logic.Facades.Base</a:t>
+            </a:r>
+            <a:r>
+              <a:rPr lang="pl-PL" sz="1200" kern="1200" dirty="0">
+                <a:solidFill>
+                  <a:schemeClr val="tx1"/>
+                </a:solidFill>
+                <a:latin typeface="+mn-lt"/>
+                <a:ea typeface="+mn-ea"/>
+                <a:cs typeface="+mn-cs"/>
+              </a:rPr>
+              <a:t>.</a:t>
+            </a:r>
+            <a:r>
+              <a:rPr lang="en-US" sz="1200" kern="1200" dirty="0">
+                <a:solidFill>
+                  <a:schemeClr val="tx1"/>
+                </a:solidFill>
+                <a:latin typeface="+mn-lt"/>
+                <a:ea typeface="+mn-ea"/>
+                <a:cs typeface="+mn-cs"/>
+              </a:rPr>
+              <a:t>Helper</a:t>
+            </a:r>
+            <a:endParaRPr lang="en-US" dirty="0"/>
+          </a:p>
+        </p:txBody>
+      </p:sp>
+      <p:sp>
+        <p:nvSpPr>
+          <p:cNvPr id="4" name="Slide Number Placeholder 3"/>
+          <p:cNvSpPr>
+            <a:spLocks noGrp="1"/>
+          </p:cNvSpPr>
+          <p:nvPr>
+            <p:ph type="sldNum" sz="quarter" idx="10"/>
+          </p:nvPr>
+        </p:nvSpPr>
+        <p:spPr/>
+        <p:txBody>
+          <a:bodyPr/>
+          <a:lstStyle/>
+          <a:p>
+            <a:fld id="{4EAAF290-B62D-4CB0-8AC8-2F3F85108F39}" type="slidenum">
+              <a:rPr lang="en-US" smtClean="0"/>
+              <a:t>13</a:t>
+            </a:fld>
+            <a:endParaRPr lang="en-US"/>
+          </a:p>
+        </p:txBody>
+      </p:sp>
+    </p:spTree>
+    <p:extLst>
+      <p:ext uri="{BB962C8B-B14F-4D97-AF65-F5344CB8AC3E}">
+        <p14:creationId xmlns:p14="http://schemas.microsoft.com/office/powerpoint/2010/main" val="981609761"/>
+      </p:ext>
+    </p:extLst>
+  </p:cSld>
+  <p:clrMapOvr>
+    <a:masterClrMapping/>
+  </p:clrMapOvr>
+</p:notes>
+</file>
+
+<file path=ppt/notesSlides/notesSlide14.xml><?xml version="1.0" encoding="utf-8"?>
 <p:notes xmlns:a="http://schemas.openxmlformats.org/drawingml/2006/main" xmlns:r="http://schemas.openxmlformats.org/officeDocument/2006/relationships" xmlns:p="http://schemas.openxmlformats.org/presentationml/2006/main">
   <p:cSld>
     <p:spTree>
@@ -851,151 +1732,7 @@
           <a:bodyPr/>
           <a:lstStyle/>
           <a:p>
-            <a:r>
-              <a:rPr lang="en-US" sz="1200" kern="1200" dirty="0" err="1">
-                <a:solidFill>
-                  <a:schemeClr val="tx1"/>
-                </a:solidFill>
-                <a:latin typeface="+mn-lt"/>
-                <a:ea typeface="+mn-ea"/>
-                <a:cs typeface="+mn-cs"/>
-              </a:rPr>
-              <a:t>Demo.Logic.CQ.UpdateProduct</a:t>
-            </a:r>
-            <a:r>
-              <a:rPr lang="pl-PL" sz="1200" kern="1200" dirty="0">
-                <a:solidFill>
-                  <a:schemeClr val="tx1"/>
-                </a:solidFill>
-                <a:latin typeface="+mn-lt"/>
-                <a:ea typeface="+mn-ea"/>
-                <a:cs typeface="+mn-cs"/>
-              </a:rPr>
-              <a:t>.</a:t>
-            </a:r>
-            <a:r>
-              <a:rPr lang="en-US" sz="1200" kern="1200" dirty="0">
-                <a:solidFill>
-                  <a:schemeClr val="tx1"/>
-                </a:solidFill>
-                <a:latin typeface="+mn-lt"/>
-                <a:ea typeface="+mn-ea"/>
-                <a:cs typeface="+mn-cs"/>
-              </a:rPr>
-              <a:t>Interfaces</a:t>
-            </a:r>
-            <a:r>
-              <a:rPr lang="pl-PL" sz="1200" kern="1200" dirty="0">
-                <a:solidFill>
-                  <a:schemeClr val="tx1"/>
-                </a:solidFill>
-                <a:latin typeface="+mn-lt"/>
-                <a:ea typeface="+mn-ea"/>
-                <a:cs typeface="+mn-cs"/>
-              </a:rPr>
-              <a:t>.</a:t>
-            </a:r>
-            <a:r>
-              <a:rPr lang="en-US" sz="1200" kern="1200" dirty="0">
-                <a:solidFill>
-                  <a:schemeClr val="tx1"/>
-                </a:solidFill>
-                <a:latin typeface="+mn-lt"/>
-                <a:ea typeface="+mn-ea"/>
-                <a:cs typeface="+mn-cs"/>
-              </a:rPr>
-              <a:t>I</a:t>
-            </a:r>
-            <a:r>
-              <a:rPr lang="pl-PL" sz="1200" kern="1200" dirty="0">
-                <a:solidFill>
-                  <a:schemeClr val="tx1"/>
-                </a:solidFill>
-                <a:latin typeface="+mn-lt"/>
-                <a:ea typeface="+mn-ea"/>
-                <a:cs typeface="+mn-cs"/>
-              </a:rPr>
-              <a:t>R</a:t>
-            </a:r>
-            <a:r>
-              <a:rPr lang="en-US" sz="1200" kern="1200" dirty="0" err="1">
-                <a:solidFill>
-                  <a:schemeClr val="tx1"/>
-                </a:solidFill>
-                <a:latin typeface="+mn-lt"/>
-                <a:ea typeface="+mn-ea"/>
-                <a:cs typeface="+mn-cs"/>
-              </a:rPr>
-              <a:t>epository</a:t>
-            </a:r>
-            <a:endParaRPr lang="pl-PL" sz="1200" kern="1200" dirty="0">
-              <a:solidFill>
-                <a:schemeClr val="tx1"/>
-              </a:solidFill>
-              <a:latin typeface="+mn-lt"/>
-              <a:ea typeface="+mn-ea"/>
-              <a:cs typeface="+mn-cs"/>
-            </a:endParaRPr>
-          </a:p>
-          <a:p>
-            <a:pPr marL="0" marR="0" lvl="0" indent="0" algn="l" defTabSz="914400" rtl="0" eaLnBrk="1" fontAlgn="auto" latinLnBrk="0" hangingPunct="1">
-              <a:lnSpc>
-                <a:spcPct val="100000"/>
-              </a:lnSpc>
-              <a:spcBef>
-                <a:spcPts val="0"/>
-              </a:spcBef>
-              <a:spcAft>
-                <a:spcPts val="0"/>
-              </a:spcAft>
-              <a:buClrTx/>
-              <a:buSzTx/>
-              <a:buFontTx/>
-              <a:buNone/>
-              <a:tabLst/>
-              <a:defRPr/>
-            </a:pPr>
-            <a:r>
-              <a:rPr lang="en-US" sz="1200" kern="1200" dirty="0" err="1">
-                <a:solidFill>
-                  <a:schemeClr val="tx1"/>
-                </a:solidFill>
-                <a:latin typeface="+mn-lt"/>
-                <a:ea typeface="+mn-ea"/>
-                <a:cs typeface="+mn-cs"/>
-              </a:rPr>
-              <a:t>Demo.Logic.CQ.UpdateProduct</a:t>
-            </a:r>
-            <a:r>
-              <a:rPr lang="pl-PL" sz="1200" kern="1200" dirty="0">
-                <a:solidFill>
-                  <a:schemeClr val="tx1"/>
-                </a:solidFill>
-                <a:latin typeface="+mn-lt"/>
-                <a:ea typeface="+mn-ea"/>
-                <a:cs typeface="+mn-cs"/>
-              </a:rPr>
-              <a:t>.</a:t>
-            </a:r>
-            <a:r>
-              <a:rPr lang="en-US" sz="1200" kern="1200" dirty="0">
-                <a:solidFill>
-                  <a:schemeClr val="tx1"/>
-                </a:solidFill>
-                <a:latin typeface="+mn-lt"/>
-                <a:ea typeface="+mn-ea"/>
-                <a:cs typeface="+mn-cs"/>
-              </a:rPr>
-              <a:t>Command</a:t>
-            </a:r>
-            <a:endParaRPr lang="pl-PL" sz="1200" kern="1200" dirty="0">
-              <a:solidFill>
-                <a:schemeClr val="tx1"/>
-              </a:solidFill>
-              <a:latin typeface="+mn-lt"/>
-              <a:ea typeface="+mn-ea"/>
-              <a:cs typeface="+mn-cs"/>
-            </a:endParaRPr>
+            <a:endParaRPr lang="en-US"/>
           </a:p>
         </p:txBody>
       </p:sp>
@@ -1016,7 +1753,7 @@
           <a:p>
             <a:fld id="{4EAAF290-B62D-4CB0-8AC8-2F3F85108F39}" type="slidenum">
               <a:rPr lang="en-US" smtClean="0"/>
-              <a:t>4</a:t>
+              <a:t>2</a:t>
             </a:fld>
             <a:endParaRPr lang="en-US"/>
           </a:p>
@@ -1025,7 +1762,7 @@
     </p:spTree>
     <p:extLst>
       <p:ext uri="{BB962C8B-B14F-4D97-AF65-F5344CB8AC3E}">
-        <p14:creationId xmlns:p14="http://schemas.microsoft.com/office/powerpoint/2010/main" val="868253916"/>
+        <p14:creationId xmlns:p14="http://schemas.microsoft.com/office/powerpoint/2010/main" val="2619667302"/>
       </p:ext>
     </p:extLst>
   </p:cSld>
@@ -1102,7 +1839,7 @@
               <a:t>.</a:t>
             </a:r>
             <a:r>
-              <a:rPr lang="en-US" sz="1200" kern="1200" dirty="0" err="1">
+              <a:rPr lang="en-US" sz="1200" kern="1200" dirty="0">
                 <a:solidFill>
                   <a:schemeClr val="tx1"/>
                 </a:solidFill>
@@ -1110,7 +1847,7 @@
                 <a:ea typeface="+mn-ea"/>
                 <a:cs typeface="+mn-cs"/>
               </a:rPr>
-              <a:t>CommandHandler</a:t>
+              <a:t>Command</a:t>
             </a:r>
             <a:endParaRPr lang="pl-PL" sz="1200" kern="1200" dirty="0">
               <a:solidFill>
@@ -1131,7 +1868,7 @@
                 <a:ea typeface="+mn-ea"/>
                 <a:cs typeface="+mn-cs"/>
               </a:rPr>
-              <a:t>Demo.Logic.CQ.GetProductById</a:t>
+              <a:t>Demo.Logic.CQ.UpdateProduct</a:t>
             </a:r>
             <a:r>
               <a:rPr lang="pl-PL" sz="1200" kern="1200" dirty="0">
@@ -1145,7 +1882,7 @@
               <a:t>.</a:t>
             </a:r>
             <a:r>
-              <a:rPr lang="en-US" sz="1200" kern="1200" dirty="0" err="1">
+              <a:rPr lang="en-US" sz="1200" kern="1200" dirty="0">
                 <a:solidFill>
                   <a:schemeClr val="tx1"/>
                 </a:solidFill>
@@ -1153,9 +1890,19 @@
                 <a:ea typeface="+mn-ea"/>
                 <a:cs typeface="+mn-cs"/>
               </a:rPr>
-              <a:t>QueryHandler</a:t>
-            </a:r>
-            <a:endParaRPr lang="en-US" dirty="0"/>
+              <a:t>Command</a:t>
+            </a:r>
+            <a:r>
+              <a:rPr lang="pl-PL" sz="1200" kern="1200" dirty="0">
+                <a:solidFill>
+                  <a:schemeClr val="tx1"/>
+                </a:solidFill>
+                <a:latin typeface="+mn-lt"/>
+                <a:ea typeface="+mn-ea"/>
+                <a:cs typeface="+mn-cs"/>
+              </a:rPr>
+              <a:t>Handler</a:t>
+            </a:r>
           </a:p>
         </p:txBody>
       </p:sp>
@@ -1176,7 +1923,7 @@
           <a:p>
             <a:fld id="{4EAAF290-B62D-4CB0-8AC8-2F3F85108F39}" type="slidenum">
               <a:rPr lang="en-US" smtClean="0"/>
-              <a:t>5</a:t>
+              <a:t>3</a:t>
             </a:fld>
             <a:endParaRPr lang="en-US"/>
           </a:p>
@@ -1185,7 +1932,7 @@
     </p:spTree>
     <p:extLst>
       <p:ext uri="{BB962C8B-B14F-4D97-AF65-F5344CB8AC3E}">
-        <p14:creationId xmlns:p14="http://schemas.microsoft.com/office/powerpoint/2010/main" val="1704212335"/>
+        <p14:creationId xmlns:p14="http://schemas.microsoft.com/office/powerpoint/2010/main" val="639511320"/>
       </p:ext>
     </p:extLst>
   </p:cSld>
@@ -1248,7 +1995,7 @@
                 <a:ea typeface="+mn-ea"/>
                 <a:cs typeface="+mn-cs"/>
               </a:rPr>
-              <a:t>Demo.Logic.CQ.UpdateSubproducts</a:t>
+              <a:t>Demo.Logic.CQ.UpdateProduct</a:t>
             </a:r>
             <a:r>
               <a:rPr lang="pl-PL" sz="1200" kern="1200" dirty="0">
@@ -1262,7 +2009,7 @@
               <a:t>.</a:t>
             </a:r>
             <a:r>
-              <a:rPr lang="en-US" sz="1200" kern="1200" dirty="0" err="1">
+              <a:rPr lang="en-US" sz="1200" kern="1200" dirty="0">
                 <a:solidFill>
                   <a:schemeClr val="tx1"/>
                 </a:solidFill>
@@ -1270,9 +2017,120 @@
                 <a:ea typeface="+mn-ea"/>
                 <a:cs typeface="+mn-cs"/>
               </a:rPr>
-              <a:t>CommandHandler</a:t>
-            </a:r>
-            <a:endParaRPr lang="en-US" dirty="0"/>
+              <a:t>Interfaces</a:t>
+            </a:r>
+            <a:r>
+              <a:rPr lang="pl-PL" sz="1200" kern="1200" dirty="0">
+                <a:solidFill>
+                  <a:schemeClr val="tx1"/>
+                </a:solidFill>
+                <a:latin typeface="+mn-lt"/>
+                <a:ea typeface="+mn-ea"/>
+                <a:cs typeface="+mn-cs"/>
+              </a:rPr>
+              <a:t>.</a:t>
+            </a:r>
+            <a:r>
+              <a:rPr lang="en-US" sz="1200" kern="1200" dirty="0">
+                <a:solidFill>
+                  <a:schemeClr val="tx1"/>
+                </a:solidFill>
+                <a:latin typeface="+mn-lt"/>
+                <a:ea typeface="+mn-ea"/>
+                <a:cs typeface="+mn-cs"/>
+              </a:rPr>
+              <a:t>I</a:t>
+            </a:r>
+            <a:r>
+              <a:rPr lang="pl-PL" sz="1200" kern="1200" dirty="0">
+                <a:solidFill>
+                  <a:schemeClr val="tx1"/>
+                </a:solidFill>
+                <a:latin typeface="+mn-lt"/>
+                <a:ea typeface="+mn-ea"/>
+                <a:cs typeface="+mn-cs"/>
+              </a:rPr>
+              <a:t>R</a:t>
+            </a:r>
+            <a:r>
+              <a:rPr lang="en-US" sz="1200" kern="1200" dirty="0" err="1">
+                <a:solidFill>
+                  <a:schemeClr val="tx1"/>
+                </a:solidFill>
+                <a:latin typeface="+mn-lt"/>
+                <a:ea typeface="+mn-ea"/>
+                <a:cs typeface="+mn-cs"/>
+              </a:rPr>
+              <a:t>epository</a:t>
+            </a:r>
+            <a:endParaRPr lang="pl-PL" sz="1200" kern="1200" dirty="0">
+              <a:solidFill>
+                <a:schemeClr val="tx1"/>
+              </a:solidFill>
+              <a:latin typeface="+mn-lt"/>
+              <a:ea typeface="+mn-ea"/>
+              <a:cs typeface="+mn-cs"/>
+            </a:endParaRPr>
+          </a:p>
+          <a:p>
+            <a:pPr marL="0" marR="0" lvl="0" indent="0" algn="l" defTabSz="914400" rtl="0" eaLnBrk="1" fontAlgn="auto" latinLnBrk="0" hangingPunct="1">
+              <a:lnSpc>
+                <a:spcPct val="100000"/>
+              </a:lnSpc>
+              <a:spcBef>
+                <a:spcPts val="0"/>
+              </a:spcBef>
+              <a:spcAft>
+                <a:spcPts val="0"/>
+              </a:spcAft>
+              <a:buClrTx/>
+              <a:buSzTx/>
+              <a:buFontTx/>
+              <a:buNone/>
+              <a:tabLst/>
+              <a:defRPr/>
+            </a:pPr>
+            <a:r>
+              <a:rPr lang="en-US" sz="1200" kern="1200" dirty="0" err="1">
+                <a:solidFill>
+                  <a:schemeClr val="tx1"/>
+                </a:solidFill>
+                <a:latin typeface="+mn-lt"/>
+                <a:ea typeface="+mn-ea"/>
+                <a:cs typeface="+mn-cs"/>
+              </a:rPr>
+              <a:t>Demo.Logic.CQ.UpdateProduct</a:t>
+            </a:r>
+            <a:r>
+              <a:rPr lang="pl-PL" sz="1200" kern="1200" dirty="0">
+                <a:solidFill>
+                  <a:schemeClr val="tx1"/>
+                </a:solidFill>
+                <a:latin typeface="+mn-lt"/>
+                <a:ea typeface="+mn-ea"/>
+                <a:cs typeface="+mn-cs"/>
+              </a:rPr>
+              <a:t>.</a:t>
+            </a:r>
+            <a:r>
+              <a:rPr lang="en-US" sz="1200" kern="1200" dirty="0">
+                <a:solidFill>
+                  <a:schemeClr val="tx1"/>
+                </a:solidFill>
+                <a:latin typeface="+mn-lt"/>
+                <a:ea typeface="+mn-ea"/>
+                <a:cs typeface="+mn-cs"/>
+              </a:rPr>
+              <a:t>Command</a:t>
+            </a:r>
+            <a:endParaRPr lang="pl-PL" sz="1200" kern="1200" dirty="0">
+              <a:solidFill>
+                <a:schemeClr val="tx1"/>
+              </a:solidFill>
+              <a:latin typeface="+mn-lt"/>
+              <a:ea typeface="+mn-ea"/>
+              <a:cs typeface="+mn-cs"/>
+            </a:endParaRPr>
           </a:p>
         </p:txBody>
       </p:sp>
@@ -1293,7 +2151,7 @@
           <a:p>
             <a:fld id="{4EAAF290-B62D-4CB0-8AC8-2F3F85108F39}" type="slidenum">
               <a:rPr lang="en-US" smtClean="0"/>
-              <a:t>7</a:t>
+              <a:t>4</a:t>
             </a:fld>
             <a:endParaRPr lang="en-US"/>
           </a:p>
@@ -1302,7 +2160,7 @@
     </p:spTree>
     <p:extLst>
       <p:ext uri="{BB962C8B-B14F-4D97-AF65-F5344CB8AC3E}">
-        <p14:creationId xmlns:p14="http://schemas.microsoft.com/office/powerpoint/2010/main" val="1720299756"/>
+        <p14:creationId xmlns:p14="http://schemas.microsoft.com/office/powerpoint/2010/main" val="868253916"/>
       </p:ext>
     </p:extLst>
   </p:cSld>
@@ -1365,7 +2223,7 @@
                 <a:ea typeface="+mn-ea"/>
                 <a:cs typeface="+mn-cs"/>
               </a:rPr>
-              <a:t>Demo.Logic.CQ.UpdateSubproducts</a:t>
+              <a:t>Demo.Logic.CQ.UpdateProduct</a:t>
             </a:r>
             <a:r>
               <a:rPr lang="pl-PL" sz="1200" kern="1200" dirty="0">
@@ -1379,7 +2237,7 @@
               <a:t>.</a:t>
             </a:r>
             <a:r>
-              <a:rPr lang="en-US" sz="1200" kern="1200" dirty="0">
+              <a:rPr lang="en-US" sz="1200" kern="1200" dirty="0" err="1">
                 <a:solidFill>
                   <a:schemeClr val="tx1"/>
                 </a:solidFill>
@@ -1387,7 +2245,50 @@
                 <a:ea typeface="+mn-ea"/>
                 <a:cs typeface="+mn-cs"/>
               </a:rPr>
-              <a:t>Command</a:t>
+              <a:t>CommandHandler</a:t>
+            </a:r>
+            <a:endParaRPr lang="pl-PL" sz="1200" kern="1200" dirty="0">
+              <a:solidFill>
+                <a:schemeClr val="tx1"/>
+              </a:solidFill>
+              <a:latin typeface="+mn-lt"/>
+              <a:ea typeface="+mn-ea"/>
+              <a:cs typeface="+mn-cs"/>
+            </a:endParaRPr>
+          </a:p>
+          <a:p>
+            <a:r>
+              <a:rPr lang="en-US" sz="1200" kern="1200" dirty="0" err="1">
+                <a:solidFill>
+                  <a:schemeClr val="tx1"/>
+                </a:solidFill>
+                <a:latin typeface="+mn-lt"/>
+                <a:ea typeface="+mn-ea"/>
+                <a:cs typeface="+mn-cs"/>
+              </a:rPr>
+              <a:t>Demo.Logic.CQ.GetProductById</a:t>
+            </a:r>
+            <a:r>
+              <a:rPr lang="pl-PL" sz="1200" kern="1200" dirty="0">
+                <a:solidFill>
+                  <a:schemeClr val="tx1"/>
+                </a:solidFill>
+                <a:latin typeface="+mn-lt"/>
+                <a:ea typeface="+mn-ea"/>
+                <a:cs typeface="+mn-cs"/>
+              </a:rPr>
+              <a:t>.</a:t>
+            </a:r>
+            <a:r>
+              <a:rPr lang="en-US" sz="1200" kern="1200" dirty="0" err="1">
+                <a:solidFill>
+                  <a:schemeClr val="tx1"/>
+                </a:solidFill>
+                <a:latin typeface="+mn-lt"/>
+                <a:ea typeface="+mn-ea"/>
+                <a:cs typeface="+mn-cs"/>
+              </a:rPr>
+              <a:t>QueryHandler</a:t>
             </a:r>
             <a:endParaRPr lang="en-US" dirty="0"/>
           </a:p>
@@ -1410,7 +2311,7 @@
           <a:p>
             <a:fld id="{4EAAF290-B62D-4CB0-8AC8-2F3F85108F39}" type="slidenum">
               <a:rPr lang="en-US" smtClean="0"/>
-              <a:t>9</a:t>
+              <a:t>5</a:t>
             </a:fld>
             <a:endParaRPr lang="en-US"/>
           </a:p>
@@ -1419,7 +2320,7 @@
     </p:spTree>
     <p:extLst>
       <p:ext uri="{BB962C8B-B14F-4D97-AF65-F5344CB8AC3E}">
-        <p14:creationId xmlns:p14="http://schemas.microsoft.com/office/powerpoint/2010/main" val="851725014"/>
+        <p14:creationId xmlns:p14="http://schemas.microsoft.com/office/powerpoint/2010/main" val="1704212335"/>
       </p:ext>
     </p:extLst>
   </p:cSld>
@@ -1473,126 +2374,7 @@
           <a:bodyPr/>
           <a:lstStyle/>
           <a:p>
-            <a:r>
-              <a:rPr lang="en-US" sz="1200" kern="1200" dirty="0" err="1">
-                <a:solidFill>
-                  <a:schemeClr val="tx1"/>
-                </a:solidFill>
-                <a:latin typeface="+mn-lt"/>
-                <a:ea typeface="+mn-ea"/>
-                <a:cs typeface="+mn-cs"/>
-              </a:rPr>
-              <a:t>Demo.Logic.CQ.UpdateProduct</a:t>
-            </a:r>
-            <a:r>
-              <a:rPr lang="pl-PL" sz="1200" kern="1200" dirty="0">
-                <a:solidFill>
-                  <a:schemeClr val="tx1"/>
-                </a:solidFill>
-                <a:latin typeface="+mn-lt"/>
-                <a:ea typeface="+mn-ea"/>
-                <a:cs typeface="+mn-cs"/>
-              </a:rPr>
-              <a:t>.</a:t>
-            </a:r>
-            <a:r>
-              <a:rPr lang="pl-PL" sz="1200" kern="1200" dirty="0" err="1">
-                <a:solidFill>
-                  <a:schemeClr val="tx1"/>
-                </a:solidFill>
-                <a:latin typeface="+mn-lt"/>
-                <a:ea typeface="+mn-ea"/>
-                <a:cs typeface="+mn-cs"/>
-              </a:rPr>
-              <a:t>Command</a:t>
-            </a:r>
-            <a:endParaRPr lang="pl-PL" sz="1200" kern="1200" dirty="0">
-              <a:solidFill>
-                <a:schemeClr val="tx1"/>
-              </a:solidFill>
-              <a:latin typeface="+mn-lt"/>
-              <a:ea typeface="+mn-ea"/>
-              <a:cs typeface="+mn-cs"/>
-            </a:endParaRPr>
-          </a:p>
-          <a:p>
-            <a:r>
-              <a:rPr lang="en-US" sz="1200" kern="1200" dirty="0" err="1">
-                <a:solidFill>
-                  <a:schemeClr val="tx1"/>
-                </a:solidFill>
-                <a:latin typeface="+mn-lt"/>
-                <a:ea typeface="+mn-ea"/>
-                <a:cs typeface="+mn-cs"/>
-              </a:rPr>
-              <a:t>Demo.Logic.CQ.UpdateProduct</a:t>
-            </a:r>
-            <a:r>
-              <a:rPr lang="pl-PL" sz="1200" kern="1200" dirty="0">
-                <a:solidFill>
-                  <a:schemeClr val="tx1"/>
-                </a:solidFill>
-                <a:latin typeface="+mn-lt"/>
-                <a:ea typeface="+mn-ea"/>
-                <a:cs typeface="+mn-cs"/>
-              </a:rPr>
-              <a:t>.</a:t>
-            </a:r>
-            <a:r>
-              <a:rPr lang="pl-PL" sz="1200" kern="1200" dirty="0" err="1">
-                <a:solidFill>
-                  <a:schemeClr val="tx1"/>
-                </a:solidFill>
-                <a:latin typeface="+mn-lt"/>
-                <a:ea typeface="+mn-ea"/>
-                <a:cs typeface="+mn-cs"/>
-              </a:rPr>
-              <a:t>CommandHandler</a:t>
-            </a:r>
-            <a:endParaRPr lang="pl-PL" sz="1200" kern="1200" dirty="0">
-              <a:solidFill>
-                <a:schemeClr val="tx1"/>
-              </a:solidFill>
-              <a:latin typeface="+mn-lt"/>
-              <a:ea typeface="+mn-ea"/>
-              <a:cs typeface="+mn-cs"/>
-            </a:endParaRPr>
-          </a:p>
-          <a:p>
-            <a:r>
-              <a:rPr lang="en-US" sz="1200" kern="1200" dirty="0" err="1">
-                <a:solidFill>
-                  <a:schemeClr val="tx1"/>
-                </a:solidFill>
-                <a:latin typeface="+mn-lt"/>
-                <a:ea typeface="+mn-ea"/>
-                <a:cs typeface="+mn-cs"/>
-              </a:rPr>
-              <a:t>Demo.Logic.CQ.UpdateProduct</a:t>
-            </a:r>
-            <a:r>
-              <a:rPr lang="pl-PL" sz="1200" kern="1200" dirty="0">
-                <a:solidFill>
-                  <a:schemeClr val="tx1"/>
-                </a:solidFill>
-                <a:latin typeface="+mn-lt"/>
-                <a:ea typeface="+mn-ea"/>
-                <a:cs typeface="+mn-cs"/>
-              </a:rPr>
-              <a:t>.</a:t>
-            </a:r>
-            <a:r>
-              <a:rPr lang="pl-PL" sz="1200" kern="1200" dirty="0" err="1">
-                <a:solidFill>
-                  <a:schemeClr val="tx1"/>
-                </a:solidFill>
-                <a:latin typeface="+mn-lt"/>
-                <a:ea typeface="+mn-ea"/>
-                <a:cs typeface="+mn-cs"/>
-              </a:rPr>
-              <a:t>Repository</a:t>
-            </a:r>
-            <a:endParaRPr lang="en-US" dirty="0"/>
+            <a:endParaRPr lang="en-US"/>
           </a:p>
         </p:txBody>
       </p:sp>
@@ -1613,7 +2395,7 @@
           <a:p>
             <a:fld id="{4EAAF290-B62D-4CB0-8AC8-2F3F85108F39}" type="slidenum">
               <a:rPr lang="en-US" smtClean="0"/>
-              <a:t>10</a:t>
+              <a:t>6</a:t>
             </a:fld>
             <a:endParaRPr lang="en-US"/>
           </a:p>
@@ -1622,7 +2404,7 @@
     </p:spTree>
     <p:extLst>
       <p:ext uri="{BB962C8B-B14F-4D97-AF65-F5344CB8AC3E}">
-        <p14:creationId xmlns:p14="http://schemas.microsoft.com/office/powerpoint/2010/main" val="1010698844"/>
+        <p14:creationId xmlns:p14="http://schemas.microsoft.com/office/powerpoint/2010/main" val="2365825743"/>
       </p:ext>
     </p:extLst>
   </p:cSld>
@@ -1685,7 +2467,7 @@
                 <a:ea typeface="+mn-ea"/>
                 <a:cs typeface="+mn-cs"/>
               </a:rPr>
-              <a:t>Demo.Logic.CQ.GetProductById</a:t>
+              <a:t>Demo.Logic.CQ.UpdateSubproducts</a:t>
             </a:r>
             <a:r>
               <a:rPr lang="pl-PL" sz="1200" kern="1200" dirty="0">
@@ -1699,7 +2481,7 @@
               <a:t>.</a:t>
             </a:r>
             <a:r>
-              <a:rPr lang="pl-PL" sz="1200" kern="1200" dirty="0" err="1">
+              <a:rPr lang="en-US" sz="1200" kern="1200" dirty="0" err="1">
                 <a:solidFill>
                   <a:schemeClr val="tx1"/>
                 </a:solidFill>
@@ -1707,237 +2489,7 @@
                 <a:ea typeface="+mn-ea"/>
                 <a:cs typeface="+mn-cs"/>
               </a:rPr>
-              <a:t>Repository</a:t>
-            </a:r>
-            <a:endParaRPr lang="pl-PL" sz="1200" kern="1200" dirty="0">
-              <a:solidFill>
-                <a:schemeClr val="tx1"/>
-              </a:solidFill>
-              <a:latin typeface="+mn-lt"/>
-              <a:ea typeface="+mn-ea"/>
-              <a:cs typeface="+mn-cs"/>
-            </a:endParaRPr>
-          </a:p>
-          <a:p>
-            <a:r>
-              <a:rPr lang="pl-PL" sz="1200" kern="1200" dirty="0">
-                <a:solidFill>
-                  <a:schemeClr val="tx1"/>
-                </a:solidFill>
-                <a:latin typeface="+mn-lt"/>
-                <a:ea typeface="+mn-ea"/>
-                <a:cs typeface="+mn-cs"/>
-              </a:rPr>
-              <a:t>Show</a:t>
-            </a:r>
-            <a:r>
-              <a:rPr lang="pl-PL" sz="1200" kern="1200" baseline="0" dirty="0">
-                <a:solidFill>
-                  <a:schemeClr val="tx1"/>
-                </a:solidFill>
-                <a:latin typeface="+mn-lt"/>
-                <a:ea typeface="+mn-ea"/>
-                <a:cs typeface="+mn-cs"/>
-              </a:rPr>
-              <a:t> </a:t>
-            </a:r>
-            <a:r>
-              <a:rPr lang="pl-PL" sz="1200" kern="1200" baseline="0" dirty="0" err="1">
-                <a:solidFill>
-                  <a:schemeClr val="tx1"/>
-                </a:solidFill>
-                <a:latin typeface="+mn-lt"/>
-                <a:ea typeface="+mn-ea"/>
-                <a:cs typeface="+mn-cs"/>
-              </a:rPr>
-              <a:t>how</a:t>
-            </a:r>
-            <a:r>
-              <a:rPr lang="pl-PL" sz="1200" kern="1200" baseline="0" dirty="0">
-                <a:solidFill>
-                  <a:schemeClr val="tx1"/>
-                </a:solidFill>
-                <a:latin typeface="+mn-lt"/>
-                <a:ea typeface="+mn-ea"/>
-                <a:cs typeface="+mn-cs"/>
-              </a:rPr>
-              <a:t> to </a:t>
-            </a:r>
-            <a:r>
-              <a:rPr lang="pl-PL" sz="1200" kern="1200" baseline="0" dirty="0" err="1">
-                <a:solidFill>
-                  <a:schemeClr val="tx1"/>
-                </a:solidFill>
-                <a:latin typeface="+mn-lt"/>
-                <a:ea typeface="+mn-ea"/>
-                <a:cs typeface="+mn-cs"/>
-              </a:rPr>
-              <a:t>install</a:t>
-            </a:r>
-            <a:r>
-              <a:rPr lang="pl-PL" sz="1200" kern="1200" baseline="0" dirty="0">
-                <a:solidFill>
-                  <a:schemeClr val="tx1"/>
-                </a:solidFill>
-                <a:latin typeface="+mn-lt"/>
-                <a:ea typeface="+mn-ea"/>
-                <a:cs typeface="+mn-cs"/>
-              </a:rPr>
-              <a:t> </a:t>
-            </a:r>
-            <a:r>
-              <a:rPr lang="pl-PL" sz="1200" kern="1200" baseline="0" dirty="0" err="1">
-                <a:solidFill>
-                  <a:schemeClr val="tx1"/>
-                </a:solidFill>
-                <a:latin typeface="+mn-lt"/>
-                <a:ea typeface="+mn-ea"/>
-                <a:cs typeface="+mn-cs"/>
-              </a:rPr>
-              <a:t>Null</a:t>
-            </a:r>
-            <a:r>
-              <a:rPr lang="pl-PL" sz="1200" kern="1200" baseline="0" dirty="0">
-                <a:solidFill>
-                  <a:schemeClr val="tx1"/>
-                </a:solidFill>
-                <a:latin typeface="+mn-lt"/>
-                <a:ea typeface="+mn-ea"/>
-                <a:cs typeface="+mn-cs"/>
-              </a:rPr>
-              <a:t> </a:t>
-            </a:r>
-            <a:r>
-              <a:rPr lang="pl-PL" sz="1200" kern="1200" baseline="0" dirty="0" err="1">
-                <a:solidFill>
-                  <a:schemeClr val="tx1"/>
-                </a:solidFill>
-                <a:latin typeface="+mn-lt"/>
-                <a:ea typeface="+mn-ea"/>
-                <a:cs typeface="+mn-cs"/>
-              </a:rPr>
-              <a:t>Guard</a:t>
-            </a:r>
-            <a:r>
-              <a:rPr lang="pl-PL" sz="1200" kern="1200" baseline="0" dirty="0">
-                <a:solidFill>
-                  <a:schemeClr val="tx1"/>
-                </a:solidFill>
-                <a:latin typeface="+mn-lt"/>
-                <a:ea typeface="+mn-ea"/>
-                <a:cs typeface="+mn-cs"/>
-              </a:rPr>
-              <a:t> and </a:t>
-            </a:r>
-            <a:r>
-              <a:rPr lang="pl-PL" sz="1200" kern="1200" baseline="0" dirty="0" err="1">
-                <a:solidFill>
-                  <a:schemeClr val="tx1"/>
-                </a:solidFill>
-                <a:latin typeface="+mn-lt"/>
-                <a:ea typeface="+mn-ea"/>
-                <a:cs typeface="+mn-cs"/>
-              </a:rPr>
-              <a:t>configure</a:t>
-            </a:r>
-            <a:r>
-              <a:rPr lang="pl-PL" sz="1200" kern="1200" baseline="0" dirty="0">
-                <a:solidFill>
-                  <a:schemeClr val="tx1"/>
-                </a:solidFill>
-                <a:latin typeface="+mn-lt"/>
-                <a:ea typeface="+mn-ea"/>
-                <a:cs typeface="+mn-cs"/>
-              </a:rPr>
-              <a:t> (</a:t>
-            </a:r>
-            <a:r>
-              <a:rPr lang="pl-PL" sz="1200" kern="1200" baseline="0" dirty="0" err="1">
-                <a:solidFill>
-                  <a:schemeClr val="tx1"/>
-                </a:solidFill>
-                <a:latin typeface="+mn-lt"/>
-                <a:ea typeface="+mn-ea"/>
-                <a:cs typeface="+mn-cs"/>
-              </a:rPr>
-              <a:t>xml</a:t>
-            </a:r>
-            <a:r>
-              <a:rPr lang="pl-PL" sz="1200" kern="1200" baseline="0" dirty="0">
-                <a:solidFill>
-                  <a:schemeClr val="tx1"/>
-                </a:solidFill>
-                <a:latin typeface="+mn-lt"/>
-                <a:ea typeface="+mn-ea"/>
-                <a:cs typeface="+mn-cs"/>
-              </a:rPr>
-              <a:t>, </a:t>
-            </a:r>
-            <a:r>
-              <a:rPr lang="pl-PL" sz="1200" kern="1200" baseline="0" dirty="0" err="1">
-                <a:solidFill>
-                  <a:schemeClr val="tx1"/>
-                </a:solidFill>
-                <a:latin typeface="+mn-lt"/>
-                <a:ea typeface="+mn-ea"/>
-                <a:cs typeface="+mn-cs"/>
-              </a:rPr>
-              <a:t>null</a:t>
-            </a:r>
-            <a:r>
-              <a:rPr lang="pl-PL" sz="1200" kern="1200" baseline="0" dirty="0">
-                <a:solidFill>
-                  <a:schemeClr val="tx1"/>
-                </a:solidFill>
-                <a:latin typeface="+mn-lt"/>
-                <a:ea typeface="+mn-ea"/>
-                <a:cs typeface="+mn-cs"/>
-              </a:rPr>
-              <a:t> </a:t>
-            </a:r>
-            <a:r>
-              <a:rPr lang="pl-PL" sz="1200" kern="1200" baseline="0" dirty="0" err="1">
-                <a:solidFill>
-                  <a:schemeClr val="tx1"/>
-                </a:solidFill>
-                <a:latin typeface="+mn-lt"/>
-                <a:ea typeface="+mn-ea"/>
-                <a:cs typeface="+mn-cs"/>
-              </a:rPr>
-              <a:t>exemptions</a:t>
-            </a:r>
-            <a:r>
-              <a:rPr lang="pl-PL" sz="1200" kern="1200" baseline="0" dirty="0">
-                <a:solidFill>
-                  <a:schemeClr val="tx1"/>
-                </a:solidFill>
-                <a:latin typeface="+mn-lt"/>
-                <a:ea typeface="+mn-ea"/>
-                <a:cs typeface="+mn-cs"/>
-              </a:rPr>
-              <a:t> </a:t>
-            </a:r>
-            <a:r>
-              <a:rPr lang="pl-PL" sz="1200" kern="1200" baseline="0" dirty="0" err="1">
-                <a:solidFill>
-                  <a:schemeClr val="tx1"/>
-                </a:solidFill>
-                <a:latin typeface="+mn-lt"/>
-                <a:ea typeface="+mn-ea"/>
-                <a:cs typeface="+mn-cs"/>
-              </a:rPr>
-              <a:t>attribute</a:t>
-            </a:r>
-            <a:r>
-              <a:rPr lang="pl-PL" sz="1200" kern="1200" baseline="0" dirty="0">
-                <a:solidFill>
-                  <a:schemeClr val="tx1"/>
-                </a:solidFill>
-                <a:latin typeface="+mn-lt"/>
-                <a:ea typeface="+mn-ea"/>
-                <a:cs typeface="+mn-cs"/>
-              </a:rPr>
-              <a:t>)</a:t>
+              <a:t>CommandHandler</a:t>
             </a:r>
             <a:endParaRPr lang="en-US" dirty="0"/>
           </a:p>
@@ -1960,7 +2512,7 @@
           <a:p>
             <a:fld id="{4EAAF290-B62D-4CB0-8AC8-2F3F85108F39}" type="slidenum">
               <a:rPr lang="en-US" smtClean="0"/>
-              <a:t>11</a:t>
+              <a:t>7</a:t>
             </a:fld>
             <a:endParaRPr lang="en-US"/>
           </a:p>
@@ -1969,7 +2521,7 @@
     </p:spTree>
     <p:extLst>
       <p:ext uri="{BB962C8B-B14F-4D97-AF65-F5344CB8AC3E}">
-        <p14:creationId xmlns:p14="http://schemas.microsoft.com/office/powerpoint/2010/main" val="3830258933"/>
+        <p14:creationId xmlns:p14="http://schemas.microsoft.com/office/powerpoint/2010/main" val="1720299756"/>
       </p:ext>
     </p:extLst>
   </p:cSld>
@@ -2023,55 +2575,7 @@
           <a:bodyPr/>
           <a:lstStyle/>
           <a:p>
-            <a:r>
-              <a:rPr lang="pl-PL" dirty="0"/>
-              <a:t>Show on </a:t>
-            </a:r>
-            <a:r>
-              <a:rPr lang="pl-PL" dirty="0" err="1"/>
-              <a:t>which</a:t>
-            </a:r>
-            <a:r>
-              <a:rPr lang="pl-PL" dirty="0"/>
-              <a:t> </a:t>
-            </a:r>
-            <a:r>
-              <a:rPr lang="pl-PL" dirty="0" err="1"/>
-              <a:t>assemblies</a:t>
-            </a:r>
-            <a:r>
-              <a:rPr lang="pl-PL" dirty="0"/>
-              <a:t> </a:t>
-            </a:r>
-            <a:r>
-              <a:rPr lang="pl-PL" dirty="0" err="1"/>
-              <a:t>null</a:t>
-            </a:r>
-            <a:r>
-              <a:rPr lang="pl-PL" dirty="0"/>
-              <a:t> </a:t>
-            </a:r>
-            <a:r>
-              <a:rPr lang="pl-PL" dirty="0" err="1"/>
-              <a:t>guard</a:t>
-            </a:r>
-            <a:r>
-              <a:rPr lang="pl-PL" dirty="0"/>
-              <a:t> </a:t>
-            </a:r>
-            <a:r>
-              <a:rPr lang="pl-PL" dirty="0" err="1"/>
-              <a:t>is</a:t>
-            </a:r>
-            <a:r>
-              <a:rPr lang="pl-PL" dirty="0"/>
-              <a:t> </a:t>
-            </a:r>
-            <a:r>
-              <a:rPr lang="pl-PL" dirty="0" err="1"/>
-              <a:t>installed</a:t>
-            </a:r>
-            <a:endParaRPr lang="en-US" dirty="0"/>
+            <a:endParaRPr lang="en-US"/>
           </a:p>
         </p:txBody>
       </p:sp>
@@ -2092,7 +2596,7 @@
           <a:p>
             <a:fld id="{4EAAF290-B62D-4CB0-8AC8-2F3F85108F39}" type="slidenum">
               <a:rPr lang="en-US" smtClean="0"/>
-              <a:t>12</a:t>
+              <a:t>8</a:t>
             </a:fld>
             <a:endParaRPr lang="en-US"/>
           </a:p>
@@ -2101,7 +2605,7 @@
     </p:spTree>
     <p:extLst>
       <p:ext uri="{BB962C8B-B14F-4D97-AF65-F5344CB8AC3E}">
-        <p14:creationId xmlns:p14="http://schemas.microsoft.com/office/powerpoint/2010/main" val="431600977"/>
+        <p14:creationId xmlns:p14="http://schemas.microsoft.com/office/powerpoint/2010/main" val="4050305896"/>
       </p:ext>
     </p:extLst>
   </p:cSld>
@@ -2164,7 +2668,7 @@
                 <a:ea typeface="+mn-ea"/>
                 <a:cs typeface="+mn-cs"/>
               </a:rPr>
-              <a:t>Demo.Logic.Facades.Base</a:t>
+              <a:t>Demo.Logic.CQ.UpdateSubproducts</a:t>
             </a:r>
             <a:r>
               <a:rPr lang="pl-PL" sz="1200" kern="1200" dirty="0">
@@ -2186,7 +2690,7 @@
                 <a:ea typeface="+mn-ea"/>
                 <a:cs typeface="+mn-cs"/>
               </a:rPr>
-              <a:t>Helper</a:t>
+              <a:t>Command</a:t>
             </a:r>
             <a:endParaRPr lang="en-US" dirty="0"/>
           </a:p>
@@ -2209,7 +2713,7 @@
           <a:p>
             <a:fld id="{4EAAF290-B62D-4CB0-8AC8-2F3F85108F39}" type="slidenum">
               <a:rPr lang="en-US" smtClean="0"/>
-              <a:t>13</a:t>
+              <a:t>9</a:t>
             </a:fld>
             <a:endParaRPr lang="en-US"/>
           </a:p>
@@ -2218,7 +2722,7 @@
     </p:spTree>
     <p:extLst>
       <p:ext uri="{BB962C8B-B14F-4D97-AF65-F5344CB8AC3E}">
-        <p14:creationId xmlns:p14="http://schemas.microsoft.com/office/powerpoint/2010/main" val="981609761"/>
+        <p14:creationId xmlns:p14="http://schemas.microsoft.com/office/powerpoint/2010/main" val="851725014"/>
       </p:ext>
     </p:extLst>
   </p:cSld>
@@ -10850,4 +11354,299 @@
     </a:ext>
   </a:extLst>
 </a:theme>
+</file>
+
+<file path=ppt/theme/theme3.xml><?xml version="1.0" encoding="utf-8"?>
+<a:theme xmlns:a="http://schemas.openxmlformats.org/drawingml/2006/main" name="Office Theme">
+  <a:themeElements>
+    <a:clrScheme name="Office">
+      <a:dk1>
+        <a:sysClr val="windowText" lastClr="000000"/>
+      </a:dk1>
+      <a:lt1>
+        <a:sysClr val="window" lastClr="FFFFFF"/>
+      </a:lt1>
+      <a:dk2>
+        <a:srgbClr val="44546A"/>
+      </a:dk2>
+      <a:lt2>
+        <a:srgbClr val="E7E6E6"/>
+      </a:lt2>
+      <a:accent1>
+        <a:srgbClr val="5B9BD5"/>
+      </a:accent1>
+      <a:accent2>
+        <a:srgbClr val="ED7D31"/>
+      </a:accent2>
+      <a:accent3>
+        <a:srgbClr val="A5A5A5"/>
+      </a:accent3>
+      <a:accent4>
+        <a:srgbClr val="FFC000"/>
+      </a:accent4>
+      <a:accent5>
+        <a:srgbClr val="4472C4"/>
+      </a:accent5>
+      <a:accent6>
+        <a:srgbClr val="70AD47"/>
+      </a:accent6>
+      <a:hlink>
+        <a:srgbClr val="0563C1"/>
+      </a:hlink>
+      <a:folHlink>
+        <a:srgbClr val="954F72"/>
+      </a:folHlink>
+    </a:clrScheme>
+    <a:fontScheme name="Office">
+      <a:majorFont>
+        <a:latin typeface="Calibri Light" panose="020F0302020204030204"/>
+        <a:ea typeface=""/>
+        <a:cs typeface=""/>
+        <a:font script="Jpan" typeface="游ゴシック Light"/>
+        <a:font script="Hang" typeface="맑은 고딕"/>
+        <a:font script="Hans" typeface="等线 Light"/>
+        <a:font script="Hant" typeface="新細明體"/>
+        <a:font script="Arab" typeface="Times New Roman"/>
+        <a:font script="Hebr" typeface="Times New Roman"/>
+        <a:font script="Thai" typeface="Angsana New"/>
+        <a:font script="Ethi" typeface="Nyala"/>
+        <a:font script="Beng" typeface="Vrinda"/>
+        <a:font script="Gujr" typeface="Shruti"/>
+        <a:font script="Khmr" typeface="MoolBoran"/>
+        <a:font script="Knda" typeface="Tunga"/>
+        <a:font script="Guru" typeface="Raavi"/>
+        <a:font script="Cans" typeface="Euphemia"/>
+        <a:font script="Cher" typeface="Plantagenet Cherokee"/>
+        <a:font script="Yiii" typeface="Microsoft Yi Baiti"/>
+        <a:font script="Tibt" typeface="Microsoft Himalaya"/>
+        <a:font script="Thaa" typeface="MV Boli"/>
+        <a:font script="Deva" typeface="Mangal"/>
+        <a:font script="Telu" typeface="Gautami"/>
+        <a:font script="Taml" typeface="Latha"/>
+        <a:font script="Syrc" typeface="Estrangelo Edessa"/>
+        <a:font script="Orya" typeface="Kalinga"/>
+        <a:font script="Mlym" typeface="Kartika"/>
+        <a:font script="Laoo" typeface="DokChampa"/>
+        <a:font script="Sinh" typeface="Iskoola Pota"/>
+        <a:font script="Mong" typeface="Mongolian Baiti"/>
+        <a:font script="Viet" typeface="Times New Roman"/>
+        <a:font script="Uigh" typeface="Microsoft Uighur"/>
+        <a:font script="Geor" typeface="Sylfaen"/>
+        <a:font script="Armn" typeface="Arial"/>
+        <a:font script="Bugi" typeface="Leelawadee UI"/>
+        <a:font script="Bopo" typeface="Microsoft JhengHei"/>
+        <a:font script="Java" typeface="Javanese Text"/>
+        <a:font script="Lisu" typeface="Segoe UI"/>
+        <a:font script="Mymr" typeface="Myanmar Text"/>
+        <a:font script="Nkoo" typeface="Ebrima"/>
+        <a:font script="Olck" typeface="Nirmala UI"/>
+        <a:font script="Osma" typeface="Ebrima"/>
+        <a:font script="Phag" typeface="Phagspa"/>
+        <a:font script="Syrn" typeface="Estrangelo Edessa"/>
+        <a:font script="Syrj" typeface="Estrangelo Edessa"/>
+        <a:font script="Syre" typeface="Estrangelo Edessa"/>
+        <a:font script="Sora" typeface="Nirmala UI"/>
+        <a:font script="Tale" typeface="Microsoft Tai Le"/>
+        <a:font script="Talu" typeface="Microsoft New Tai Lue"/>
+        <a:font script="Tfng" typeface="Ebrima"/>
+      </a:majorFont>
+      <a:minorFont>
+        <a:latin typeface="Calibri" panose="020F0502020204030204"/>
+        <a:ea typeface=""/>
+        <a:cs typeface=""/>
+        <a:font script="Jpan" typeface="游ゴシック"/>
+        <a:font script="Hang" typeface="맑은 고딕"/>
+        <a:font script="Hans" typeface="等线"/>
+        <a:font script="Hant" typeface="新細明體"/>
+        <a:font script="Arab" typeface="Arial"/>
+        <a:font script="Hebr" typeface="Arial"/>
+        <a:font script="Thai" typeface="Cordia New"/>
+        <a:font script="Ethi" typeface="Nyala"/>
+        <a:font script="Beng" typeface="Vrinda"/>
+        <a:font script="Gujr" typeface="Shruti"/>
+        <a:font script="Khmr" typeface="DaunPenh"/>
+        <a:font script="Knda" typeface="Tunga"/>
+        <a:font script="Guru" typeface="Raavi"/>
+        <a:font script="Cans" typeface="Euphemia"/>
+        <a:font script="Cher" typeface="Plantagenet Cherokee"/>
+        <a:font script="Yiii" typeface="Microsoft Yi Baiti"/>
+        <a:font script="Tibt" typeface="Microsoft Himalaya"/>
+        <a:font script="Thaa" typeface="MV Boli"/>
+        <a:font script="Deva" typeface="Mangal"/>
+        <a:font script="Telu" typeface="Gautami"/>
+        <a:font script="Taml" typeface="Latha"/>
+        <a:font script="Syrc" typeface="Estrangelo Edessa"/>
+        <a:font script="Orya" typeface="Kalinga"/>
+        <a:font script="Mlym" typeface="Kartika"/>
+        <a:font script="Laoo" typeface="DokChampa"/>
+        <a:font script="Sinh" typeface="Iskoola Pota"/>
+        <a:font script="Mong" typeface="Mongolian Baiti"/>
+        <a:font script="Viet" typeface="Arial"/>
+        <a:font script="Uigh" typeface="Microsoft Uighur"/>
+        <a:font script="Geor" typeface="Sylfaen"/>
+        <a:font script="Armn" typeface="Arial"/>
+        <a:font script="Bugi" typeface="Leelawadee UI"/>
+        <a:font script="Bopo" typeface="Microsoft JhengHei"/>
+        <a:font script="Java" typeface="Javanese Text"/>
+        <a:font script="Lisu" typeface="Segoe UI"/>
+        <a:font script="Mymr" typeface="Myanmar Text"/>
+        <a:font script="Nkoo" typeface="Ebrima"/>
+        <a:font script="Olck" typeface="Nirmala UI"/>
+        <a:font script="Osma" typeface="Ebrima"/>
+        <a:font script="Phag" typeface="Phagspa"/>
+        <a:font script="Syrn" typeface="Estrangelo Edessa"/>
+        <a:font script="Syrj" typeface="Estrangelo Edessa"/>
+        <a:font script="Syre" typeface="Estrangelo Edessa"/>
+        <a:font script="Sora" typeface="Nirmala UI"/>
+        <a:font script="Tale" typeface="Microsoft Tai Le"/>
+        <a:font script="Talu" typeface="Microsoft New Tai Lue"/>
+        <a:font script="Tfng" typeface="Ebrima"/>
+      </a:minorFont>
+    </a:fontScheme>
+    <a:fmtScheme name="Office">
+      <a:fillStyleLst>
+        <a:solidFill>
+          <a:schemeClr val="phClr"/>
+        </a:solidFill>
+        <a:gradFill rotWithShape="1">
+          <a:gsLst>
+            <a:gs pos="0">
+              <a:schemeClr val="phClr">
+                <a:lumMod val="110000"/>
+                <a:satMod val="105000"/>
+                <a:tint val="67000"/>
+              </a:schemeClr>
+            </a:gs>
+            <a:gs pos="50000">
+              <a:schemeClr val="phClr">
+                <a:lumMod val="105000"/>
+                <a:satMod val="103000"/>
+                <a:tint val="73000"/>
+              </a:schemeClr>
+            </a:gs>
+            <a:gs pos="100000">
+              <a:schemeClr val="phClr">
+                <a:lumMod val="105000"/>
+                <a:satMod val="109000"/>
+                <a:tint val="81000"/>
+              </a:schemeClr>
+            </a:gs>
+          </a:gsLst>
+          <a:lin ang="5400000" scaled="0"/>
+        </a:gradFill>
+        <a:gradFill rotWithShape="1">
+          <a:gsLst>
+            <a:gs pos="0">
+              <a:schemeClr val="phClr">
+                <a:satMod val="103000"/>
+                <a:lumMod val="102000"/>
+                <a:tint val="94000"/>
+              </a:schemeClr>
+            </a:gs>
+            <a:gs pos="50000">
+              <a:schemeClr val="phClr">
+                <a:satMod val="110000"/>
+                <a:lumMod val="100000"/>
+                <a:shade val="100000"/>
+              </a:schemeClr>
+            </a:gs>
+            <a:gs pos="100000">
+              <a:schemeClr val="phClr">
+                <a:lumMod val="99000"/>
+                <a:satMod val="120000"/>
+                <a:shade val="78000"/>
+              </a:schemeClr>
+            </a:gs>
+          </a:gsLst>
+          <a:lin ang="5400000" scaled="0"/>
+        </a:gradFill>
+      </a:fillStyleLst>
+      <a:lnStyleLst>
+        <a:ln w="6350" cap="flat" cmpd="sng" algn="ctr">
+          <a:solidFill>
+            <a:schemeClr val="phClr"/>
+          </a:solidFill>
+          <a:prstDash val="solid"/>
+          <a:miter lim="800000"/>
+        </a:ln>
+        <a:ln w="12700" cap="flat" cmpd="sng" algn="ctr">
+          <a:solidFill>
+            <a:schemeClr val="phClr"/>
+          </a:solidFill>
+          <a:prstDash val="solid"/>
+          <a:miter lim="800000"/>
+        </a:ln>
+        <a:ln w="19050" cap="flat" cmpd="sng" algn="ctr">
+          <a:solidFill>
+            <a:schemeClr val="phClr"/>
+          </a:solidFill>
+          <a:prstDash val="solid"/>
+          <a:miter lim="800000"/>
+        </a:ln>
+      </a:lnStyleLst>
+      <a:effectStyleLst>
+        <a:effectStyle>
+          <a:effectLst/>
+        </a:effectStyle>
+        <a:effectStyle>
+          <a:effectLst/>
+        </a:effectStyle>
+        <a:effectStyle>
+          <a:effectLst>
+            <a:outerShdw blurRad="57150" dist="19050" dir="5400000" algn="ctr" rotWithShape="0">
+              <a:srgbClr val="000000">
+                <a:alpha val="63000"/>
+              </a:srgbClr>
+            </a:outerShdw>
+          </a:effectLst>
+        </a:effectStyle>
+      </a:effectStyleLst>
+      <a:bgFillStyleLst>
+        <a:solidFill>
+          <a:schemeClr val="phClr"/>
+        </a:solidFill>
+        <a:solidFill>
+          <a:schemeClr val="phClr">
+            <a:tint val="95000"/>
+            <a:satMod val="170000"/>
+          </a:schemeClr>
+        </a:solidFill>
+        <a:gradFill rotWithShape="1">
+          <a:gsLst>
+            <a:gs pos="0">
+              <a:schemeClr val="phClr">
+                <a:tint val="93000"/>
+                <a:satMod val="150000"/>
+                <a:shade val="98000"/>
+                <a:lumMod val="102000"/>
+              </a:schemeClr>
+            </a:gs>
+            <a:gs pos="50000">
+              <a:schemeClr val="phClr">
+                <a:tint val="98000"/>
+                <a:satMod val="130000"/>
+                <a:shade val="90000"/>
+                <a:lumMod val="103000"/>
+              </a:schemeClr>
+            </a:gs>
+            <a:gs pos="100000">
+              <a:schemeClr val="phClr">
+                <a:shade val="63000"/>
+                <a:satMod val="120000"/>
+              </a:schemeClr>
+            </a:gs>
+          </a:gsLst>
+          <a:lin ang="5400000" scaled="0"/>
+        </a:gradFill>
+      </a:bgFillStyleLst>
+    </a:fmtScheme>
+  </a:themeElements>
+  <a:objectDefaults/>
+  <a:extraClrSchemeLst/>
+  <a:extLst>
+    <a:ext uri="{05A4C25C-085E-4340-85A3-A5531E510DB2}">
+      <thm15:themeFamily xmlns:thm15="http://schemas.microsoft.com/office/thememl/2012/main" name="Office Theme" id="{62F939B6-93AF-4DB8-9C6B-D6C7DFDC589F}" vid="{4A3C46E8-61CC-4603-A589-7422A47A8E4A}"/>
+    </a:ext>
+  </a:extLst>
+</a:theme>
 </file>
--- a/Presentation.pptx
+++ b/Presentation.pptx
@@ -213,7 +213,7 @@
           <a:p>
             <a:fld id="{EE1B07CF-4139-4C52-9895-1EE0A749592B}" type="datetimeFigureOut">
               <a:rPr lang="en-US" smtClean="0"/>
-              <a:t>11/30/2016</a:t>
+              <a:t>9/7/2017</a:t>
             </a:fld>
             <a:endParaRPr lang="en-US"/>
           </a:p>
@@ -378,7 +378,7 @@
           <a:p>
             <a:fld id="{9C6F807B-2A0F-480E-9E04-B0484CB2FEB9}" type="datetimeFigureOut">
               <a:rPr lang="en-US" smtClean="0"/>
-              <a:t>11/30/2016</a:t>
+              <a:t>9/7/2017</a:t>
             </a:fld>
             <a:endParaRPr lang="en-US"/>
           </a:p>
@@ -2575,7 +2575,18 @@
           <a:bodyPr/>
           <a:lstStyle/>
           <a:p>
-            <a:endParaRPr lang="en-US"/>
+            <a:r>
+              <a:rPr lang="pl-PL" sz="1200" kern="1200" dirty="0" err="1">
+                <a:solidFill>
+                  <a:schemeClr val="tx1"/>
+                </a:solidFill>
+                <a:latin typeface="+mn-lt"/>
+                <a:ea typeface="+mn-ea"/>
+                <a:cs typeface="+mn-cs"/>
+              </a:rPr>
+              <a:t>Demo.Logic.Tests.AliasingBugTests</a:t>
+            </a:r>
+            <a:endParaRPr lang="en-US" dirty="0"/>
           </a:p>
         </p:txBody>
       </p:sp>
@@ -2918,7 +2929,7 @@
           <a:p>
             <a:fld id="{4AAD347D-5ACD-4C99-B74B-A9C85AD731AF}" type="datetimeFigureOut">
               <a:rPr lang="en-US" dirty="0"/>
-              <a:t>11/30/2016</a:t>
+              <a:t>9/7/2017</a:t>
             </a:fld>
             <a:endParaRPr lang="en-US" dirty="0"/>
           </a:p>
@@ -3188,7 +3199,7 @@
           <a:p>
             <a:fld id="{4509A250-FF31-4206-8172-F9D3106AACB1}" type="datetimeFigureOut">
               <a:rPr lang="en-US" dirty="0"/>
-              <a:t>11/30/2016</a:t>
+              <a:t>9/7/2017</a:t>
             </a:fld>
             <a:endParaRPr lang="en-US" dirty="0"/>
           </a:p>
@@ -3377,7 +3388,7 @@
           <a:p>
             <a:fld id="{4509A250-FF31-4206-8172-F9D3106AACB1}" type="datetimeFigureOut">
               <a:rPr lang="en-US" dirty="0"/>
-              <a:t>11/30/2016</a:t>
+              <a:t>9/7/2017</a:t>
             </a:fld>
             <a:endParaRPr lang="en-US" dirty="0"/>
           </a:p>
@@ -3645,7 +3656,7 @@
           <a:p>
             <a:fld id="{4509A250-FF31-4206-8172-F9D3106AACB1}" type="datetimeFigureOut">
               <a:rPr lang="en-US" dirty="0"/>
-              <a:t>11/30/2016</a:t>
+              <a:t>9/7/2017</a:t>
             </a:fld>
             <a:endParaRPr lang="en-US" dirty="0"/>
           </a:p>
@@ -3981,7 +3992,7 @@
           <a:p>
             <a:fld id="{4509A250-FF31-4206-8172-F9D3106AACB1}" type="datetimeFigureOut">
               <a:rPr lang="en-US" dirty="0"/>
-              <a:t>11/30/2016</a:t>
+              <a:t>9/7/2017</a:t>
             </a:fld>
             <a:endParaRPr lang="en-US" dirty="0"/>
           </a:p>
@@ -4599,7 +4610,7 @@
           <a:p>
             <a:fld id="{4509A250-FF31-4206-8172-F9D3106AACB1}" type="datetimeFigureOut">
               <a:rPr lang="en-US" dirty="0"/>
-              <a:t>11/30/2016</a:t>
+              <a:t>9/7/2017</a:t>
             </a:fld>
             <a:endParaRPr lang="en-US" dirty="0"/>
           </a:p>
@@ -5454,7 +5465,7 @@
           <a:p>
             <a:fld id="{4509A250-FF31-4206-8172-F9D3106AACB1}" type="datetimeFigureOut">
               <a:rPr lang="en-US" dirty="0"/>
-              <a:t>11/30/2016</a:t>
+              <a:t>9/7/2017</a:t>
             </a:fld>
             <a:endParaRPr lang="en-US" dirty="0"/>
           </a:p>
@@ -5619,7 +5630,7 @@
           <a:p>
             <a:fld id="{4509A250-FF31-4206-8172-F9D3106AACB1}" type="datetimeFigureOut">
               <a:rPr lang="en-US" dirty="0"/>
-              <a:t>11/30/2016</a:t>
+              <a:t>9/7/2017</a:t>
             </a:fld>
             <a:endParaRPr lang="en-US" dirty="0"/>
           </a:p>
@@ -5794,7 +5805,7 @@
           <a:p>
             <a:fld id="{4509A250-FF31-4206-8172-F9D3106AACB1}" type="datetimeFigureOut">
               <a:rPr lang="en-US" dirty="0"/>
-              <a:t>11/30/2016</a:t>
+              <a:t>9/7/2017</a:t>
             </a:fld>
             <a:endParaRPr lang="en-US" dirty="0"/>
           </a:p>
@@ -5959,7 +5970,7 @@
           <a:p>
             <a:fld id="{4509A250-FF31-4206-8172-F9D3106AACB1}" type="datetimeFigureOut">
               <a:rPr lang="en-US" dirty="0"/>
-              <a:t>11/30/2016</a:t>
+              <a:t>9/7/2017</a:t>
             </a:fld>
             <a:endParaRPr lang="en-US" dirty="0"/>
           </a:p>
@@ -6201,7 +6212,7 @@
           <a:p>
             <a:fld id="{9796027F-7875-4030-9381-8BD8C4F21935}" type="datetimeFigureOut">
               <a:rPr lang="en-US" dirty="0"/>
-              <a:t>11/30/2016</a:t>
+              <a:t>9/7/2017</a:t>
             </a:fld>
             <a:endParaRPr lang="en-US" dirty="0"/>
           </a:p>
@@ -6488,7 +6499,7 @@
           <a:p>
             <a:fld id="{9796027F-7875-4030-9381-8BD8C4F21935}" type="datetimeFigureOut">
               <a:rPr lang="en-US" dirty="0"/>
-              <a:t>11/30/2016</a:t>
+              <a:t>9/7/2017</a:t>
             </a:fld>
             <a:endParaRPr lang="en-US" dirty="0"/>
           </a:p>
@@ -6927,7 +6938,7 @@
           <a:p>
             <a:fld id="{9796027F-7875-4030-9381-8BD8C4F21935}" type="datetimeFigureOut">
               <a:rPr lang="en-US" dirty="0"/>
-              <a:t>11/30/2016</a:t>
+              <a:t>9/7/2017</a:t>
             </a:fld>
             <a:endParaRPr lang="en-US" dirty="0"/>
           </a:p>
@@ -7040,7 +7051,7 @@
           <a:p>
             <a:fld id="{4509A250-FF31-4206-8172-F9D3106AACB1}" type="datetimeFigureOut">
               <a:rPr lang="en-US" dirty="0"/>
-              <a:t>11/30/2016</a:t>
+              <a:t>9/7/2017</a:t>
             </a:fld>
             <a:endParaRPr lang="en-US" dirty="0"/>
           </a:p>
@@ -7130,7 +7141,7 @@
           <a:p>
             <a:fld id="{4509A250-FF31-4206-8172-F9D3106AACB1}" type="datetimeFigureOut">
               <a:rPr lang="en-US" dirty="0"/>
-              <a:t>11/30/2016</a:t>
+              <a:t>9/7/2017</a:t>
             </a:fld>
             <a:endParaRPr lang="en-US" dirty="0"/>
           </a:p>
@@ -7404,7 +7415,7 @@
           <a:p>
             <a:fld id="{4509A250-FF31-4206-8172-F9D3106AACB1}" type="datetimeFigureOut">
               <a:rPr lang="en-US" dirty="0"/>
-              <a:t>11/30/2016</a:t>
+              <a:t>9/7/2017</a:t>
             </a:fld>
             <a:endParaRPr lang="en-US" dirty="0"/>
           </a:p>
@@ -7674,7 +7685,7 @@
           <a:p>
             <a:fld id="{4509A250-FF31-4206-8172-F9D3106AACB1}" type="datetimeFigureOut">
               <a:rPr lang="en-US" dirty="0"/>
-              <a:t>11/30/2016</a:t>
+              <a:t>9/7/2017</a:t>
             </a:fld>
             <a:endParaRPr lang="en-US" dirty="0"/>
           </a:p>
@@ -8098,7 +8109,7 @@
           <a:p>
             <a:fld id="{4AAD347D-5ACD-4C99-B74B-A9C85AD731AF}" type="datetimeFigureOut">
               <a:rPr lang="en-US" dirty="0"/>
-              <a:t>11/30/2016</a:t>
+              <a:t>9/7/2017</a:t>
             </a:fld>
             <a:endParaRPr lang="en-US" dirty="0"/>
           </a:p>
@@ -10507,6 +10518,42 @@
               <a:rPr lang="en-US" dirty="0"/>
               <a:t>With immutable classes, it is needed to validate their invariants only once, in the constructor. Once an instance of an immutable class is created, we can be absolutely sure it resides in a valid state.</a:t>
             </a:r>
+            <a:endParaRPr lang="pl-PL" dirty="0"/>
+          </a:p>
+          <a:p>
+            <a:r>
+              <a:rPr lang="pl-PL" dirty="0" err="1"/>
+              <a:t>Immutablity</a:t>
+            </a:r>
+            <a:r>
+              <a:rPr lang="pl-PL" dirty="0"/>
+              <a:t> </a:t>
+            </a:r>
+            <a:r>
+              <a:rPr lang="pl-PL" dirty="0" err="1"/>
+              <a:t>protects</a:t>
+            </a:r>
+            <a:r>
+              <a:rPr lang="pl-PL" dirty="0"/>
+              <a:t> </a:t>
+            </a:r>
+            <a:r>
+              <a:rPr lang="pl-PL" dirty="0" err="1"/>
+              <a:t>against</a:t>
+            </a:r>
+            <a:r>
+              <a:rPr lang="pl-PL" dirty="0"/>
+              <a:t> </a:t>
+            </a:r>
+            <a:r>
+              <a:rPr lang="pl-PL" dirty="0" err="1"/>
+              <a:t>Aliasing</a:t>
+            </a:r>
+            <a:r>
+              <a:rPr lang="pl-PL" dirty="0"/>
+              <a:t> Bug</a:t>
+            </a:r>
+            <a:endParaRPr lang="en-US" dirty="0"/>
           </a:p>
           <a:p>
             <a:r>
